--- a/CNN_RNN_DNN/簡報1.pptx
+++ b/CNN_RNN_DNN/簡報1.pptx
@@ -104,6 +104,11 @@
       </a:defRPr>
     </a:lvl9pPr>
   </p:defaultTextStyle>
+  <p:extLst>
+    <p:ext uri="{EFAFB233-063F-42B5-8137-9DF3F51BA10A}">
+      <p15:sldGuideLst xmlns:p15="http://schemas.microsoft.com/office/powerpoint/2012/main"/>
+    </p:ext>
+  </p:extLst>
 </p:presentation>
 </file>
 
@@ -238,7 +243,7 @@
           <a:p>
             <a:fld id="{1FED5844-2A06-4501-B168-0DB6B69D04AC}" type="datetimeFigureOut">
               <a:rPr lang="zh-TW" altLang="en-US" smtClean="0"/>
-              <a:t>2017/6/24</a:t>
+              <a:t>2017/6/25</a:t>
             </a:fld>
             <a:endParaRPr lang="zh-TW" altLang="en-US"/>
           </a:p>
@@ -408,7 +413,7 @@
           <a:p>
             <a:fld id="{1FED5844-2A06-4501-B168-0DB6B69D04AC}" type="datetimeFigureOut">
               <a:rPr lang="zh-TW" altLang="en-US" smtClean="0"/>
-              <a:t>2017/6/24</a:t>
+              <a:t>2017/6/25</a:t>
             </a:fld>
             <a:endParaRPr lang="zh-TW" altLang="en-US"/>
           </a:p>
@@ -588,7 +593,7 @@
           <a:p>
             <a:fld id="{1FED5844-2A06-4501-B168-0DB6B69D04AC}" type="datetimeFigureOut">
               <a:rPr lang="zh-TW" altLang="en-US" smtClean="0"/>
-              <a:t>2017/6/24</a:t>
+              <a:t>2017/6/25</a:t>
             </a:fld>
             <a:endParaRPr lang="zh-TW" altLang="en-US"/>
           </a:p>
@@ -758,7 +763,7 @@
           <a:p>
             <a:fld id="{1FED5844-2A06-4501-B168-0DB6B69D04AC}" type="datetimeFigureOut">
               <a:rPr lang="zh-TW" altLang="en-US" smtClean="0"/>
-              <a:t>2017/6/24</a:t>
+              <a:t>2017/6/25</a:t>
             </a:fld>
             <a:endParaRPr lang="zh-TW" altLang="en-US"/>
           </a:p>
@@ -1004,7 +1009,7 @@
           <a:p>
             <a:fld id="{1FED5844-2A06-4501-B168-0DB6B69D04AC}" type="datetimeFigureOut">
               <a:rPr lang="zh-TW" altLang="en-US" smtClean="0"/>
-              <a:t>2017/6/24</a:t>
+              <a:t>2017/6/25</a:t>
             </a:fld>
             <a:endParaRPr lang="zh-TW" altLang="en-US"/>
           </a:p>
@@ -1236,7 +1241,7 @@
           <a:p>
             <a:fld id="{1FED5844-2A06-4501-B168-0DB6B69D04AC}" type="datetimeFigureOut">
               <a:rPr lang="zh-TW" altLang="en-US" smtClean="0"/>
-              <a:t>2017/6/24</a:t>
+              <a:t>2017/6/25</a:t>
             </a:fld>
             <a:endParaRPr lang="zh-TW" altLang="en-US"/>
           </a:p>
@@ -1603,7 +1608,7 @@
           <a:p>
             <a:fld id="{1FED5844-2A06-4501-B168-0DB6B69D04AC}" type="datetimeFigureOut">
               <a:rPr lang="zh-TW" altLang="en-US" smtClean="0"/>
-              <a:t>2017/6/24</a:t>
+              <a:t>2017/6/25</a:t>
             </a:fld>
             <a:endParaRPr lang="zh-TW" altLang="en-US"/>
           </a:p>
@@ -1721,7 +1726,7 @@
           <a:p>
             <a:fld id="{1FED5844-2A06-4501-B168-0DB6B69D04AC}" type="datetimeFigureOut">
               <a:rPr lang="zh-TW" altLang="en-US" smtClean="0"/>
-              <a:t>2017/6/24</a:t>
+              <a:t>2017/6/25</a:t>
             </a:fld>
             <a:endParaRPr lang="zh-TW" altLang="en-US"/>
           </a:p>
@@ -1816,7 +1821,7 @@
           <a:p>
             <a:fld id="{1FED5844-2A06-4501-B168-0DB6B69D04AC}" type="datetimeFigureOut">
               <a:rPr lang="zh-TW" altLang="en-US" smtClean="0"/>
-              <a:t>2017/6/24</a:t>
+              <a:t>2017/6/25</a:t>
             </a:fld>
             <a:endParaRPr lang="zh-TW" altLang="en-US"/>
           </a:p>
@@ -2093,7 +2098,7 @@
           <a:p>
             <a:fld id="{1FED5844-2A06-4501-B168-0DB6B69D04AC}" type="datetimeFigureOut">
               <a:rPr lang="zh-TW" altLang="en-US" smtClean="0"/>
-              <a:t>2017/6/24</a:t>
+              <a:t>2017/6/25</a:t>
             </a:fld>
             <a:endParaRPr lang="zh-TW" altLang="en-US"/>
           </a:p>
@@ -2346,7 +2351,7 @@
           <a:p>
             <a:fld id="{1FED5844-2A06-4501-B168-0DB6B69D04AC}" type="datetimeFigureOut">
               <a:rPr lang="zh-TW" altLang="en-US" smtClean="0"/>
-              <a:t>2017/6/24</a:t>
+              <a:t>2017/6/25</a:t>
             </a:fld>
             <a:endParaRPr lang="zh-TW" altLang="en-US"/>
           </a:p>
@@ -2559,7 +2564,7 @@
           <a:p>
             <a:fld id="{1FED5844-2A06-4501-B168-0DB6B69D04AC}" type="datetimeFigureOut">
               <a:rPr lang="zh-TW" altLang="en-US" smtClean="0"/>
-              <a:t>2017/6/24</a:t>
+              <a:t>2017/6/25</a:t>
             </a:fld>
             <a:endParaRPr lang="zh-TW" altLang="en-US"/>
           </a:p>
@@ -3012,6 +3017,30 @@
           </a:prstGeom>
         </p:spPr>
       </p:pic>
+      <p:pic>
+        <p:nvPicPr>
+          <p:cNvPr id="2" name="圖片 1"/>
+          <p:cNvPicPr>
+            <a:picLocks noChangeAspect="1"/>
+          </p:cNvPicPr>
+          <p:nvPr/>
+        </p:nvPicPr>
+        <p:blipFill>
+          <a:blip r:embed="rId4"/>
+          <a:stretch>
+            <a:fillRect/>
+          </a:stretch>
+        </p:blipFill>
+        <p:spPr>
+          <a:xfrm>
+            <a:off x="1953653" y="2943525"/>
+            <a:ext cx="7926947" cy="3298254"/>
+          </a:xfrm>
+          <a:prstGeom prst="rect">
+            <a:avLst/>
+          </a:prstGeom>
+        </p:spPr>
+      </p:pic>
     </p:spTree>
     <p:extLst>
       <p:ext uri="{BB962C8B-B14F-4D97-AF65-F5344CB8AC3E}">

--- a/CNN_RNN_DNN/簡報1.pptx
+++ b/CNN_RNN_DNN/簡報1.pptx
@@ -6,6 +6,7 @@
   </p:sldMasterIdLst>
   <p:sldIdLst>
     <p:sldId id="256" r:id="rId2"/>
+    <p:sldId id="257" r:id="rId3"/>
   </p:sldIdLst>
   <p:sldSz cx="12192000" cy="6858000"/>
   <p:notesSz cx="6858000" cy="9144000"/>
@@ -3054,6 +3055,60 @@
 </p:sld>
 </file>
 
+<file path=ppt/slides/slide2.xml><?xml version="1.0" encoding="utf-8"?>
+<p:sld xmlns:a="http://schemas.openxmlformats.org/drawingml/2006/main" xmlns:r="http://schemas.openxmlformats.org/officeDocument/2006/relationships" xmlns:p="http://schemas.openxmlformats.org/presentationml/2006/main">
+  <p:cSld>
+    <p:spTree>
+      <p:nvGrpSpPr>
+        <p:cNvPr id="1" name=""/>
+        <p:cNvGrpSpPr/>
+        <p:nvPr/>
+      </p:nvGrpSpPr>
+      <p:grpSpPr>
+        <a:xfrm>
+          <a:off x="0" y="0"/>
+          <a:ext cx="0" cy="0"/>
+          <a:chOff x="0" y="0"/>
+          <a:chExt cx="0" cy="0"/>
+        </a:xfrm>
+      </p:grpSpPr>
+      <p:pic>
+        <p:nvPicPr>
+          <p:cNvPr id="2" name="圖片 1"/>
+          <p:cNvPicPr>
+            <a:picLocks noChangeAspect="1"/>
+          </p:cNvPicPr>
+          <p:nvPr/>
+        </p:nvPicPr>
+        <p:blipFill>
+          <a:blip r:embed="rId2"/>
+          <a:stretch>
+            <a:fillRect/>
+          </a:stretch>
+        </p:blipFill>
+        <p:spPr>
+          <a:xfrm>
+            <a:off x="361950" y="2857500"/>
+            <a:ext cx="11468100" cy="1143000"/>
+          </a:xfrm>
+          <a:prstGeom prst="rect">
+            <a:avLst/>
+          </a:prstGeom>
+        </p:spPr>
+      </p:pic>
+    </p:spTree>
+    <p:extLst>
+      <p:ext uri="{BB962C8B-B14F-4D97-AF65-F5344CB8AC3E}">
+        <p14:creationId xmlns:p14="http://schemas.microsoft.com/office/powerpoint/2010/main" val="2368384262"/>
+      </p:ext>
+    </p:extLst>
+  </p:cSld>
+  <p:clrMapOvr>
+    <a:masterClrMapping/>
+  </p:clrMapOvr>
+</p:sld>
+</file>
+
 <file path=ppt/theme/theme1.xml><?xml version="1.0" encoding="utf-8"?>
 <a:theme xmlns:a="http://schemas.openxmlformats.org/drawingml/2006/main" name="Office 佈景主題">
   <a:themeElements>

--- a/CNN_RNN_DNN/簡報1.pptx
+++ b/CNN_RNN_DNN/簡報1.pptx
@@ -7,6 +7,8 @@
   <p:sldIdLst>
     <p:sldId id="256" r:id="rId2"/>
     <p:sldId id="257" r:id="rId3"/>
+    <p:sldId id="258" r:id="rId4"/>
+    <p:sldId id="259" r:id="rId5"/>
   </p:sldIdLst>
   <p:sldSz cx="12192000" cy="6858000"/>
   <p:notesSz cx="6858000" cy="9144000"/>
@@ -3109,6 +3111,138 @@
 </p:sld>
 </file>
 
+<file path=ppt/slides/slide3.xml><?xml version="1.0" encoding="utf-8"?>
+<p:sld xmlns:a="http://schemas.openxmlformats.org/drawingml/2006/main" xmlns:r="http://schemas.openxmlformats.org/officeDocument/2006/relationships" xmlns:p="http://schemas.openxmlformats.org/presentationml/2006/main">
+  <p:cSld>
+    <p:spTree>
+      <p:nvGrpSpPr>
+        <p:cNvPr id="1" name=""/>
+        <p:cNvGrpSpPr/>
+        <p:nvPr/>
+      </p:nvGrpSpPr>
+      <p:grpSpPr>
+        <a:xfrm>
+          <a:off x="0" y="0"/>
+          <a:ext cx="0" cy="0"/>
+          <a:chOff x="0" y="0"/>
+          <a:chExt cx="0" cy="0"/>
+        </a:xfrm>
+      </p:grpSpPr>
+      <p:pic>
+        <p:nvPicPr>
+          <p:cNvPr id="2" name="圖片 1"/>
+          <p:cNvPicPr>
+            <a:picLocks noChangeAspect="1"/>
+          </p:cNvPicPr>
+          <p:nvPr/>
+        </p:nvPicPr>
+        <p:blipFill>
+          <a:blip r:embed="rId2"/>
+          <a:stretch>
+            <a:fillRect/>
+          </a:stretch>
+        </p:blipFill>
+        <p:spPr>
+          <a:xfrm>
+            <a:off x="1477240" y="814647"/>
+            <a:ext cx="3392778" cy="3368818"/>
+          </a:xfrm>
+          <a:prstGeom prst="rect">
+            <a:avLst/>
+          </a:prstGeom>
+        </p:spPr>
+      </p:pic>
+      <p:pic>
+        <p:nvPicPr>
+          <p:cNvPr id="3" name="圖片 2"/>
+          <p:cNvPicPr>
+            <a:picLocks noChangeAspect="1"/>
+          </p:cNvPicPr>
+          <p:nvPr/>
+        </p:nvPicPr>
+        <p:blipFill>
+          <a:blip r:embed="rId3"/>
+          <a:stretch>
+            <a:fillRect/>
+          </a:stretch>
+        </p:blipFill>
+        <p:spPr>
+          <a:xfrm>
+            <a:off x="5249660" y="942065"/>
+            <a:ext cx="4305858" cy="3113983"/>
+          </a:xfrm>
+          <a:prstGeom prst="rect">
+            <a:avLst/>
+          </a:prstGeom>
+        </p:spPr>
+      </p:pic>
+    </p:spTree>
+    <p:extLst>
+      <p:ext uri="{BB962C8B-B14F-4D97-AF65-F5344CB8AC3E}">
+        <p14:creationId xmlns:p14="http://schemas.microsoft.com/office/powerpoint/2010/main" val="4120913259"/>
+      </p:ext>
+    </p:extLst>
+  </p:cSld>
+  <p:clrMapOvr>
+    <a:masterClrMapping/>
+  </p:clrMapOvr>
+</p:sld>
+</file>
+
+<file path=ppt/slides/slide4.xml><?xml version="1.0" encoding="utf-8"?>
+<p:sld xmlns:a="http://schemas.openxmlformats.org/drawingml/2006/main" xmlns:r="http://schemas.openxmlformats.org/officeDocument/2006/relationships" xmlns:p="http://schemas.openxmlformats.org/presentationml/2006/main">
+  <p:cSld>
+    <p:spTree>
+      <p:nvGrpSpPr>
+        <p:cNvPr id="1" name=""/>
+        <p:cNvGrpSpPr/>
+        <p:nvPr/>
+      </p:nvGrpSpPr>
+      <p:grpSpPr>
+        <a:xfrm>
+          <a:off x="0" y="0"/>
+          <a:ext cx="0" cy="0"/>
+          <a:chOff x="0" y="0"/>
+          <a:chExt cx="0" cy="0"/>
+        </a:xfrm>
+      </p:grpSpPr>
+      <p:pic>
+        <p:nvPicPr>
+          <p:cNvPr id="2" name="圖片 1"/>
+          <p:cNvPicPr>
+            <a:picLocks noChangeAspect="1"/>
+          </p:cNvPicPr>
+          <p:nvPr/>
+        </p:nvPicPr>
+        <p:blipFill>
+          <a:blip r:embed="rId2"/>
+          <a:stretch>
+            <a:fillRect/>
+          </a:stretch>
+        </p:blipFill>
+        <p:spPr>
+          <a:xfrm>
+            <a:off x="3106968" y="1067063"/>
+            <a:ext cx="6078595" cy="4883117"/>
+          </a:xfrm>
+          <a:prstGeom prst="rect">
+            <a:avLst/>
+          </a:prstGeom>
+        </p:spPr>
+      </p:pic>
+    </p:spTree>
+    <p:extLst>
+      <p:ext uri="{BB962C8B-B14F-4D97-AF65-F5344CB8AC3E}">
+        <p14:creationId xmlns:p14="http://schemas.microsoft.com/office/powerpoint/2010/main" val="1984896940"/>
+      </p:ext>
+    </p:extLst>
+  </p:cSld>
+  <p:clrMapOvr>
+    <a:masterClrMapping/>
+  </p:clrMapOvr>
+</p:sld>
+</file>
+
 <file path=ppt/theme/theme1.xml><?xml version="1.0" encoding="utf-8"?>
 <a:theme xmlns:a="http://schemas.openxmlformats.org/drawingml/2006/main" name="Office 佈景主題">
   <a:themeElements>

--- a/CNN_RNN_DNN/簡報1.pptx
+++ b/CNN_RNN_DNN/簡報1.pptx
@@ -4,11 +4,19 @@
   <p:sldMasterIdLst>
     <p:sldMasterId id="2147483648" r:id="rId1"/>
   </p:sldMasterIdLst>
+  <p:notesMasterIdLst>
+    <p:notesMasterId r:id="rId11"/>
+  </p:notesMasterIdLst>
   <p:sldIdLst>
     <p:sldId id="256" r:id="rId2"/>
     <p:sldId id="257" r:id="rId3"/>
     <p:sldId id="258" r:id="rId4"/>
     <p:sldId id="259" r:id="rId5"/>
+    <p:sldId id="262" r:id="rId6"/>
+    <p:sldId id="261" r:id="rId7"/>
+    <p:sldId id="263" r:id="rId8"/>
+    <p:sldId id="264" r:id="rId9"/>
+    <p:sldId id="260" r:id="rId10"/>
   </p:sldIdLst>
   <p:sldSz cx="12192000" cy="6858000"/>
   <p:notesSz cx="6858000" cy="9144000"/>
@@ -115,6 +123,356 @@
 </p:presentation>
 </file>
 
+<file path=ppt/notesMasters/notesMaster1.xml><?xml version="1.0" encoding="utf-8"?>
+<p:notesMaster xmlns:a="http://schemas.openxmlformats.org/drawingml/2006/main" xmlns:r="http://schemas.openxmlformats.org/officeDocument/2006/relationships" xmlns:p="http://schemas.openxmlformats.org/presentationml/2006/main">
+  <p:cSld>
+    <p:bg>
+      <p:bgRef idx="1001">
+        <a:schemeClr val="bg1"/>
+      </p:bgRef>
+    </p:bg>
+    <p:spTree>
+      <p:nvGrpSpPr>
+        <p:cNvPr id="1" name=""/>
+        <p:cNvGrpSpPr/>
+        <p:nvPr/>
+      </p:nvGrpSpPr>
+      <p:grpSpPr>
+        <a:xfrm>
+          <a:off x="0" y="0"/>
+          <a:ext cx="0" cy="0"/>
+          <a:chOff x="0" y="0"/>
+          <a:chExt cx="0" cy="0"/>
+        </a:xfrm>
+      </p:grpSpPr>
+      <p:sp>
+        <p:nvSpPr>
+          <p:cNvPr id="2" name="頁首版面配置區 1"/>
+          <p:cNvSpPr>
+            <a:spLocks noGrp="1"/>
+          </p:cNvSpPr>
+          <p:nvPr>
+            <p:ph type="hdr" sz="quarter"/>
+          </p:nvPr>
+        </p:nvSpPr>
+        <p:spPr>
+          <a:xfrm>
+            <a:off x="0" y="0"/>
+            <a:ext cx="2971800" cy="458788"/>
+          </a:xfrm>
+          <a:prstGeom prst="rect">
+            <a:avLst/>
+          </a:prstGeom>
+        </p:spPr>
+        <p:txBody>
+          <a:bodyPr vert="horz" lIns="91440" tIns="45720" rIns="91440" bIns="45720" rtlCol="0"/>
+          <a:lstStyle>
+            <a:lvl1pPr algn="l">
+              <a:defRPr sz="1200"/>
+            </a:lvl1pPr>
+          </a:lstStyle>
+          <a:p>
+            <a:endParaRPr lang="zh-TW" altLang="en-US"/>
+          </a:p>
+        </p:txBody>
+      </p:sp>
+      <p:sp>
+        <p:nvSpPr>
+          <p:cNvPr id="3" name="日期版面配置區 2"/>
+          <p:cNvSpPr>
+            <a:spLocks noGrp="1"/>
+          </p:cNvSpPr>
+          <p:nvPr>
+            <p:ph type="dt" idx="1"/>
+          </p:nvPr>
+        </p:nvSpPr>
+        <p:spPr>
+          <a:xfrm>
+            <a:off x="3884613" y="0"/>
+            <a:ext cx="2971800" cy="458788"/>
+          </a:xfrm>
+          <a:prstGeom prst="rect">
+            <a:avLst/>
+          </a:prstGeom>
+        </p:spPr>
+        <p:txBody>
+          <a:bodyPr vert="horz" lIns="91440" tIns="45720" rIns="91440" bIns="45720" rtlCol="0"/>
+          <a:lstStyle>
+            <a:lvl1pPr algn="r">
+              <a:defRPr sz="1200"/>
+            </a:lvl1pPr>
+          </a:lstStyle>
+          <a:p>
+            <a:fld id="{CE690444-7BF6-4315-96A6-94DE429D2570}" type="datetimeFigureOut">
+              <a:rPr lang="zh-TW" altLang="en-US" smtClean="0"/>
+              <a:t>2017/8/5</a:t>
+            </a:fld>
+            <a:endParaRPr lang="zh-TW" altLang="en-US"/>
+          </a:p>
+        </p:txBody>
+      </p:sp>
+      <p:sp>
+        <p:nvSpPr>
+          <p:cNvPr id="4" name="投影片圖像版面配置區 3"/>
+          <p:cNvSpPr>
+            <a:spLocks noGrp="1" noRot="1" noChangeAspect="1"/>
+          </p:cNvSpPr>
+          <p:nvPr>
+            <p:ph type="sldImg" idx="2"/>
+          </p:nvPr>
+        </p:nvSpPr>
+        <p:spPr>
+          <a:xfrm>
+            <a:off x="685800" y="1143000"/>
+            <a:ext cx="5486400" cy="3086100"/>
+          </a:xfrm>
+          <a:prstGeom prst="rect">
+            <a:avLst/>
+          </a:prstGeom>
+          <a:noFill/>
+          <a:ln w="12700">
+            <a:solidFill>
+              <a:prstClr val="black"/>
+            </a:solidFill>
+          </a:ln>
+        </p:spPr>
+        <p:txBody>
+          <a:bodyPr vert="horz" lIns="91440" tIns="45720" rIns="91440" bIns="45720" rtlCol="0" anchor="ctr"/>
+          <a:lstStyle/>
+          <a:p>
+            <a:endParaRPr lang="zh-TW" altLang="en-US"/>
+          </a:p>
+        </p:txBody>
+      </p:sp>
+      <p:sp>
+        <p:nvSpPr>
+          <p:cNvPr id="5" name="備忘稿版面配置區 4"/>
+          <p:cNvSpPr>
+            <a:spLocks noGrp="1"/>
+          </p:cNvSpPr>
+          <p:nvPr>
+            <p:ph type="body" sz="quarter" idx="3"/>
+          </p:nvPr>
+        </p:nvSpPr>
+        <p:spPr>
+          <a:xfrm>
+            <a:off x="685800" y="4400550"/>
+            <a:ext cx="5486400" cy="3600450"/>
+          </a:xfrm>
+          <a:prstGeom prst="rect">
+            <a:avLst/>
+          </a:prstGeom>
+        </p:spPr>
+        <p:txBody>
+          <a:bodyPr vert="horz" lIns="91440" tIns="45720" rIns="91440" bIns="45720" rtlCol="0"/>
+          <a:lstStyle/>
+          <a:p>
+            <a:pPr lvl="0"/>
+            <a:r>
+              <a:rPr lang="zh-TW" altLang="en-US" smtClean="0"/>
+              <a:t>編輯母片文字樣式</a:t>
+            </a:r>
+          </a:p>
+          <a:p>
+            <a:pPr lvl="1"/>
+            <a:r>
+              <a:rPr lang="zh-TW" altLang="en-US" smtClean="0"/>
+              <a:t>第二層</a:t>
+            </a:r>
+          </a:p>
+          <a:p>
+            <a:pPr lvl="2"/>
+            <a:r>
+              <a:rPr lang="zh-TW" altLang="en-US" smtClean="0"/>
+              <a:t>第三層</a:t>
+            </a:r>
+          </a:p>
+          <a:p>
+            <a:pPr lvl="3"/>
+            <a:r>
+              <a:rPr lang="zh-TW" altLang="en-US" smtClean="0"/>
+              <a:t>第四層</a:t>
+            </a:r>
+          </a:p>
+          <a:p>
+            <a:pPr lvl="4"/>
+            <a:r>
+              <a:rPr lang="zh-TW" altLang="en-US" smtClean="0"/>
+              <a:t>第五層</a:t>
+            </a:r>
+            <a:endParaRPr lang="zh-TW" altLang="en-US"/>
+          </a:p>
+        </p:txBody>
+      </p:sp>
+      <p:sp>
+        <p:nvSpPr>
+          <p:cNvPr id="6" name="頁尾版面配置區 5"/>
+          <p:cNvSpPr>
+            <a:spLocks noGrp="1"/>
+          </p:cNvSpPr>
+          <p:nvPr>
+            <p:ph type="ftr" sz="quarter" idx="4"/>
+          </p:nvPr>
+        </p:nvSpPr>
+        <p:spPr>
+          <a:xfrm>
+            <a:off x="0" y="8685213"/>
+            <a:ext cx="2971800" cy="458787"/>
+          </a:xfrm>
+          <a:prstGeom prst="rect">
+            <a:avLst/>
+          </a:prstGeom>
+        </p:spPr>
+        <p:txBody>
+          <a:bodyPr vert="horz" lIns="91440" tIns="45720" rIns="91440" bIns="45720" rtlCol="0" anchor="b"/>
+          <a:lstStyle>
+            <a:lvl1pPr algn="l">
+              <a:defRPr sz="1200"/>
+            </a:lvl1pPr>
+          </a:lstStyle>
+          <a:p>
+            <a:endParaRPr lang="zh-TW" altLang="en-US"/>
+          </a:p>
+        </p:txBody>
+      </p:sp>
+      <p:sp>
+        <p:nvSpPr>
+          <p:cNvPr id="7" name="投影片編號版面配置區 6"/>
+          <p:cNvSpPr>
+            <a:spLocks noGrp="1"/>
+          </p:cNvSpPr>
+          <p:nvPr>
+            <p:ph type="sldNum" sz="quarter" idx="5"/>
+          </p:nvPr>
+        </p:nvSpPr>
+        <p:spPr>
+          <a:xfrm>
+            <a:off x="3884613" y="8685213"/>
+            <a:ext cx="2971800" cy="458787"/>
+          </a:xfrm>
+          <a:prstGeom prst="rect">
+            <a:avLst/>
+          </a:prstGeom>
+        </p:spPr>
+        <p:txBody>
+          <a:bodyPr vert="horz" lIns="91440" tIns="45720" rIns="91440" bIns="45720" rtlCol="0" anchor="b"/>
+          <a:lstStyle>
+            <a:lvl1pPr algn="r">
+              <a:defRPr sz="1200"/>
+            </a:lvl1pPr>
+          </a:lstStyle>
+          <a:p>
+            <a:fld id="{C927CEB0-A9CC-4EB2-A470-D39F7E12F20F}" type="slidenum">
+              <a:rPr lang="zh-TW" altLang="en-US" smtClean="0"/>
+              <a:t>‹#›</a:t>
+            </a:fld>
+            <a:endParaRPr lang="zh-TW" altLang="en-US"/>
+          </a:p>
+        </p:txBody>
+      </p:sp>
+    </p:spTree>
+    <p:extLst>
+      <p:ext uri="{BB962C8B-B14F-4D97-AF65-F5344CB8AC3E}">
+        <p14:creationId xmlns:p14="http://schemas.microsoft.com/office/powerpoint/2010/main" val="2383489401"/>
+      </p:ext>
+    </p:extLst>
+  </p:cSld>
+  <p:clrMap bg1="lt1" tx1="dk1" bg2="lt2" tx2="dk2" accent1="accent1" accent2="accent2" accent3="accent3" accent4="accent4" accent5="accent5" accent6="accent6" hlink="hlink" folHlink="folHlink"/>
+  <p:notesStyle>
+    <a:lvl1pPr marL="0" algn="l" defTabSz="914400" rtl="0" eaLnBrk="1" latinLnBrk="0" hangingPunct="1">
+      <a:defRPr sz="1200" kern="1200">
+        <a:solidFill>
+          <a:schemeClr val="tx1"/>
+        </a:solidFill>
+        <a:latin typeface="+mn-lt"/>
+        <a:ea typeface="+mn-ea"/>
+        <a:cs typeface="+mn-cs"/>
+      </a:defRPr>
+    </a:lvl1pPr>
+    <a:lvl2pPr marL="457200" algn="l" defTabSz="914400" rtl="0" eaLnBrk="1" latinLnBrk="0" hangingPunct="1">
+      <a:defRPr sz="1200" kern="1200">
+        <a:solidFill>
+          <a:schemeClr val="tx1"/>
+        </a:solidFill>
+        <a:latin typeface="+mn-lt"/>
+        <a:ea typeface="+mn-ea"/>
+        <a:cs typeface="+mn-cs"/>
+      </a:defRPr>
+    </a:lvl2pPr>
+    <a:lvl3pPr marL="914400" algn="l" defTabSz="914400" rtl="0" eaLnBrk="1" latinLnBrk="0" hangingPunct="1">
+      <a:defRPr sz="1200" kern="1200">
+        <a:solidFill>
+          <a:schemeClr val="tx1"/>
+        </a:solidFill>
+        <a:latin typeface="+mn-lt"/>
+        <a:ea typeface="+mn-ea"/>
+        <a:cs typeface="+mn-cs"/>
+      </a:defRPr>
+    </a:lvl3pPr>
+    <a:lvl4pPr marL="1371600" algn="l" defTabSz="914400" rtl="0" eaLnBrk="1" latinLnBrk="0" hangingPunct="1">
+      <a:defRPr sz="1200" kern="1200">
+        <a:solidFill>
+          <a:schemeClr val="tx1"/>
+        </a:solidFill>
+        <a:latin typeface="+mn-lt"/>
+        <a:ea typeface="+mn-ea"/>
+        <a:cs typeface="+mn-cs"/>
+      </a:defRPr>
+    </a:lvl4pPr>
+    <a:lvl5pPr marL="1828800" algn="l" defTabSz="914400" rtl="0" eaLnBrk="1" latinLnBrk="0" hangingPunct="1">
+      <a:defRPr sz="1200" kern="1200">
+        <a:solidFill>
+          <a:schemeClr val="tx1"/>
+        </a:solidFill>
+        <a:latin typeface="+mn-lt"/>
+        <a:ea typeface="+mn-ea"/>
+        <a:cs typeface="+mn-cs"/>
+      </a:defRPr>
+    </a:lvl5pPr>
+    <a:lvl6pPr marL="2286000" algn="l" defTabSz="914400" rtl="0" eaLnBrk="1" latinLnBrk="0" hangingPunct="1">
+      <a:defRPr sz="1200" kern="1200">
+        <a:solidFill>
+          <a:schemeClr val="tx1"/>
+        </a:solidFill>
+        <a:latin typeface="+mn-lt"/>
+        <a:ea typeface="+mn-ea"/>
+        <a:cs typeface="+mn-cs"/>
+      </a:defRPr>
+    </a:lvl6pPr>
+    <a:lvl7pPr marL="2743200" algn="l" defTabSz="914400" rtl="0" eaLnBrk="1" latinLnBrk="0" hangingPunct="1">
+      <a:defRPr sz="1200" kern="1200">
+        <a:solidFill>
+          <a:schemeClr val="tx1"/>
+        </a:solidFill>
+        <a:latin typeface="+mn-lt"/>
+        <a:ea typeface="+mn-ea"/>
+        <a:cs typeface="+mn-cs"/>
+      </a:defRPr>
+    </a:lvl7pPr>
+    <a:lvl8pPr marL="3200400" algn="l" defTabSz="914400" rtl="0" eaLnBrk="1" latinLnBrk="0" hangingPunct="1">
+      <a:defRPr sz="1200" kern="1200">
+        <a:solidFill>
+          <a:schemeClr val="tx1"/>
+        </a:solidFill>
+        <a:latin typeface="+mn-lt"/>
+        <a:ea typeface="+mn-ea"/>
+        <a:cs typeface="+mn-cs"/>
+      </a:defRPr>
+    </a:lvl8pPr>
+    <a:lvl9pPr marL="3657600" algn="l" defTabSz="914400" rtl="0" eaLnBrk="1" latinLnBrk="0" hangingPunct="1">
+      <a:defRPr sz="1200" kern="1200">
+        <a:solidFill>
+          <a:schemeClr val="tx1"/>
+        </a:solidFill>
+        <a:latin typeface="+mn-lt"/>
+        <a:ea typeface="+mn-ea"/>
+        <a:cs typeface="+mn-cs"/>
+      </a:defRPr>
+    </a:lvl9pPr>
+  </p:notesStyle>
+</p:notesMaster>
+</file>
+
 <file path=ppt/slideLayouts/slideLayout1.xml><?xml version="1.0" encoding="utf-8"?>
 <p:sldLayout xmlns:a="http://schemas.openxmlformats.org/drawingml/2006/main" xmlns:r="http://schemas.openxmlformats.org/officeDocument/2006/relationships" xmlns:p="http://schemas.openxmlformats.org/presentationml/2006/main" type="title" preserve="1">
   <p:cSld name="標題投影片">
@@ -246,7 +604,7 @@
           <a:p>
             <a:fld id="{1FED5844-2A06-4501-B168-0DB6B69D04AC}" type="datetimeFigureOut">
               <a:rPr lang="zh-TW" altLang="en-US" smtClean="0"/>
-              <a:t>2017/6/25</a:t>
+              <a:t>2017/8/5</a:t>
             </a:fld>
             <a:endParaRPr lang="zh-TW" altLang="en-US"/>
           </a:p>
@@ -416,7 +774,7 @@
           <a:p>
             <a:fld id="{1FED5844-2A06-4501-B168-0DB6B69D04AC}" type="datetimeFigureOut">
               <a:rPr lang="zh-TW" altLang="en-US" smtClean="0"/>
-              <a:t>2017/6/25</a:t>
+              <a:t>2017/8/5</a:t>
             </a:fld>
             <a:endParaRPr lang="zh-TW" altLang="en-US"/>
           </a:p>
@@ -596,7 +954,7 @@
           <a:p>
             <a:fld id="{1FED5844-2A06-4501-B168-0DB6B69D04AC}" type="datetimeFigureOut">
               <a:rPr lang="zh-TW" altLang="en-US" smtClean="0"/>
-              <a:t>2017/6/25</a:t>
+              <a:t>2017/8/5</a:t>
             </a:fld>
             <a:endParaRPr lang="zh-TW" altLang="en-US"/>
           </a:p>
@@ -766,7 +1124,7 @@
           <a:p>
             <a:fld id="{1FED5844-2A06-4501-B168-0DB6B69D04AC}" type="datetimeFigureOut">
               <a:rPr lang="zh-TW" altLang="en-US" smtClean="0"/>
-              <a:t>2017/6/25</a:t>
+              <a:t>2017/8/5</a:t>
             </a:fld>
             <a:endParaRPr lang="zh-TW" altLang="en-US"/>
           </a:p>
@@ -1012,7 +1370,7 @@
           <a:p>
             <a:fld id="{1FED5844-2A06-4501-B168-0DB6B69D04AC}" type="datetimeFigureOut">
               <a:rPr lang="zh-TW" altLang="en-US" smtClean="0"/>
-              <a:t>2017/6/25</a:t>
+              <a:t>2017/8/5</a:t>
             </a:fld>
             <a:endParaRPr lang="zh-TW" altLang="en-US"/>
           </a:p>
@@ -1244,7 +1602,7 @@
           <a:p>
             <a:fld id="{1FED5844-2A06-4501-B168-0DB6B69D04AC}" type="datetimeFigureOut">
               <a:rPr lang="zh-TW" altLang="en-US" smtClean="0"/>
-              <a:t>2017/6/25</a:t>
+              <a:t>2017/8/5</a:t>
             </a:fld>
             <a:endParaRPr lang="zh-TW" altLang="en-US"/>
           </a:p>
@@ -1611,7 +1969,7 @@
           <a:p>
             <a:fld id="{1FED5844-2A06-4501-B168-0DB6B69D04AC}" type="datetimeFigureOut">
               <a:rPr lang="zh-TW" altLang="en-US" smtClean="0"/>
-              <a:t>2017/6/25</a:t>
+              <a:t>2017/8/5</a:t>
             </a:fld>
             <a:endParaRPr lang="zh-TW" altLang="en-US"/>
           </a:p>
@@ -1729,7 +2087,7 @@
           <a:p>
             <a:fld id="{1FED5844-2A06-4501-B168-0DB6B69D04AC}" type="datetimeFigureOut">
               <a:rPr lang="zh-TW" altLang="en-US" smtClean="0"/>
-              <a:t>2017/6/25</a:t>
+              <a:t>2017/8/5</a:t>
             </a:fld>
             <a:endParaRPr lang="zh-TW" altLang="en-US"/>
           </a:p>
@@ -1824,7 +2182,7 @@
           <a:p>
             <a:fld id="{1FED5844-2A06-4501-B168-0DB6B69D04AC}" type="datetimeFigureOut">
               <a:rPr lang="zh-TW" altLang="en-US" smtClean="0"/>
-              <a:t>2017/6/25</a:t>
+              <a:t>2017/8/5</a:t>
             </a:fld>
             <a:endParaRPr lang="zh-TW" altLang="en-US"/>
           </a:p>
@@ -2101,7 +2459,7 @@
           <a:p>
             <a:fld id="{1FED5844-2A06-4501-B168-0DB6B69D04AC}" type="datetimeFigureOut">
               <a:rPr lang="zh-TW" altLang="en-US" smtClean="0"/>
-              <a:t>2017/6/25</a:t>
+              <a:t>2017/8/5</a:t>
             </a:fld>
             <a:endParaRPr lang="zh-TW" altLang="en-US"/>
           </a:p>
@@ -2354,7 +2712,7 @@
           <a:p>
             <a:fld id="{1FED5844-2A06-4501-B168-0DB6B69D04AC}" type="datetimeFigureOut">
               <a:rPr lang="zh-TW" altLang="en-US" smtClean="0"/>
-              <a:t>2017/6/25</a:t>
+              <a:t>2017/8/5</a:t>
             </a:fld>
             <a:endParaRPr lang="zh-TW" altLang="en-US"/>
           </a:p>
@@ -2567,7 +2925,7 @@
           <a:p>
             <a:fld id="{1FED5844-2A06-4501-B168-0DB6B69D04AC}" type="datetimeFigureOut">
               <a:rPr lang="zh-TW" altLang="en-US" smtClean="0"/>
-              <a:t>2017/6/25</a:t>
+              <a:t>2017/8/5</a:t>
             </a:fld>
             <a:endParaRPr lang="zh-TW" altLang="en-US"/>
           </a:p>
@@ -3243,6 +3601,1991 @@
 </p:sld>
 </file>
 
+<file path=ppt/slides/slide5.xml><?xml version="1.0" encoding="utf-8"?>
+<p:sld xmlns:a="http://schemas.openxmlformats.org/drawingml/2006/main" xmlns:r="http://schemas.openxmlformats.org/officeDocument/2006/relationships" xmlns:p="http://schemas.openxmlformats.org/presentationml/2006/main">
+  <p:cSld>
+    <p:spTree>
+      <p:nvGrpSpPr>
+        <p:cNvPr id="1" name=""/>
+        <p:cNvGrpSpPr/>
+        <p:nvPr/>
+      </p:nvGrpSpPr>
+      <p:grpSpPr>
+        <a:xfrm>
+          <a:off x="0" y="0"/>
+          <a:ext cx="0" cy="0"/>
+          <a:chOff x="0" y="0"/>
+          <a:chExt cx="0" cy="0"/>
+        </a:xfrm>
+      </p:grpSpPr>
+      <p:pic>
+        <p:nvPicPr>
+          <p:cNvPr id="2" name="圖片 1"/>
+          <p:cNvPicPr>
+            <a:picLocks noChangeAspect="1"/>
+          </p:cNvPicPr>
+          <p:nvPr/>
+        </p:nvPicPr>
+        <p:blipFill>
+          <a:blip r:embed="rId2"/>
+          <a:stretch>
+            <a:fillRect/>
+          </a:stretch>
+        </p:blipFill>
+        <p:spPr>
+          <a:xfrm>
+            <a:off x="360874" y="304800"/>
+            <a:ext cx="4757854" cy="3259130"/>
+          </a:xfrm>
+          <a:prstGeom prst="rect">
+            <a:avLst/>
+          </a:prstGeom>
+        </p:spPr>
+      </p:pic>
+      <p:sp>
+        <p:nvSpPr>
+          <p:cNvPr id="3" name="文字方塊 2"/>
+          <p:cNvSpPr txBox="1"/>
+          <p:nvPr/>
+        </p:nvSpPr>
+        <p:spPr>
+          <a:xfrm>
+            <a:off x="214489" y="3379264"/>
+            <a:ext cx="3002844" cy="369332"/>
+          </a:xfrm>
+          <a:prstGeom prst="rect">
+            <a:avLst/>
+          </a:prstGeom>
+          <a:noFill/>
+        </p:spPr>
+        <p:txBody>
+          <a:bodyPr wrap="square" rtlCol="0">
+            <a:spAutoFit/>
+          </a:bodyPr>
+          <a:lstStyle/>
+          <a:p>
+            <a:r>
+              <a:rPr lang="en-US" altLang="zh-TW" dirty="0" smtClean="0"/>
+              <a:t>From </a:t>
+            </a:r>
+            <a:r>
+              <a:rPr lang="zh-TW" altLang="en-US" dirty="0" smtClean="0"/>
+              <a:t>李宏毅教授</a:t>
+            </a:r>
+            <a:endParaRPr lang="zh-TW" altLang="en-US" dirty="0"/>
+          </a:p>
+        </p:txBody>
+      </p:sp>
+      <p:sp>
+        <p:nvSpPr>
+          <p:cNvPr id="4" name="矩形 3"/>
+          <p:cNvSpPr/>
+          <p:nvPr/>
+        </p:nvSpPr>
+        <p:spPr>
+          <a:xfrm>
+            <a:off x="2544491" y="3071264"/>
+            <a:ext cx="2720622" cy="597626"/>
+          </a:xfrm>
+          <a:prstGeom prst="rect">
+            <a:avLst/>
+          </a:prstGeom>
+          <a:noFill/>
+          <a:ln>
+            <a:solidFill>
+              <a:srgbClr val="FF0000"/>
+            </a:solidFill>
+          </a:ln>
+        </p:spPr>
+        <p:style>
+          <a:lnRef idx="2">
+            <a:schemeClr val="accent1">
+              <a:shade val="50000"/>
+            </a:schemeClr>
+          </a:lnRef>
+          <a:fillRef idx="1">
+            <a:schemeClr val="accent1"/>
+          </a:fillRef>
+          <a:effectRef idx="0">
+            <a:schemeClr val="accent1"/>
+          </a:effectRef>
+          <a:fontRef idx="minor">
+            <a:schemeClr val="lt1"/>
+          </a:fontRef>
+        </p:style>
+        <p:txBody>
+          <a:bodyPr rtlCol="0" anchor="ctr"/>
+          <a:lstStyle/>
+          <a:p>
+            <a:pPr algn="ctr"/>
+            <a:endParaRPr lang="zh-TW" altLang="en-US"/>
+          </a:p>
+        </p:txBody>
+      </p:sp>
+      <p:sp>
+        <p:nvSpPr>
+          <p:cNvPr id="5" name="文字方塊 4"/>
+          <p:cNvSpPr txBox="1"/>
+          <p:nvPr/>
+        </p:nvSpPr>
+        <p:spPr>
+          <a:xfrm>
+            <a:off x="5190084" y="2937307"/>
+            <a:ext cx="372534" cy="369332"/>
+          </a:xfrm>
+          <a:prstGeom prst="rect">
+            <a:avLst/>
+          </a:prstGeom>
+          <a:noFill/>
+        </p:spPr>
+        <p:txBody>
+          <a:bodyPr wrap="square" rtlCol="0">
+            <a:spAutoFit/>
+          </a:bodyPr>
+          <a:lstStyle/>
+          <a:p>
+            <a:r>
+              <a:rPr lang="en-US" altLang="zh-TW" dirty="0" smtClean="0">
+                <a:solidFill>
+                  <a:srgbClr val="FF0000"/>
+                </a:solidFill>
+              </a:rPr>
+              <a:t>A.</a:t>
+            </a:r>
+            <a:endParaRPr lang="zh-TW" altLang="en-US" dirty="0">
+              <a:solidFill>
+                <a:srgbClr val="FF0000"/>
+              </a:solidFill>
+            </a:endParaRPr>
+          </a:p>
+        </p:txBody>
+      </p:sp>
+      <p:pic>
+        <p:nvPicPr>
+          <p:cNvPr id="6" name="圖片 5"/>
+          <p:cNvPicPr>
+            <a:picLocks noChangeAspect="1"/>
+          </p:cNvPicPr>
+          <p:nvPr/>
+        </p:nvPicPr>
+        <p:blipFill>
+          <a:blip r:embed="rId3"/>
+          <a:stretch>
+            <a:fillRect/>
+          </a:stretch>
+        </p:blipFill>
+        <p:spPr>
+          <a:xfrm>
+            <a:off x="5775867" y="279358"/>
+            <a:ext cx="4768337" cy="3284572"/>
+          </a:xfrm>
+          <a:prstGeom prst="rect">
+            <a:avLst/>
+          </a:prstGeom>
+        </p:spPr>
+      </p:pic>
+      <p:pic>
+        <p:nvPicPr>
+          <p:cNvPr id="59" name="圖片 58"/>
+          <p:cNvPicPr>
+            <a:picLocks noChangeAspect="1"/>
+          </p:cNvPicPr>
+          <p:nvPr/>
+        </p:nvPicPr>
+        <p:blipFill>
+          <a:blip r:embed="rId4"/>
+          <a:stretch>
+            <a:fillRect/>
+          </a:stretch>
+        </p:blipFill>
+        <p:spPr>
+          <a:xfrm>
+            <a:off x="5775867" y="3563930"/>
+            <a:ext cx="4801203" cy="3294070"/>
+          </a:xfrm>
+          <a:prstGeom prst="rect">
+            <a:avLst/>
+          </a:prstGeom>
+        </p:spPr>
+      </p:pic>
+      <p:sp>
+        <p:nvSpPr>
+          <p:cNvPr id="60" name="矩形 59"/>
+          <p:cNvSpPr/>
+          <p:nvPr/>
+        </p:nvSpPr>
+        <p:spPr>
+          <a:xfrm>
+            <a:off x="5895833" y="2224585"/>
+            <a:ext cx="2361063" cy="477672"/>
+          </a:xfrm>
+          <a:prstGeom prst="rect">
+            <a:avLst/>
+          </a:prstGeom>
+          <a:noFill/>
+          <a:ln>
+            <a:solidFill>
+              <a:srgbClr val="FF0000"/>
+            </a:solidFill>
+          </a:ln>
+        </p:spPr>
+        <p:style>
+          <a:lnRef idx="2">
+            <a:schemeClr val="accent1">
+              <a:shade val="50000"/>
+            </a:schemeClr>
+          </a:lnRef>
+          <a:fillRef idx="1">
+            <a:schemeClr val="accent1"/>
+          </a:fillRef>
+          <a:effectRef idx="0">
+            <a:schemeClr val="accent1"/>
+          </a:effectRef>
+          <a:fontRef idx="minor">
+            <a:schemeClr val="lt1"/>
+          </a:fontRef>
+        </p:style>
+        <p:txBody>
+          <a:bodyPr rtlCol="0" anchor="ctr"/>
+          <a:lstStyle/>
+          <a:p>
+            <a:pPr algn="ctr"/>
+            <a:endParaRPr lang="zh-TW" altLang="en-US"/>
+          </a:p>
+        </p:txBody>
+      </p:sp>
+      <p:sp>
+        <p:nvSpPr>
+          <p:cNvPr id="61" name="矩形 60"/>
+          <p:cNvSpPr/>
+          <p:nvPr/>
+        </p:nvSpPr>
+        <p:spPr>
+          <a:xfrm>
+            <a:off x="5775867" y="5513696"/>
+            <a:ext cx="2549267" cy="491319"/>
+          </a:xfrm>
+          <a:prstGeom prst="rect">
+            <a:avLst/>
+          </a:prstGeom>
+          <a:noFill/>
+          <a:ln>
+            <a:solidFill>
+              <a:srgbClr val="FF0000"/>
+            </a:solidFill>
+          </a:ln>
+        </p:spPr>
+        <p:style>
+          <a:lnRef idx="2">
+            <a:schemeClr val="accent1">
+              <a:shade val="50000"/>
+            </a:schemeClr>
+          </a:lnRef>
+          <a:fillRef idx="1">
+            <a:schemeClr val="accent1"/>
+          </a:fillRef>
+          <a:effectRef idx="0">
+            <a:schemeClr val="accent1"/>
+          </a:effectRef>
+          <a:fontRef idx="minor">
+            <a:schemeClr val="lt1"/>
+          </a:fontRef>
+        </p:style>
+        <p:txBody>
+          <a:bodyPr rtlCol="0" anchor="ctr"/>
+          <a:lstStyle/>
+          <a:p>
+            <a:pPr algn="ctr"/>
+            <a:endParaRPr lang="zh-TW" altLang="en-US"/>
+          </a:p>
+        </p:txBody>
+      </p:sp>
+      <p:sp>
+        <p:nvSpPr>
+          <p:cNvPr id="62" name="圓角矩形 61"/>
+          <p:cNvSpPr/>
+          <p:nvPr/>
+        </p:nvSpPr>
+        <p:spPr>
+          <a:xfrm>
+            <a:off x="8352430" y="2333767"/>
+            <a:ext cx="1187355" cy="368490"/>
+          </a:xfrm>
+          <a:prstGeom prst="roundRect">
+            <a:avLst/>
+          </a:prstGeom>
+          <a:noFill/>
+          <a:ln>
+            <a:solidFill>
+              <a:srgbClr val="FF0000"/>
+            </a:solidFill>
+          </a:ln>
+        </p:spPr>
+        <p:style>
+          <a:lnRef idx="2">
+            <a:schemeClr val="accent1">
+              <a:shade val="50000"/>
+            </a:schemeClr>
+          </a:lnRef>
+          <a:fillRef idx="1">
+            <a:schemeClr val="accent1"/>
+          </a:fillRef>
+          <a:effectRef idx="0">
+            <a:schemeClr val="accent1"/>
+          </a:effectRef>
+          <a:fontRef idx="minor">
+            <a:schemeClr val="lt1"/>
+          </a:fontRef>
+        </p:style>
+        <p:txBody>
+          <a:bodyPr rtlCol="0" anchor="ctr"/>
+          <a:lstStyle/>
+          <a:p>
+            <a:pPr algn="ctr"/>
+            <a:endParaRPr lang="zh-TW" altLang="en-US"/>
+          </a:p>
+        </p:txBody>
+      </p:sp>
+      <p:sp>
+        <p:nvSpPr>
+          <p:cNvPr id="63" name="圓角矩形 62"/>
+          <p:cNvSpPr/>
+          <p:nvPr/>
+        </p:nvSpPr>
+        <p:spPr>
+          <a:xfrm>
+            <a:off x="8352430" y="5636525"/>
+            <a:ext cx="1187355" cy="368490"/>
+          </a:xfrm>
+          <a:prstGeom prst="roundRect">
+            <a:avLst/>
+          </a:prstGeom>
+          <a:noFill/>
+          <a:ln>
+            <a:solidFill>
+              <a:srgbClr val="FF0000"/>
+            </a:solidFill>
+          </a:ln>
+        </p:spPr>
+        <p:style>
+          <a:lnRef idx="2">
+            <a:schemeClr val="accent1">
+              <a:shade val="50000"/>
+            </a:schemeClr>
+          </a:lnRef>
+          <a:fillRef idx="1">
+            <a:schemeClr val="accent1"/>
+          </a:fillRef>
+          <a:effectRef idx="0">
+            <a:schemeClr val="accent1"/>
+          </a:effectRef>
+          <a:fontRef idx="minor">
+            <a:schemeClr val="lt1"/>
+          </a:fontRef>
+        </p:style>
+        <p:txBody>
+          <a:bodyPr rtlCol="0" anchor="ctr"/>
+          <a:lstStyle/>
+          <a:p>
+            <a:pPr algn="ctr"/>
+            <a:endParaRPr lang="zh-TW" altLang="en-US"/>
+          </a:p>
+        </p:txBody>
+      </p:sp>
+      <p:sp>
+        <p:nvSpPr>
+          <p:cNvPr id="64" name="文字方塊 63"/>
+          <p:cNvSpPr txBox="1"/>
+          <p:nvPr/>
+        </p:nvSpPr>
+        <p:spPr>
+          <a:xfrm>
+            <a:off x="5006380" y="4063710"/>
+            <a:ext cx="367408" cy="369332"/>
+          </a:xfrm>
+          <a:prstGeom prst="rect">
+            <a:avLst/>
+          </a:prstGeom>
+          <a:noFill/>
+        </p:spPr>
+        <p:txBody>
+          <a:bodyPr wrap="none" rtlCol="0">
+            <a:spAutoFit/>
+          </a:bodyPr>
+          <a:lstStyle/>
+          <a:p>
+            <a:r>
+              <a:rPr lang="en-US" altLang="zh-TW" dirty="0" smtClean="0">
+                <a:solidFill>
+                  <a:srgbClr val="FF0000"/>
+                </a:solidFill>
+              </a:rPr>
+              <a:t>B.</a:t>
+            </a:r>
+            <a:endParaRPr lang="zh-TW" altLang="en-US" dirty="0">
+              <a:solidFill>
+                <a:srgbClr val="FF0000"/>
+              </a:solidFill>
+            </a:endParaRPr>
+          </a:p>
+        </p:txBody>
+      </p:sp>
+      <p:cxnSp>
+        <p:nvCxnSpPr>
+          <p:cNvPr id="66" name="直線單箭頭接點 65"/>
+          <p:cNvCxnSpPr>
+            <a:stCxn id="64" idx="3"/>
+          </p:cNvCxnSpPr>
+          <p:nvPr/>
+        </p:nvCxnSpPr>
+        <p:spPr>
+          <a:xfrm flipV="1">
+            <a:off x="5373788" y="2702257"/>
+            <a:ext cx="522045" cy="1546119"/>
+          </a:xfrm>
+          <a:prstGeom prst="straightConnector1">
+            <a:avLst/>
+          </a:prstGeom>
+          <a:ln>
+            <a:solidFill>
+              <a:srgbClr val="FF0000"/>
+            </a:solidFill>
+            <a:tailEnd type="triangle"/>
+          </a:ln>
+        </p:spPr>
+        <p:style>
+          <a:lnRef idx="1">
+            <a:schemeClr val="accent1"/>
+          </a:lnRef>
+          <a:fillRef idx="0">
+            <a:schemeClr val="accent1"/>
+          </a:fillRef>
+          <a:effectRef idx="0">
+            <a:schemeClr val="accent1"/>
+          </a:effectRef>
+          <a:fontRef idx="minor">
+            <a:schemeClr val="tx1"/>
+          </a:fontRef>
+        </p:style>
+      </p:cxnSp>
+      <p:cxnSp>
+        <p:nvCxnSpPr>
+          <p:cNvPr id="68" name="直線單箭頭接點 67"/>
+          <p:cNvCxnSpPr>
+            <a:stCxn id="64" idx="3"/>
+          </p:cNvCxnSpPr>
+          <p:nvPr/>
+        </p:nvCxnSpPr>
+        <p:spPr>
+          <a:xfrm>
+            <a:off x="5373788" y="4248376"/>
+            <a:ext cx="369213" cy="1388149"/>
+          </a:xfrm>
+          <a:prstGeom prst="straightConnector1">
+            <a:avLst/>
+          </a:prstGeom>
+          <a:ln>
+            <a:solidFill>
+              <a:srgbClr val="FF0000"/>
+            </a:solidFill>
+            <a:tailEnd type="triangle"/>
+          </a:ln>
+        </p:spPr>
+        <p:style>
+          <a:lnRef idx="1">
+            <a:schemeClr val="accent1"/>
+          </a:lnRef>
+          <a:fillRef idx="0">
+            <a:schemeClr val="accent1"/>
+          </a:fillRef>
+          <a:effectRef idx="0">
+            <a:schemeClr val="accent1"/>
+          </a:effectRef>
+          <a:fontRef idx="minor">
+            <a:schemeClr val="tx1"/>
+          </a:fontRef>
+        </p:style>
+      </p:cxnSp>
+      <p:cxnSp>
+        <p:nvCxnSpPr>
+          <p:cNvPr id="70" name="直線單箭頭接點 69"/>
+          <p:cNvCxnSpPr>
+            <a:stCxn id="64" idx="3"/>
+          </p:cNvCxnSpPr>
+          <p:nvPr/>
+        </p:nvCxnSpPr>
+        <p:spPr>
+          <a:xfrm flipV="1">
+            <a:off x="5373788" y="2702257"/>
+            <a:ext cx="2978642" cy="1546119"/>
+          </a:xfrm>
+          <a:prstGeom prst="straightConnector1">
+            <a:avLst/>
+          </a:prstGeom>
+          <a:ln>
+            <a:solidFill>
+              <a:srgbClr val="FF0000"/>
+            </a:solidFill>
+            <a:tailEnd type="triangle"/>
+          </a:ln>
+        </p:spPr>
+        <p:style>
+          <a:lnRef idx="1">
+            <a:schemeClr val="accent1"/>
+          </a:lnRef>
+          <a:fillRef idx="0">
+            <a:schemeClr val="accent1"/>
+          </a:fillRef>
+          <a:effectRef idx="0">
+            <a:schemeClr val="accent1"/>
+          </a:effectRef>
+          <a:fontRef idx="minor">
+            <a:schemeClr val="tx1"/>
+          </a:fontRef>
+        </p:style>
+      </p:cxnSp>
+      <p:cxnSp>
+        <p:nvCxnSpPr>
+          <p:cNvPr id="72" name="直線單箭頭接點 71"/>
+          <p:cNvCxnSpPr>
+            <a:stCxn id="64" idx="3"/>
+          </p:cNvCxnSpPr>
+          <p:nvPr/>
+        </p:nvCxnSpPr>
+        <p:spPr>
+          <a:xfrm>
+            <a:off x="5373788" y="4248376"/>
+            <a:ext cx="3156063" cy="1410072"/>
+          </a:xfrm>
+          <a:prstGeom prst="straightConnector1">
+            <a:avLst/>
+          </a:prstGeom>
+          <a:ln>
+            <a:solidFill>
+              <a:srgbClr val="FF0000"/>
+            </a:solidFill>
+            <a:tailEnd type="triangle"/>
+          </a:ln>
+        </p:spPr>
+        <p:style>
+          <a:lnRef idx="1">
+            <a:schemeClr val="accent1"/>
+          </a:lnRef>
+          <a:fillRef idx="0">
+            <a:schemeClr val="accent1"/>
+          </a:fillRef>
+          <a:effectRef idx="0">
+            <a:schemeClr val="accent1"/>
+          </a:effectRef>
+          <a:fontRef idx="minor">
+            <a:schemeClr val="tx1"/>
+          </a:fontRef>
+        </p:style>
+      </p:cxnSp>
+      <p:sp>
+        <p:nvSpPr>
+          <p:cNvPr id="74" name="文字方塊 73"/>
+          <p:cNvSpPr txBox="1"/>
+          <p:nvPr/>
+        </p:nvSpPr>
+        <p:spPr>
+          <a:xfrm>
+            <a:off x="594424" y="4312950"/>
+            <a:ext cx="4746498" cy="1754326"/>
+          </a:xfrm>
+          <a:prstGeom prst="rect">
+            <a:avLst/>
+          </a:prstGeom>
+          <a:noFill/>
+        </p:spPr>
+        <p:txBody>
+          <a:bodyPr wrap="square" rtlCol="0">
+            <a:spAutoFit/>
+          </a:bodyPr>
+          <a:lstStyle/>
+          <a:p>
+            <a:pPr marL="342900" indent="-342900">
+              <a:buAutoNum type="arabicPeriod"/>
+            </a:pPr>
+            <a:r>
+              <a:rPr lang="zh-TW" altLang="en-US" dirty="0" smtClean="0"/>
+              <a:t>可以按照語意要求來做變化，例如是要</a:t>
+            </a:r>
+            <a:r>
+              <a:rPr lang="en-US" altLang="zh-TW" dirty="0" smtClean="0"/>
+              <a:t>“</a:t>
+            </a:r>
+            <a:r>
+              <a:rPr lang="zh-TW" altLang="en-US" dirty="0" smtClean="0"/>
+              <a:t>反向語意</a:t>
+            </a:r>
+            <a:r>
+              <a:rPr lang="en-US" altLang="zh-TW" dirty="0" smtClean="0"/>
+              <a:t>”</a:t>
+            </a:r>
+            <a:r>
+              <a:rPr lang="zh-TW" altLang="en-US" dirty="0" smtClean="0"/>
+              <a:t>或是</a:t>
+            </a:r>
+            <a:r>
+              <a:rPr lang="en-US" altLang="zh-TW" dirty="0" smtClean="0"/>
+              <a:t>”</a:t>
+            </a:r>
+            <a:r>
+              <a:rPr lang="zh-TW" altLang="en-US" dirty="0" smtClean="0"/>
+              <a:t>正向強調語意</a:t>
+            </a:r>
+            <a:r>
+              <a:rPr lang="en-US" altLang="zh-TW" dirty="0" smtClean="0"/>
+              <a:t>”</a:t>
+            </a:r>
+          </a:p>
+          <a:p>
+            <a:pPr marL="342900" indent="-342900">
+              <a:buAutoNum type="arabicPeriod"/>
+            </a:pPr>
+            <a:endParaRPr lang="en-US" altLang="zh-TW" dirty="0" smtClean="0"/>
+          </a:p>
+          <a:p>
+            <a:pPr marL="342900" indent="-342900">
+              <a:buAutoNum type="arabicPeriod"/>
+            </a:pPr>
+            <a:r>
+              <a:rPr lang="zh-TW" altLang="en-US" dirty="0" smtClean="0"/>
+              <a:t>通常這些語意很難用相加來達到，而是相乘。例如</a:t>
+            </a:r>
+            <a:r>
+              <a:rPr lang="en-US" altLang="zh-TW" dirty="0" smtClean="0"/>
+              <a:t>”</a:t>
+            </a:r>
+            <a:r>
+              <a:rPr lang="zh-TW" altLang="en-US" dirty="0" smtClean="0"/>
+              <a:t>他是好學生</a:t>
+            </a:r>
+            <a:r>
+              <a:rPr lang="en-US" altLang="zh-TW" dirty="0" smtClean="0"/>
+              <a:t>“</a:t>
+            </a:r>
+            <a:r>
+              <a:rPr lang="zh-TW" altLang="en-US" dirty="0" smtClean="0"/>
+              <a:t>會跟</a:t>
+            </a:r>
+            <a:r>
+              <a:rPr lang="en-US" altLang="zh-TW" dirty="0" smtClean="0"/>
+              <a:t>”</a:t>
+            </a:r>
+            <a:r>
+              <a:rPr lang="zh-TW" altLang="en-US" dirty="0" smtClean="0"/>
+              <a:t>他不是好學生</a:t>
+            </a:r>
+            <a:r>
+              <a:rPr lang="en-US" altLang="zh-TW" dirty="0" smtClean="0"/>
+              <a:t>“</a:t>
+            </a:r>
+            <a:r>
+              <a:rPr lang="zh-TW" altLang="en-US" dirty="0" smtClean="0"/>
+              <a:t>只是因為</a:t>
+            </a:r>
+            <a:r>
+              <a:rPr lang="en-US" altLang="zh-TW" dirty="0" smtClean="0"/>
+              <a:t>”</a:t>
+            </a:r>
+            <a:r>
+              <a:rPr lang="zh-TW" altLang="en-US" dirty="0" smtClean="0"/>
+              <a:t>不</a:t>
+            </a:r>
+            <a:r>
+              <a:rPr lang="en-US" altLang="zh-TW" dirty="0" smtClean="0"/>
+              <a:t>“</a:t>
+            </a:r>
+            <a:r>
+              <a:rPr lang="zh-TW" altLang="en-US" dirty="0" smtClean="0"/>
+              <a:t>就讓語意完全顛倒。</a:t>
+            </a:r>
+            <a:endParaRPr lang="zh-TW" altLang="en-US" dirty="0"/>
+          </a:p>
+        </p:txBody>
+      </p:sp>
+    </p:spTree>
+    <p:extLst>
+      <p:ext uri="{BB962C8B-B14F-4D97-AF65-F5344CB8AC3E}">
+        <p14:creationId xmlns:p14="http://schemas.microsoft.com/office/powerpoint/2010/main" val="3532261202"/>
+      </p:ext>
+    </p:extLst>
+  </p:cSld>
+  <p:clrMapOvr>
+    <a:masterClrMapping/>
+  </p:clrMapOvr>
+  <p:timing>
+    <p:tnLst>
+      <p:par>
+        <p:cTn id="1" dur="indefinite" restart="never" nodeType="tmRoot"/>
+      </p:par>
+    </p:tnLst>
+  </p:timing>
+</p:sld>
+</file>
+
+<file path=ppt/slides/slide6.xml><?xml version="1.0" encoding="utf-8"?>
+<p:sld xmlns:a="http://schemas.openxmlformats.org/drawingml/2006/main" xmlns:r="http://schemas.openxmlformats.org/officeDocument/2006/relationships" xmlns:p="http://schemas.openxmlformats.org/presentationml/2006/main">
+  <p:cSld>
+    <p:spTree>
+      <p:nvGrpSpPr>
+        <p:cNvPr id="1" name=""/>
+        <p:cNvGrpSpPr/>
+        <p:nvPr/>
+      </p:nvGrpSpPr>
+      <p:grpSpPr>
+        <a:xfrm>
+          <a:off x="0" y="0"/>
+          <a:ext cx="0" cy="0"/>
+          <a:chOff x="0" y="0"/>
+          <a:chExt cx="0" cy="0"/>
+        </a:xfrm>
+      </p:grpSpPr>
+      <p:pic>
+        <p:nvPicPr>
+          <p:cNvPr id="2" name="Picture 4" descr="相關圖片"/>
+          <p:cNvPicPr>
+            <a:picLocks noChangeAspect="1" noChangeArrowheads="1"/>
+          </p:cNvPicPr>
+          <p:nvPr/>
+        </p:nvPicPr>
+        <p:blipFill>
+          <a:blip r:embed="rId2">
+            <a:extLst>
+              <a:ext uri="{28A0092B-C50C-407E-A947-70E740481C1C}">
+                <a14:useLocalDpi xmlns:a14="http://schemas.microsoft.com/office/drawing/2010/main" val="0"/>
+              </a:ext>
+            </a:extLst>
+          </a:blip>
+          <a:srcRect/>
+          <a:stretch>
+            <a:fillRect/>
+          </a:stretch>
+        </p:blipFill>
+        <p:spPr bwMode="auto">
+          <a:xfrm>
+            <a:off x="732150" y="251284"/>
+            <a:ext cx="3885847" cy="4954121"/>
+          </a:xfrm>
+          <a:prstGeom prst="rect">
+            <a:avLst/>
+          </a:prstGeom>
+          <a:noFill/>
+          <a:extLst>
+            <a:ext uri="{909E8E84-426E-40DD-AFC4-6F175D3DCCD1}">
+              <a14:hiddenFill xmlns:a14="http://schemas.microsoft.com/office/drawing/2010/main">
+                <a:solidFill>
+                  <a:srgbClr val="FFFFFF"/>
+                </a:solidFill>
+              </a14:hiddenFill>
+            </a:ext>
+          </a:extLst>
+        </p:spPr>
+      </p:pic>
+      <p:pic>
+        <p:nvPicPr>
+          <p:cNvPr id="2050" name="Picture 2" descr="相關圖片"/>
+          <p:cNvPicPr>
+            <a:picLocks noChangeAspect="1" noChangeArrowheads="1"/>
+          </p:cNvPicPr>
+          <p:nvPr/>
+        </p:nvPicPr>
+        <p:blipFill>
+          <a:blip r:embed="rId3" cstate="print">
+            <a:extLst>
+              <a:ext uri="{28A0092B-C50C-407E-A947-70E740481C1C}">
+                <a14:useLocalDpi xmlns:a14="http://schemas.microsoft.com/office/drawing/2010/main" val="0"/>
+              </a:ext>
+            </a:extLst>
+          </a:blip>
+          <a:srcRect/>
+          <a:stretch>
+            <a:fillRect/>
+          </a:stretch>
+        </p:blipFill>
+        <p:spPr bwMode="auto">
+          <a:xfrm>
+            <a:off x="8190908" y="798081"/>
+            <a:ext cx="3205641" cy="3860529"/>
+          </a:xfrm>
+          <a:prstGeom prst="rect">
+            <a:avLst/>
+          </a:prstGeom>
+          <a:noFill/>
+          <a:extLst>
+            <a:ext uri="{909E8E84-426E-40DD-AFC4-6F175D3DCCD1}">
+              <a14:hiddenFill xmlns:a14="http://schemas.microsoft.com/office/drawing/2010/main">
+                <a:solidFill>
+                  <a:srgbClr val="FFFFFF"/>
+                </a:solidFill>
+              </a14:hiddenFill>
+            </a:ext>
+          </a:extLst>
+        </p:spPr>
+      </p:pic>
+    </p:spTree>
+    <p:extLst>
+      <p:ext uri="{BB962C8B-B14F-4D97-AF65-F5344CB8AC3E}">
+        <p14:creationId xmlns:p14="http://schemas.microsoft.com/office/powerpoint/2010/main" val="1766657591"/>
+      </p:ext>
+    </p:extLst>
+  </p:cSld>
+  <p:clrMapOvr>
+    <a:masterClrMapping/>
+  </p:clrMapOvr>
+</p:sld>
+</file>
+
+<file path=ppt/slides/slide7.xml><?xml version="1.0" encoding="utf-8"?>
+<p:sld xmlns:a="http://schemas.openxmlformats.org/drawingml/2006/main" xmlns:r="http://schemas.openxmlformats.org/officeDocument/2006/relationships" xmlns:p="http://schemas.openxmlformats.org/presentationml/2006/main">
+  <p:cSld>
+    <p:spTree>
+      <p:nvGrpSpPr>
+        <p:cNvPr id="1" name=""/>
+        <p:cNvGrpSpPr/>
+        <p:nvPr/>
+      </p:nvGrpSpPr>
+      <p:grpSpPr>
+        <a:xfrm>
+          <a:off x="0" y="0"/>
+          <a:ext cx="0" cy="0"/>
+          <a:chOff x="0" y="0"/>
+          <a:chExt cx="0" cy="0"/>
+        </a:xfrm>
+      </p:grpSpPr>
+      <p:pic>
+        <p:nvPicPr>
+          <p:cNvPr id="43" name="圖片 42"/>
+          <p:cNvPicPr>
+            <a:picLocks noChangeAspect="1"/>
+          </p:cNvPicPr>
+          <p:nvPr/>
+        </p:nvPicPr>
+        <p:blipFill>
+          <a:blip r:embed="rId2"/>
+          <a:stretch>
+            <a:fillRect/>
+          </a:stretch>
+        </p:blipFill>
+        <p:spPr>
+          <a:xfrm>
+            <a:off x="370547" y="0"/>
+            <a:ext cx="5361180" cy="4073857"/>
+          </a:xfrm>
+          <a:prstGeom prst="rect">
+            <a:avLst/>
+          </a:prstGeom>
+        </p:spPr>
+      </p:pic>
+      <p:sp>
+        <p:nvSpPr>
+          <p:cNvPr id="44" name="文字方塊 43"/>
+          <p:cNvSpPr txBox="1"/>
+          <p:nvPr/>
+        </p:nvSpPr>
+        <p:spPr>
+          <a:xfrm>
+            <a:off x="48293" y="4073857"/>
+            <a:ext cx="3002844" cy="369332"/>
+          </a:xfrm>
+          <a:prstGeom prst="rect">
+            <a:avLst/>
+          </a:prstGeom>
+          <a:noFill/>
+          <a:ln>
+            <a:noFill/>
+          </a:ln>
+        </p:spPr>
+        <p:txBody>
+          <a:bodyPr wrap="square" rtlCol="0">
+            <a:spAutoFit/>
+          </a:bodyPr>
+          <a:lstStyle/>
+          <a:p>
+            <a:r>
+              <a:rPr lang="en-US" altLang="zh-TW" dirty="0" smtClean="0"/>
+              <a:t>From </a:t>
+            </a:r>
+            <a:r>
+              <a:rPr lang="zh-TW" altLang="en-US" dirty="0" smtClean="0"/>
+              <a:t>李宏毅教授</a:t>
+            </a:r>
+            <a:endParaRPr lang="zh-TW" altLang="en-US" dirty="0"/>
+          </a:p>
+        </p:txBody>
+      </p:sp>
+      <p:pic>
+        <p:nvPicPr>
+          <p:cNvPr id="46" name="圖片 45"/>
+          <p:cNvPicPr>
+            <a:picLocks noChangeAspect="1"/>
+          </p:cNvPicPr>
+          <p:nvPr/>
+        </p:nvPicPr>
+        <p:blipFill>
+          <a:blip r:embed="rId3"/>
+          <a:stretch>
+            <a:fillRect/>
+          </a:stretch>
+        </p:blipFill>
+        <p:spPr>
+          <a:xfrm>
+            <a:off x="5731727" y="0"/>
+            <a:ext cx="5848384" cy="4386289"/>
+          </a:xfrm>
+          <a:prstGeom prst="rect">
+            <a:avLst/>
+          </a:prstGeom>
+        </p:spPr>
+      </p:pic>
+      <p:sp>
+        <p:nvSpPr>
+          <p:cNvPr id="47" name="文字方塊 46"/>
+          <p:cNvSpPr txBox="1"/>
+          <p:nvPr/>
+        </p:nvSpPr>
+        <p:spPr>
+          <a:xfrm>
+            <a:off x="1598345" y="5227093"/>
+            <a:ext cx="3193576" cy="923330"/>
+          </a:xfrm>
+          <a:prstGeom prst="rect">
+            <a:avLst/>
+          </a:prstGeom>
+          <a:noFill/>
+        </p:spPr>
+        <p:txBody>
+          <a:bodyPr wrap="square" rtlCol="0">
+            <a:spAutoFit/>
+          </a:bodyPr>
+          <a:lstStyle/>
+          <a:p>
+            <a:r>
+              <a:rPr lang="zh-TW" altLang="en-US" dirty="0" smtClean="0"/>
+              <a:t>每一次都會放入目前的圖片資訊，如此可以防止</a:t>
+            </a:r>
+            <a:r>
+              <a:rPr lang="en-US" altLang="zh-TW" dirty="0" smtClean="0"/>
+              <a:t>LSTM</a:t>
+            </a:r>
+            <a:r>
+              <a:rPr lang="zh-TW" altLang="en-US" dirty="0" smtClean="0"/>
+              <a:t>忘記自己在幹啥</a:t>
+            </a:r>
+            <a:endParaRPr lang="zh-TW" altLang="en-US" dirty="0"/>
+          </a:p>
+        </p:txBody>
+      </p:sp>
+      <p:cxnSp>
+        <p:nvCxnSpPr>
+          <p:cNvPr id="49" name="直線單箭頭接點 48"/>
+          <p:cNvCxnSpPr>
+            <a:stCxn id="47" idx="0"/>
+          </p:cNvCxnSpPr>
+          <p:nvPr/>
+        </p:nvCxnSpPr>
+        <p:spPr>
+          <a:xfrm flipV="1">
+            <a:off x="3195133" y="4073857"/>
+            <a:ext cx="285046" cy="1153236"/>
+          </a:xfrm>
+          <a:prstGeom prst="straightConnector1">
+            <a:avLst/>
+          </a:prstGeom>
+          <a:ln>
+            <a:solidFill>
+              <a:srgbClr val="FF0000"/>
+            </a:solidFill>
+            <a:tailEnd type="triangle"/>
+          </a:ln>
+        </p:spPr>
+        <p:style>
+          <a:lnRef idx="1">
+            <a:schemeClr val="accent1"/>
+          </a:lnRef>
+          <a:fillRef idx="0">
+            <a:schemeClr val="accent1"/>
+          </a:fillRef>
+          <a:effectRef idx="0">
+            <a:schemeClr val="accent1"/>
+          </a:effectRef>
+          <a:fontRef idx="minor">
+            <a:schemeClr val="tx1"/>
+          </a:fontRef>
+        </p:style>
+      </p:cxnSp>
+      <p:cxnSp>
+        <p:nvCxnSpPr>
+          <p:cNvPr id="52" name="直線單箭頭接點 51"/>
+          <p:cNvCxnSpPr>
+            <a:stCxn id="47" idx="0"/>
+          </p:cNvCxnSpPr>
+          <p:nvPr/>
+        </p:nvCxnSpPr>
+        <p:spPr>
+          <a:xfrm flipV="1">
+            <a:off x="3195133" y="4073857"/>
+            <a:ext cx="940139" cy="1153236"/>
+          </a:xfrm>
+          <a:prstGeom prst="straightConnector1">
+            <a:avLst/>
+          </a:prstGeom>
+          <a:ln>
+            <a:solidFill>
+              <a:srgbClr val="FF0000"/>
+            </a:solidFill>
+            <a:tailEnd type="triangle"/>
+          </a:ln>
+        </p:spPr>
+        <p:style>
+          <a:lnRef idx="1">
+            <a:schemeClr val="accent1"/>
+          </a:lnRef>
+          <a:fillRef idx="0">
+            <a:schemeClr val="accent1"/>
+          </a:fillRef>
+          <a:effectRef idx="0">
+            <a:schemeClr val="accent1"/>
+          </a:effectRef>
+          <a:fontRef idx="minor">
+            <a:schemeClr val="tx1"/>
+          </a:fontRef>
+        </p:style>
+      </p:cxnSp>
+      <p:cxnSp>
+        <p:nvCxnSpPr>
+          <p:cNvPr id="54" name="直線單箭頭接點 53"/>
+          <p:cNvCxnSpPr>
+            <a:stCxn id="47" idx="0"/>
+          </p:cNvCxnSpPr>
+          <p:nvPr/>
+        </p:nvCxnSpPr>
+        <p:spPr>
+          <a:xfrm flipV="1">
+            <a:off x="3195133" y="4073857"/>
+            <a:ext cx="2107552" cy="1153236"/>
+          </a:xfrm>
+          <a:prstGeom prst="straightConnector1">
+            <a:avLst/>
+          </a:prstGeom>
+          <a:ln>
+            <a:solidFill>
+              <a:srgbClr val="FF0000"/>
+            </a:solidFill>
+            <a:tailEnd type="triangle"/>
+          </a:ln>
+        </p:spPr>
+        <p:style>
+          <a:lnRef idx="1">
+            <a:schemeClr val="accent1"/>
+          </a:lnRef>
+          <a:fillRef idx="0">
+            <a:schemeClr val="accent1"/>
+          </a:fillRef>
+          <a:effectRef idx="0">
+            <a:schemeClr val="accent1"/>
+          </a:effectRef>
+          <a:fontRef idx="minor">
+            <a:schemeClr val="tx1"/>
+          </a:fontRef>
+        </p:style>
+      </p:cxnSp>
+      <p:cxnSp>
+        <p:nvCxnSpPr>
+          <p:cNvPr id="60" name="弧形接點 59"/>
+          <p:cNvCxnSpPr>
+            <a:endCxn id="47" idx="1"/>
+          </p:cNvCxnSpPr>
+          <p:nvPr/>
+        </p:nvCxnSpPr>
+        <p:spPr>
+          <a:xfrm rot="5400000">
+            <a:off x="-54706" y="3846195"/>
+            <a:ext cx="3495614" cy="189512"/>
+          </a:xfrm>
+          <a:prstGeom prst="curvedConnector4">
+            <a:avLst>
+              <a:gd name="adj1" fmla="val -332"/>
+              <a:gd name="adj2" fmla="val 343052"/>
+            </a:avLst>
+          </a:prstGeom>
+          <a:ln>
+            <a:solidFill>
+              <a:srgbClr val="FF0000"/>
+            </a:solidFill>
+            <a:tailEnd type="triangle"/>
+          </a:ln>
+        </p:spPr>
+        <p:style>
+          <a:lnRef idx="1">
+            <a:schemeClr val="accent1"/>
+          </a:lnRef>
+          <a:fillRef idx="0">
+            <a:schemeClr val="accent1"/>
+          </a:fillRef>
+          <a:effectRef idx="0">
+            <a:schemeClr val="accent1"/>
+          </a:effectRef>
+          <a:fontRef idx="minor">
+            <a:schemeClr val="tx1"/>
+          </a:fontRef>
+        </p:style>
+      </p:cxnSp>
+      <p:sp>
+        <p:nvSpPr>
+          <p:cNvPr id="63" name="文字方塊 62"/>
+          <p:cNvSpPr txBox="1"/>
+          <p:nvPr/>
+        </p:nvSpPr>
+        <p:spPr>
+          <a:xfrm>
+            <a:off x="7069539" y="4650475"/>
+            <a:ext cx="4510571" cy="1200329"/>
+          </a:xfrm>
+          <a:prstGeom prst="rect">
+            <a:avLst/>
+          </a:prstGeom>
+          <a:noFill/>
+        </p:spPr>
+        <p:txBody>
+          <a:bodyPr wrap="square" rtlCol="0">
+            <a:spAutoFit/>
+          </a:bodyPr>
+          <a:lstStyle/>
+          <a:p>
+            <a:r>
+              <a:rPr lang="en-US" altLang="zh-TW" dirty="0" smtClean="0"/>
+              <a:t>1. </a:t>
+            </a:r>
+            <a:r>
+              <a:rPr lang="zh-TW" altLang="en-US" dirty="0" smtClean="0"/>
+              <a:t>不使用整句最後做出來的</a:t>
+            </a:r>
+            <a:r>
+              <a:rPr lang="en-US" altLang="zh-TW" dirty="0" smtClean="0"/>
+              <a:t>embedding</a:t>
+            </a:r>
+            <a:r>
+              <a:rPr lang="zh-TW" altLang="en-US" dirty="0" smtClean="0"/>
+              <a:t>。</a:t>
+            </a:r>
+            <a:endParaRPr lang="en-US" altLang="zh-TW" dirty="0" smtClean="0"/>
+          </a:p>
+          <a:p>
+            <a:r>
+              <a:rPr lang="en-US" altLang="zh-TW" dirty="0" smtClean="0"/>
+              <a:t>2. </a:t>
+            </a:r>
+            <a:r>
+              <a:rPr lang="zh-TW" altLang="en-US" dirty="0" smtClean="0"/>
+              <a:t>做</a:t>
+            </a:r>
+            <a:r>
+              <a:rPr lang="en-US" altLang="zh-TW" dirty="0" smtClean="0"/>
+              <a:t>condition</a:t>
+            </a:r>
+            <a:r>
+              <a:rPr lang="zh-TW" altLang="en-US" dirty="0" smtClean="0"/>
+              <a:t>的時候，就是按照目前看到的字來給予回應讓</a:t>
+            </a:r>
+            <a:r>
+              <a:rPr lang="en-US" altLang="zh-TW" dirty="0" smtClean="0"/>
+              <a:t>decoder</a:t>
+            </a:r>
+            <a:r>
+              <a:rPr lang="zh-TW" altLang="en-US" dirty="0" smtClean="0"/>
+              <a:t>輸出。所以每次輸出一次，</a:t>
+            </a:r>
+            <a:r>
+              <a:rPr lang="en-US" altLang="zh-TW" dirty="0" smtClean="0"/>
+              <a:t>condition</a:t>
+            </a:r>
+            <a:r>
+              <a:rPr lang="zh-TW" altLang="en-US" dirty="0" smtClean="0"/>
+              <a:t>都不同。</a:t>
+            </a:r>
+            <a:endParaRPr lang="zh-TW" altLang="en-US" dirty="0"/>
+          </a:p>
+        </p:txBody>
+      </p:sp>
+      <p:cxnSp>
+        <p:nvCxnSpPr>
+          <p:cNvPr id="65" name="弧形接點 64"/>
+          <p:cNvCxnSpPr/>
+          <p:nvPr/>
+        </p:nvCxnSpPr>
+        <p:spPr>
+          <a:xfrm rot="5400000" flipH="1" flipV="1">
+            <a:off x="6328718" y="2561938"/>
+            <a:ext cx="3357351" cy="1017620"/>
+          </a:xfrm>
+          <a:prstGeom prst="curvedConnector3">
+            <a:avLst>
+              <a:gd name="adj1" fmla="val 111789"/>
+            </a:avLst>
+          </a:prstGeom>
+          <a:ln>
+            <a:solidFill>
+              <a:srgbClr val="FF0000"/>
+            </a:solidFill>
+            <a:tailEnd type="triangle"/>
+          </a:ln>
+        </p:spPr>
+        <p:style>
+          <a:lnRef idx="1">
+            <a:schemeClr val="accent1"/>
+          </a:lnRef>
+          <a:fillRef idx="0">
+            <a:schemeClr val="accent1"/>
+          </a:fillRef>
+          <a:effectRef idx="0">
+            <a:schemeClr val="accent1"/>
+          </a:effectRef>
+          <a:fontRef idx="minor">
+            <a:schemeClr val="tx1"/>
+          </a:fontRef>
+        </p:style>
+      </p:cxnSp>
+      <p:cxnSp>
+        <p:nvCxnSpPr>
+          <p:cNvPr id="68" name="直線接點 67"/>
+          <p:cNvCxnSpPr/>
+          <p:nvPr/>
+        </p:nvCxnSpPr>
+        <p:spPr>
+          <a:xfrm flipH="1">
+            <a:off x="8297839" y="1228299"/>
+            <a:ext cx="543520" cy="805217"/>
+          </a:xfrm>
+          <a:prstGeom prst="line">
+            <a:avLst/>
+          </a:prstGeom>
+          <a:ln>
+            <a:solidFill>
+              <a:srgbClr val="FF0000"/>
+            </a:solidFill>
+          </a:ln>
+        </p:spPr>
+        <p:style>
+          <a:lnRef idx="1">
+            <a:schemeClr val="accent1"/>
+          </a:lnRef>
+          <a:fillRef idx="0">
+            <a:schemeClr val="accent1"/>
+          </a:fillRef>
+          <a:effectRef idx="0">
+            <a:schemeClr val="accent1"/>
+          </a:effectRef>
+          <a:fontRef idx="minor">
+            <a:schemeClr val="tx1"/>
+          </a:fontRef>
+        </p:style>
+      </p:cxnSp>
+      <p:cxnSp>
+        <p:nvCxnSpPr>
+          <p:cNvPr id="70" name="直線接點 69"/>
+          <p:cNvCxnSpPr/>
+          <p:nvPr/>
+        </p:nvCxnSpPr>
+        <p:spPr>
+          <a:xfrm>
+            <a:off x="8284191" y="1392072"/>
+            <a:ext cx="429042" cy="627797"/>
+          </a:xfrm>
+          <a:prstGeom prst="line">
+            <a:avLst/>
+          </a:prstGeom>
+          <a:ln>
+            <a:solidFill>
+              <a:srgbClr val="FF0000"/>
+            </a:solidFill>
+          </a:ln>
+        </p:spPr>
+        <p:style>
+          <a:lnRef idx="1">
+            <a:schemeClr val="accent1"/>
+          </a:lnRef>
+          <a:fillRef idx="0">
+            <a:schemeClr val="accent1"/>
+          </a:fillRef>
+          <a:effectRef idx="0">
+            <a:schemeClr val="accent1"/>
+          </a:effectRef>
+          <a:fontRef idx="minor">
+            <a:schemeClr val="tx1"/>
+          </a:fontRef>
+        </p:style>
+      </p:cxnSp>
+      <p:cxnSp>
+        <p:nvCxnSpPr>
+          <p:cNvPr id="76" name="弧形接點 75"/>
+          <p:cNvCxnSpPr/>
+          <p:nvPr/>
+        </p:nvCxnSpPr>
+        <p:spPr>
+          <a:xfrm rot="16200000" flipV="1">
+            <a:off x="8413831" y="4221608"/>
+            <a:ext cx="1894680" cy="1039619"/>
+          </a:xfrm>
+          <a:prstGeom prst="curvedConnector3">
+            <a:avLst>
+              <a:gd name="adj1" fmla="val 118430"/>
+            </a:avLst>
+          </a:prstGeom>
+          <a:ln>
+            <a:solidFill>
+              <a:srgbClr val="FF0000"/>
+            </a:solidFill>
+            <a:tailEnd type="triangle"/>
+          </a:ln>
+        </p:spPr>
+        <p:style>
+          <a:lnRef idx="1">
+            <a:schemeClr val="accent1"/>
+          </a:lnRef>
+          <a:fillRef idx="0">
+            <a:schemeClr val="accent1"/>
+          </a:fillRef>
+          <a:effectRef idx="0">
+            <a:schemeClr val="accent1"/>
+          </a:effectRef>
+          <a:fontRef idx="minor">
+            <a:schemeClr val="tx1"/>
+          </a:fontRef>
+        </p:style>
+      </p:cxnSp>
+    </p:spTree>
+    <p:extLst>
+      <p:ext uri="{BB962C8B-B14F-4D97-AF65-F5344CB8AC3E}">
+        <p14:creationId xmlns:p14="http://schemas.microsoft.com/office/powerpoint/2010/main" val="547611384"/>
+      </p:ext>
+    </p:extLst>
+  </p:cSld>
+  <p:clrMapOvr>
+    <a:masterClrMapping/>
+  </p:clrMapOvr>
+</p:sld>
+</file>
+
+<file path=ppt/slides/slide8.xml><?xml version="1.0" encoding="utf-8"?>
+<p:sld xmlns:a="http://schemas.openxmlformats.org/drawingml/2006/main" xmlns:r="http://schemas.openxmlformats.org/officeDocument/2006/relationships" xmlns:p="http://schemas.openxmlformats.org/presentationml/2006/main">
+  <p:cSld>
+    <p:spTree>
+      <p:nvGrpSpPr>
+        <p:cNvPr id="1" name=""/>
+        <p:cNvGrpSpPr/>
+        <p:nvPr/>
+      </p:nvGrpSpPr>
+      <p:grpSpPr>
+        <a:xfrm>
+          <a:off x="0" y="0"/>
+          <a:ext cx="0" cy="0"/>
+          <a:chOff x="0" y="0"/>
+          <a:chExt cx="0" cy="0"/>
+        </a:xfrm>
+      </p:grpSpPr>
+      <p:pic>
+        <p:nvPicPr>
+          <p:cNvPr id="34" name="圖片 33"/>
+          <p:cNvPicPr>
+            <a:picLocks noChangeAspect="1"/>
+          </p:cNvPicPr>
+          <p:nvPr/>
+        </p:nvPicPr>
+        <p:blipFill>
+          <a:blip r:embed="rId2"/>
+          <a:stretch>
+            <a:fillRect/>
+          </a:stretch>
+        </p:blipFill>
+        <p:spPr>
+          <a:xfrm>
+            <a:off x="317846" y="354841"/>
+            <a:ext cx="3154751" cy="2855332"/>
+          </a:xfrm>
+          <a:prstGeom prst="rect">
+            <a:avLst/>
+          </a:prstGeom>
+        </p:spPr>
+      </p:pic>
+      <p:pic>
+        <p:nvPicPr>
+          <p:cNvPr id="35" name="圖片 34"/>
+          <p:cNvPicPr>
+            <a:picLocks noChangeAspect="1"/>
+          </p:cNvPicPr>
+          <p:nvPr/>
+        </p:nvPicPr>
+        <p:blipFill>
+          <a:blip r:embed="rId3"/>
+          <a:stretch>
+            <a:fillRect/>
+          </a:stretch>
+        </p:blipFill>
+        <p:spPr>
+          <a:xfrm>
+            <a:off x="317846" y="3643951"/>
+            <a:ext cx="4352689" cy="2634017"/>
+          </a:xfrm>
+          <a:prstGeom prst="rect">
+            <a:avLst/>
+          </a:prstGeom>
+          <a:ln>
+            <a:solidFill>
+              <a:schemeClr val="tx1"/>
+            </a:solidFill>
+          </a:ln>
+        </p:spPr>
+      </p:pic>
+      <p:pic>
+        <p:nvPicPr>
+          <p:cNvPr id="36" name="圖片 35"/>
+          <p:cNvPicPr>
+            <a:picLocks noChangeAspect="1"/>
+          </p:cNvPicPr>
+          <p:nvPr/>
+        </p:nvPicPr>
+        <p:blipFill>
+          <a:blip r:embed="rId4"/>
+          <a:stretch>
+            <a:fillRect/>
+          </a:stretch>
+        </p:blipFill>
+        <p:spPr>
+          <a:xfrm>
+            <a:off x="4887357" y="3643950"/>
+            <a:ext cx="2912461" cy="2634017"/>
+          </a:xfrm>
+          <a:prstGeom prst="rect">
+            <a:avLst/>
+          </a:prstGeom>
+          <a:ln>
+            <a:solidFill>
+              <a:schemeClr val="tx1"/>
+            </a:solidFill>
+          </a:ln>
+        </p:spPr>
+      </p:pic>
+      <p:pic>
+        <p:nvPicPr>
+          <p:cNvPr id="37" name="圖片 36"/>
+          <p:cNvPicPr>
+            <a:picLocks noChangeAspect="1"/>
+          </p:cNvPicPr>
+          <p:nvPr/>
+        </p:nvPicPr>
+        <p:blipFill>
+          <a:blip r:embed="rId5"/>
+          <a:stretch>
+            <a:fillRect/>
+          </a:stretch>
+        </p:blipFill>
+        <p:spPr>
+          <a:xfrm>
+            <a:off x="8016640" y="3643950"/>
+            <a:ext cx="4023038" cy="2634017"/>
+          </a:xfrm>
+          <a:prstGeom prst="rect">
+            <a:avLst/>
+          </a:prstGeom>
+          <a:ln>
+            <a:solidFill>
+              <a:schemeClr val="tx1"/>
+            </a:solidFill>
+          </a:ln>
+        </p:spPr>
+      </p:pic>
+      <p:pic>
+        <p:nvPicPr>
+          <p:cNvPr id="38" name="圖片 37"/>
+          <p:cNvPicPr>
+            <a:picLocks noChangeAspect="1"/>
+          </p:cNvPicPr>
+          <p:nvPr/>
+        </p:nvPicPr>
+        <p:blipFill>
+          <a:blip r:embed="rId6"/>
+          <a:stretch>
+            <a:fillRect/>
+          </a:stretch>
+        </p:blipFill>
+        <p:spPr>
+          <a:xfrm>
+            <a:off x="5634249" y="529802"/>
+            <a:ext cx="4393910" cy="2680371"/>
+          </a:xfrm>
+          <a:prstGeom prst="rect">
+            <a:avLst/>
+          </a:prstGeom>
+          <a:ln>
+            <a:solidFill>
+              <a:schemeClr val="tx1"/>
+            </a:solidFill>
+          </a:ln>
+        </p:spPr>
+      </p:pic>
+      <p:sp>
+        <p:nvSpPr>
+          <p:cNvPr id="39" name="文字方塊 38"/>
+          <p:cNvSpPr txBox="1"/>
+          <p:nvPr/>
+        </p:nvSpPr>
+        <p:spPr>
+          <a:xfrm>
+            <a:off x="5634249" y="128248"/>
+            <a:ext cx="2686755" cy="369332"/>
+          </a:xfrm>
+          <a:prstGeom prst="rect">
+            <a:avLst/>
+          </a:prstGeom>
+          <a:noFill/>
+        </p:spPr>
+        <p:txBody>
+          <a:bodyPr wrap="square" rtlCol="0">
+            <a:spAutoFit/>
+          </a:bodyPr>
+          <a:lstStyle/>
+          <a:p>
+            <a:r>
+              <a:rPr lang="en-US" altLang="zh-TW" dirty="0" smtClean="0"/>
+              <a:t>Conditional RNN</a:t>
+            </a:r>
+            <a:endParaRPr lang="zh-TW" altLang="en-US" dirty="0"/>
+          </a:p>
+        </p:txBody>
+      </p:sp>
+    </p:spTree>
+    <p:extLst>
+      <p:ext uri="{BB962C8B-B14F-4D97-AF65-F5344CB8AC3E}">
+        <p14:creationId xmlns:p14="http://schemas.microsoft.com/office/powerpoint/2010/main" val="50753726"/>
+      </p:ext>
+    </p:extLst>
+  </p:cSld>
+  <p:clrMapOvr>
+    <a:masterClrMapping/>
+  </p:clrMapOvr>
+</p:sld>
+</file>
+
+<file path=ppt/slides/slide9.xml><?xml version="1.0" encoding="utf-8"?>
+<p:sld xmlns:a="http://schemas.openxmlformats.org/drawingml/2006/main" xmlns:r="http://schemas.openxmlformats.org/officeDocument/2006/relationships" xmlns:p="http://schemas.openxmlformats.org/presentationml/2006/main">
+  <p:cSld>
+    <p:spTree>
+      <p:nvGrpSpPr>
+        <p:cNvPr id="1" name=""/>
+        <p:cNvGrpSpPr/>
+        <p:nvPr/>
+      </p:nvGrpSpPr>
+      <p:grpSpPr>
+        <a:xfrm>
+          <a:off x="0" y="0"/>
+          <a:ext cx="0" cy="0"/>
+          <a:chOff x="0" y="0"/>
+          <a:chExt cx="0" cy="0"/>
+        </a:xfrm>
+      </p:grpSpPr>
+      <p:pic>
+        <p:nvPicPr>
+          <p:cNvPr id="1026" name="Picture 2" descr="「condition attention rnn」的圖片搜尋結果"/>
+          <p:cNvPicPr>
+            <a:picLocks noChangeAspect="1" noChangeArrowheads="1"/>
+          </p:cNvPicPr>
+          <p:nvPr/>
+        </p:nvPicPr>
+        <p:blipFill>
+          <a:blip r:embed="rId2" cstate="print">
+            <a:extLst>
+              <a:ext uri="{28A0092B-C50C-407E-A947-70E740481C1C}">
+                <a14:useLocalDpi xmlns:a14="http://schemas.microsoft.com/office/drawing/2010/main" val="0"/>
+              </a:ext>
+            </a:extLst>
+          </a:blip>
+          <a:srcRect/>
+          <a:stretch>
+            <a:fillRect/>
+          </a:stretch>
+        </p:blipFill>
+        <p:spPr bwMode="auto">
+          <a:xfrm>
+            <a:off x="4505535" y="960858"/>
+            <a:ext cx="7015201" cy="4376149"/>
+          </a:xfrm>
+          <a:prstGeom prst="rect">
+            <a:avLst/>
+          </a:prstGeom>
+          <a:noFill/>
+          <a:extLst>
+            <a:ext uri="{909E8E84-426E-40DD-AFC4-6F175D3DCCD1}">
+              <a14:hiddenFill xmlns:a14="http://schemas.microsoft.com/office/drawing/2010/main">
+                <a:solidFill>
+                  <a:srgbClr val="FFFFFF"/>
+                </a:solidFill>
+              </a14:hiddenFill>
+            </a:ext>
+          </a:extLst>
+        </p:spPr>
+      </p:pic>
+      <p:sp>
+        <p:nvSpPr>
+          <p:cNvPr id="3" name="矩形 2"/>
+          <p:cNvSpPr/>
+          <p:nvPr/>
+        </p:nvSpPr>
+        <p:spPr>
+          <a:xfrm>
+            <a:off x="5491443" y="5487133"/>
+            <a:ext cx="4831836" cy="369332"/>
+          </a:xfrm>
+          <a:prstGeom prst="rect">
+            <a:avLst/>
+          </a:prstGeom>
+        </p:spPr>
+        <p:txBody>
+          <a:bodyPr wrap="none">
+            <a:spAutoFit/>
+          </a:bodyPr>
+          <a:lstStyle/>
+          <a:p>
+            <a:r>
+              <a:rPr lang="zh-TW" altLang="en-US" dirty="0"/>
+              <a:t>https://talbaumel.github.io/attention/img/att.jpg</a:t>
+            </a:r>
+          </a:p>
+        </p:txBody>
+      </p:sp>
+      <p:pic>
+        <p:nvPicPr>
+          <p:cNvPr id="6" name="Picture 4" descr="相關圖片"/>
+          <p:cNvPicPr>
+            <a:picLocks noChangeAspect="1" noChangeArrowheads="1"/>
+          </p:cNvPicPr>
+          <p:nvPr/>
+        </p:nvPicPr>
+        <p:blipFill>
+          <a:blip r:embed="rId3">
+            <a:extLst>
+              <a:ext uri="{28A0092B-C50C-407E-A947-70E740481C1C}">
+                <a14:useLocalDpi xmlns:a14="http://schemas.microsoft.com/office/drawing/2010/main" val="0"/>
+              </a:ext>
+            </a:extLst>
+          </a:blip>
+          <a:srcRect/>
+          <a:stretch>
+            <a:fillRect/>
+          </a:stretch>
+        </p:blipFill>
+        <p:spPr bwMode="auto">
+          <a:xfrm>
+            <a:off x="237546" y="671871"/>
+            <a:ext cx="3885847" cy="4954121"/>
+          </a:xfrm>
+          <a:prstGeom prst="rect">
+            <a:avLst/>
+          </a:prstGeom>
+          <a:noFill/>
+          <a:extLst>
+            <a:ext uri="{909E8E84-426E-40DD-AFC4-6F175D3DCCD1}">
+              <a14:hiddenFill xmlns:a14="http://schemas.microsoft.com/office/drawing/2010/main">
+                <a:solidFill>
+                  <a:srgbClr val="FFFFFF"/>
+                </a:solidFill>
+              </a14:hiddenFill>
+            </a:ext>
+          </a:extLst>
+        </p:spPr>
+      </p:pic>
+      <p:cxnSp>
+        <p:nvCxnSpPr>
+          <p:cNvPr id="5" name="直線單箭頭接點 4"/>
+          <p:cNvCxnSpPr/>
+          <p:nvPr/>
+        </p:nvCxnSpPr>
+        <p:spPr>
+          <a:xfrm flipV="1">
+            <a:off x="3480179" y="4940490"/>
+            <a:ext cx="1637731" cy="300250"/>
+          </a:xfrm>
+          <a:prstGeom prst="straightConnector1">
+            <a:avLst/>
+          </a:prstGeom>
+          <a:ln>
+            <a:solidFill>
+              <a:srgbClr val="FF0000"/>
+            </a:solidFill>
+            <a:tailEnd type="triangle"/>
+          </a:ln>
+        </p:spPr>
+        <p:style>
+          <a:lnRef idx="1">
+            <a:schemeClr val="accent1"/>
+          </a:lnRef>
+          <a:fillRef idx="0">
+            <a:schemeClr val="accent1"/>
+          </a:fillRef>
+          <a:effectRef idx="0">
+            <a:schemeClr val="accent1"/>
+          </a:effectRef>
+          <a:fontRef idx="minor">
+            <a:schemeClr val="tx1"/>
+          </a:fontRef>
+        </p:style>
+      </p:cxnSp>
+      <p:cxnSp>
+        <p:nvCxnSpPr>
+          <p:cNvPr id="8" name="直線單箭頭接點 7"/>
+          <p:cNvCxnSpPr/>
+          <p:nvPr/>
+        </p:nvCxnSpPr>
+        <p:spPr>
+          <a:xfrm flipH="1" flipV="1">
+            <a:off x="3780430" y="4053385"/>
+            <a:ext cx="1337480" cy="382137"/>
+          </a:xfrm>
+          <a:prstGeom prst="straightConnector1">
+            <a:avLst/>
+          </a:prstGeom>
+          <a:ln>
+            <a:solidFill>
+              <a:srgbClr val="FF0000"/>
+            </a:solidFill>
+            <a:tailEnd type="triangle"/>
+          </a:ln>
+        </p:spPr>
+        <p:style>
+          <a:lnRef idx="1">
+            <a:schemeClr val="accent1"/>
+          </a:lnRef>
+          <a:fillRef idx="0">
+            <a:schemeClr val="accent1"/>
+          </a:fillRef>
+          <a:effectRef idx="0">
+            <a:schemeClr val="accent1"/>
+          </a:effectRef>
+          <a:fontRef idx="minor">
+            <a:schemeClr val="tx1"/>
+          </a:fontRef>
+        </p:style>
+      </p:cxnSp>
+      <p:sp>
+        <p:nvSpPr>
+          <p:cNvPr id="9" name="矩形 8"/>
+          <p:cNvSpPr/>
+          <p:nvPr/>
+        </p:nvSpPr>
+        <p:spPr>
+          <a:xfrm>
+            <a:off x="491319" y="2429301"/>
+            <a:ext cx="2893326" cy="1050878"/>
+          </a:xfrm>
+          <a:prstGeom prst="rect">
+            <a:avLst/>
+          </a:prstGeom>
+          <a:noFill/>
+          <a:ln>
+            <a:solidFill>
+              <a:srgbClr val="FF0000"/>
+            </a:solidFill>
+          </a:ln>
+        </p:spPr>
+        <p:style>
+          <a:lnRef idx="2">
+            <a:schemeClr val="accent1">
+              <a:shade val="50000"/>
+            </a:schemeClr>
+          </a:lnRef>
+          <a:fillRef idx="1">
+            <a:schemeClr val="accent1"/>
+          </a:fillRef>
+          <a:effectRef idx="0">
+            <a:schemeClr val="accent1"/>
+          </a:effectRef>
+          <a:fontRef idx="minor">
+            <a:schemeClr val="lt1"/>
+          </a:fontRef>
+        </p:style>
+        <p:txBody>
+          <a:bodyPr rtlCol="0" anchor="ctr"/>
+          <a:lstStyle/>
+          <a:p>
+            <a:pPr algn="ctr"/>
+            <a:endParaRPr lang="zh-TW" altLang="en-US"/>
+          </a:p>
+        </p:txBody>
+      </p:sp>
+      <p:cxnSp>
+        <p:nvCxnSpPr>
+          <p:cNvPr id="11" name="直線單箭頭接點 10"/>
+          <p:cNvCxnSpPr/>
+          <p:nvPr/>
+        </p:nvCxnSpPr>
+        <p:spPr>
+          <a:xfrm>
+            <a:off x="3480179" y="2620370"/>
+            <a:ext cx="1637731" cy="723331"/>
+          </a:xfrm>
+          <a:prstGeom prst="straightConnector1">
+            <a:avLst/>
+          </a:prstGeom>
+          <a:ln>
+            <a:solidFill>
+              <a:srgbClr val="FF0000"/>
+            </a:solidFill>
+            <a:prstDash val="dash"/>
+            <a:tailEnd type="triangle"/>
+          </a:ln>
+        </p:spPr>
+        <p:style>
+          <a:lnRef idx="1">
+            <a:schemeClr val="accent1"/>
+          </a:lnRef>
+          <a:fillRef idx="0">
+            <a:schemeClr val="accent1"/>
+          </a:fillRef>
+          <a:effectRef idx="0">
+            <a:schemeClr val="accent1"/>
+          </a:effectRef>
+          <a:fontRef idx="minor">
+            <a:schemeClr val="tx1"/>
+          </a:fontRef>
+        </p:style>
+      </p:cxnSp>
+      <p:sp>
+        <p:nvSpPr>
+          <p:cNvPr id="12" name="文字方塊 11"/>
+          <p:cNvSpPr txBox="1"/>
+          <p:nvPr/>
+        </p:nvSpPr>
+        <p:spPr>
+          <a:xfrm>
+            <a:off x="4301067" y="5240740"/>
+            <a:ext cx="530577" cy="369332"/>
+          </a:xfrm>
+          <a:prstGeom prst="rect">
+            <a:avLst/>
+          </a:prstGeom>
+          <a:noFill/>
+        </p:spPr>
+        <p:txBody>
+          <a:bodyPr wrap="square" rtlCol="0">
+            <a:spAutoFit/>
+          </a:bodyPr>
+          <a:lstStyle/>
+          <a:p>
+            <a:r>
+              <a:rPr lang="en-US" altLang="zh-TW" dirty="0" smtClean="0">
+                <a:solidFill>
+                  <a:srgbClr val="FF0000"/>
+                </a:solidFill>
+              </a:rPr>
+              <a:t>A.</a:t>
+            </a:r>
+            <a:endParaRPr lang="zh-TW" altLang="en-US" dirty="0">
+              <a:solidFill>
+                <a:srgbClr val="FF0000"/>
+              </a:solidFill>
+            </a:endParaRPr>
+          </a:p>
+        </p:txBody>
+      </p:sp>
+      <p:sp>
+        <p:nvSpPr>
+          <p:cNvPr id="15" name="文字方塊 14"/>
+          <p:cNvSpPr txBox="1"/>
+          <p:nvPr/>
+        </p:nvSpPr>
+        <p:spPr>
+          <a:xfrm>
+            <a:off x="3858104" y="4142616"/>
+            <a:ext cx="530577" cy="369332"/>
+          </a:xfrm>
+          <a:prstGeom prst="rect">
+            <a:avLst/>
+          </a:prstGeom>
+          <a:noFill/>
+        </p:spPr>
+        <p:txBody>
+          <a:bodyPr wrap="square" rtlCol="0">
+            <a:spAutoFit/>
+          </a:bodyPr>
+          <a:lstStyle/>
+          <a:p>
+            <a:r>
+              <a:rPr lang="en-US" altLang="zh-TW" dirty="0" smtClean="0">
+                <a:solidFill>
+                  <a:srgbClr val="FF0000"/>
+                </a:solidFill>
+              </a:rPr>
+              <a:t>B.</a:t>
+            </a:r>
+            <a:endParaRPr lang="zh-TW" altLang="en-US" dirty="0">
+              <a:solidFill>
+                <a:srgbClr val="FF0000"/>
+              </a:solidFill>
+            </a:endParaRPr>
+          </a:p>
+        </p:txBody>
+      </p:sp>
+      <p:sp>
+        <p:nvSpPr>
+          <p:cNvPr id="16" name="文字方塊 15"/>
+          <p:cNvSpPr txBox="1"/>
+          <p:nvPr/>
+        </p:nvSpPr>
+        <p:spPr>
+          <a:xfrm>
+            <a:off x="3821314" y="2790224"/>
+            <a:ext cx="530577" cy="369332"/>
+          </a:xfrm>
+          <a:prstGeom prst="rect">
+            <a:avLst/>
+          </a:prstGeom>
+          <a:noFill/>
+        </p:spPr>
+        <p:txBody>
+          <a:bodyPr wrap="square" rtlCol="0">
+            <a:spAutoFit/>
+          </a:bodyPr>
+          <a:lstStyle/>
+          <a:p>
+            <a:r>
+              <a:rPr lang="en-US" altLang="zh-TW" dirty="0">
+                <a:solidFill>
+                  <a:srgbClr val="FF0000"/>
+                </a:solidFill>
+              </a:rPr>
+              <a:t>C</a:t>
+            </a:r>
+            <a:r>
+              <a:rPr lang="en-US" altLang="zh-TW" dirty="0" smtClean="0">
+                <a:solidFill>
+                  <a:srgbClr val="FF0000"/>
+                </a:solidFill>
+              </a:rPr>
+              <a:t>.</a:t>
+            </a:r>
+            <a:endParaRPr lang="zh-TW" altLang="en-US" dirty="0">
+              <a:solidFill>
+                <a:srgbClr val="FF0000"/>
+              </a:solidFill>
+            </a:endParaRPr>
+          </a:p>
+        </p:txBody>
+      </p:sp>
+    </p:spTree>
+    <p:extLst>
+      <p:ext uri="{BB962C8B-B14F-4D97-AF65-F5344CB8AC3E}">
+        <p14:creationId xmlns:p14="http://schemas.microsoft.com/office/powerpoint/2010/main" val="4070555374"/>
+      </p:ext>
+    </p:extLst>
+  </p:cSld>
+  <p:clrMapOvr>
+    <a:masterClrMapping/>
+  </p:clrMapOvr>
+</p:sld>
+</file>
+
 <file path=ppt/theme/theme1.xml><?xml version="1.0" encoding="utf-8"?>
 <a:theme xmlns:a="http://schemas.openxmlformats.org/drawingml/2006/main" name="Office 佈景主題">
   <a:themeElements>
@@ -3502,4 +5845,265 @@
     </a:ext>
   </a:extLst>
 </a:theme>
+</file>
+
+<file path=ppt/theme/theme2.xml><?xml version="1.0" encoding="utf-8"?>
+<a:theme xmlns:a="http://schemas.openxmlformats.org/drawingml/2006/main" name="Office 佈景主題">
+  <a:themeElements>
+    <a:clrScheme name="Office">
+      <a:dk1>
+        <a:sysClr val="windowText" lastClr="000000"/>
+      </a:dk1>
+      <a:lt1>
+        <a:sysClr val="window" lastClr="FFFFFF"/>
+      </a:lt1>
+      <a:dk2>
+        <a:srgbClr val="44546A"/>
+      </a:dk2>
+      <a:lt2>
+        <a:srgbClr val="E7E6E6"/>
+      </a:lt2>
+      <a:accent1>
+        <a:srgbClr val="5B9BD5"/>
+      </a:accent1>
+      <a:accent2>
+        <a:srgbClr val="ED7D31"/>
+      </a:accent2>
+      <a:accent3>
+        <a:srgbClr val="A5A5A5"/>
+      </a:accent3>
+      <a:accent4>
+        <a:srgbClr val="FFC000"/>
+      </a:accent4>
+      <a:accent5>
+        <a:srgbClr val="4472C4"/>
+      </a:accent5>
+      <a:accent6>
+        <a:srgbClr val="70AD47"/>
+      </a:accent6>
+      <a:hlink>
+        <a:srgbClr val="0563C1"/>
+      </a:hlink>
+      <a:folHlink>
+        <a:srgbClr val="954F72"/>
+      </a:folHlink>
+    </a:clrScheme>
+    <a:fontScheme name="Office">
+      <a:majorFont>
+        <a:latin typeface="Calibri Light" panose="020F0302020204030204"/>
+        <a:ea typeface=""/>
+        <a:cs typeface=""/>
+        <a:font script="Jpan" typeface="游ゴシック Light"/>
+        <a:font script="Hang" typeface="맑은 고딕"/>
+        <a:font script="Hans" typeface="等线 Light"/>
+        <a:font script="Hant" typeface="新細明體"/>
+        <a:font script="Arab" typeface="Times New Roman"/>
+        <a:font script="Hebr" typeface="Times New Roman"/>
+        <a:font script="Thai" typeface="Angsana New"/>
+        <a:font script="Ethi" typeface="Nyala"/>
+        <a:font script="Beng" typeface="Vrinda"/>
+        <a:font script="Gujr" typeface="Shruti"/>
+        <a:font script="Khmr" typeface="MoolBoran"/>
+        <a:font script="Knda" typeface="Tunga"/>
+        <a:font script="Guru" typeface="Raavi"/>
+        <a:font script="Cans" typeface="Euphemia"/>
+        <a:font script="Cher" typeface="Plantagenet Cherokee"/>
+        <a:font script="Yiii" typeface="Microsoft Yi Baiti"/>
+        <a:font script="Tibt" typeface="Microsoft Himalaya"/>
+        <a:font script="Thaa" typeface="MV Boli"/>
+        <a:font script="Deva" typeface="Mangal"/>
+        <a:font script="Telu" typeface="Gautami"/>
+        <a:font script="Taml" typeface="Latha"/>
+        <a:font script="Syrc" typeface="Estrangelo Edessa"/>
+        <a:font script="Orya" typeface="Kalinga"/>
+        <a:font script="Mlym" typeface="Kartika"/>
+        <a:font script="Laoo" typeface="DokChampa"/>
+        <a:font script="Sinh" typeface="Iskoola Pota"/>
+        <a:font script="Mong" typeface="Mongolian Baiti"/>
+        <a:font script="Viet" typeface="Times New Roman"/>
+        <a:font script="Uigh" typeface="Microsoft Uighur"/>
+        <a:font script="Geor" typeface="Sylfaen"/>
+      </a:majorFont>
+      <a:minorFont>
+        <a:latin typeface="Calibri" panose="020F0502020204030204"/>
+        <a:ea typeface=""/>
+        <a:cs typeface=""/>
+        <a:font script="Jpan" typeface="游ゴシック"/>
+        <a:font script="Hang" typeface="맑은 고딕"/>
+        <a:font script="Hans" typeface="等线"/>
+        <a:font script="Hant" typeface="新細明體"/>
+        <a:font script="Arab" typeface="Arial"/>
+        <a:font script="Hebr" typeface="Arial"/>
+        <a:font script="Thai" typeface="Cordia New"/>
+        <a:font script="Ethi" typeface="Nyala"/>
+        <a:font script="Beng" typeface="Vrinda"/>
+        <a:font script="Gujr" typeface="Shruti"/>
+        <a:font script="Khmr" typeface="DaunPenh"/>
+        <a:font script="Knda" typeface="Tunga"/>
+        <a:font script="Guru" typeface="Raavi"/>
+        <a:font script="Cans" typeface="Euphemia"/>
+        <a:font script="Cher" typeface="Plantagenet Cherokee"/>
+        <a:font script="Yiii" typeface="Microsoft Yi Baiti"/>
+        <a:font script="Tibt" typeface="Microsoft Himalaya"/>
+        <a:font script="Thaa" typeface="MV Boli"/>
+        <a:font script="Deva" typeface="Mangal"/>
+        <a:font script="Telu" typeface="Gautami"/>
+        <a:font script="Taml" typeface="Latha"/>
+        <a:font script="Syrc" typeface="Estrangelo Edessa"/>
+        <a:font script="Orya" typeface="Kalinga"/>
+        <a:font script="Mlym" typeface="Kartika"/>
+        <a:font script="Laoo" typeface="DokChampa"/>
+        <a:font script="Sinh" typeface="Iskoola Pota"/>
+        <a:font script="Mong" typeface="Mongolian Baiti"/>
+        <a:font script="Viet" typeface="Arial"/>
+        <a:font script="Uigh" typeface="Microsoft Uighur"/>
+        <a:font script="Geor" typeface="Sylfaen"/>
+      </a:minorFont>
+    </a:fontScheme>
+    <a:fmtScheme name="Office">
+      <a:fillStyleLst>
+        <a:solidFill>
+          <a:schemeClr val="phClr"/>
+        </a:solidFill>
+        <a:gradFill rotWithShape="1">
+          <a:gsLst>
+            <a:gs pos="0">
+              <a:schemeClr val="phClr">
+                <a:lumMod val="110000"/>
+                <a:satMod val="105000"/>
+                <a:tint val="67000"/>
+              </a:schemeClr>
+            </a:gs>
+            <a:gs pos="50000">
+              <a:schemeClr val="phClr">
+                <a:lumMod val="105000"/>
+                <a:satMod val="103000"/>
+                <a:tint val="73000"/>
+              </a:schemeClr>
+            </a:gs>
+            <a:gs pos="100000">
+              <a:schemeClr val="phClr">
+                <a:lumMod val="105000"/>
+                <a:satMod val="109000"/>
+                <a:tint val="81000"/>
+              </a:schemeClr>
+            </a:gs>
+          </a:gsLst>
+          <a:lin ang="5400000" scaled="0"/>
+        </a:gradFill>
+        <a:gradFill rotWithShape="1">
+          <a:gsLst>
+            <a:gs pos="0">
+              <a:schemeClr val="phClr">
+                <a:satMod val="103000"/>
+                <a:lumMod val="102000"/>
+                <a:tint val="94000"/>
+              </a:schemeClr>
+            </a:gs>
+            <a:gs pos="50000">
+              <a:schemeClr val="phClr">
+                <a:satMod val="110000"/>
+                <a:lumMod val="100000"/>
+                <a:shade val="100000"/>
+              </a:schemeClr>
+            </a:gs>
+            <a:gs pos="100000">
+              <a:schemeClr val="phClr">
+                <a:lumMod val="99000"/>
+                <a:satMod val="120000"/>
+                <a:shade val="78000"/>
+              </a:schemeClr>
+            </a:gs>
+          </a:gsLst>
+          <a:lin ang="5400000" scaled="0"/>
+        </a:gradFill>
+      </a:fillStyleLst>
+      <a:lnStyleLst>
+        <a:ln w="6350" cap="flat" cmpd="sng" algn="ctr">
+          <a:solidFill>
+            <a:schemeClr val="phClr"/>
+          </a:solidFill>
+          <a:prstDash val="solid"/>
+          <a:miter lim="800000"/>
+        </a:ln>
+        <a:ln w="12700" cap="flat" cmpd="sng" algn="ctr">
+          <a:solidFill>
+            <a:schemeClr val="phClr"/>
+          </a:solidFill>
+          <a:prstDash val="solid"/>
+          <a:miter lim="800000"/>
+        </a:ln>
+        <a:ln w="19050" cap="flat" cmpd="sng" algn="ctr">
+          <a:solidFill>
+            <a:schemeClr val="phClr"/>
+          </a:solidFill>
+          <a:prstDash val="solid"/>
+          <a:miter lim="800000"/>
+        </a:ln>
+      </a:lnStyleLst>
+      <a:effectStyleLst>
+        <a:effectStyle>
+          <a:effectLst/>
+        </a:effectStyle>
+        <a:effectStyle>
+          <a:effectLst/>
+        </a:effectStyle>
+        <a:effectStyle>
+          <a:effectLst>
+            <a:outerShdw blurRad="57150" dist="19050" dir="5400000" algn="ctr" rotWithShape="0">
+              <a:srgbClr val="000000">
+                <a:alpha val="63000"/>
+              </a:srgbClr>
+            </a:outerShdw>
+          </a:effectLst>
+        </a:effectStyle>
+      </a:effectStyleLst>
+      <a:bgFillStyleLst>
+        <a:solidFill>
+          <a:schemeClr val="phClr"/>
+        </a:solidFill>
+        <a:solidFill>
+          <a:schemeClr val="phClr">
+            <a:tint val="95000"/>
+            <a:satMod val="170000"/>
+          </a:schemeClr>
+        </a:solidFill>
+        <a:gradFill rotWithShape="1">
+          <a:gsLst>
+            <a:gs pos="0">
+              <a:schemeClr val="phClr">
+                <a:tint val="93000"/>
+                <a:satMod val="150000"/>
+                <a:shade val="98000"/>
+                <a:lumMod val="102000"/>
+              </a:schemeClr>
+            </a:gs>
+            <a:gs pos="50000">
+              <a:schemeClr val="phClr">
+                <a:tint val="98000"/>
+                <a:satMod val="130000"/>
+                <a:shade val="90000"/>
+                <a:lumMod val="103000"/>
+              </a:schemeClr>
+            </a:gs>
+            <a:gs pos="100000">
+              <a:schemeClr val="phClr">
+                <a:shade val="63000"/>
+                <a:satMod val="120000"/>
+              </a:schemeClr>
+            </a:gs>
+          </a:gsLst>
+          <a:lin ang="5400000" scaled="0"/>
+        </a:gradFill>
+      </a:bgFillStyleLst>
+    </a:fmtScheme>
+  </a:themeElements>
+  <a:objectDefaults/>
+  <a:extraClrSchemeLst/>
+  <a:extLst>
+    <a:ext uri="{05A4C25C-085E-4340-85A3-A5531E510DB2}">
+      <thm15:themeFamily xmlns:thm15="http://schemas.microsoft.com/office/thememl/2012/main" name="Office Theme" id="{62F939B6-93AF-4DB8-9C6B-D6C7DFDC589F}" vid="{4A3C46E8-61CC-4603-A589-7422A47A8E4A}"/>
+    </a:ext>
+  </a:extLst>
+</a:theme>
 </file>
--- a/CNN_RNN_DNN/簡報1.pptx
+++ b/CNN_RNN_DNN/簡報1.pptx
@@ -5,7 +5,7 @@
     <p:sldMasterId id="2147483648" r:id="rId1"/>
   </p:sldMasterIdLst>
   <p:notesMasterIdLst>
-    <p:notesMasterId r:id="rId11"/>
+    <p:notesMasterId r:id="rId14"/>
   </p:notesMasterIdLst>
   <p:sldIdLst>
     <p:sldId id="256" r:id="rId2"/>
@@ -17,6 +17,9 @@
     <p:sldId id="263" r:id="rId8"/>
     <p:sldId id="264" r:id="rId9"/>
     <p:sldId id="260" r:id="rId10"/>
+    <p:sldId id="265" r:id="rId11"/>
+    <p:sldId id="266" r:id="rId12"/>
+    <p:sldId id="267" r:id="rId13"/>
   </p:sldIdLst>
   <p:sldSz cx="12192000" cy="6858000"/>
   <p:notesSz cx="6858000" cy="9144000"/>
@@ -205,7 +208,7 @@
           <a:p>
             <a:fld id="{CE690444-7BF6-4315-96A6-94DE429D2570}" type="datetimeFigureOut">
               <a:rPr lang="zh-TW" altLang="en-US" smtClean="0"/>
-              <a:t>2017/8/5</a:t>
+              <a:t>2017/8/13</a:t>
             </a:fld>
             <a:endParaRPr lang="zh-TW" altLang="en-US"/>
           </a:p>
@@ -604,7 +607,7 @@
           <a:p>
             <a:fld id="{1FED5844-2A06-4501-B168-0DB6B69D04AC}" type="datetimeFigureOut">
               <a:rPr lang="zh-TW" altLang="en-US" smtClean="0"/>
-              <a:t>2017/8/5</a:t>
+              <a:t>2017/8/13</a:t>
             </a:fld>
             <a:endParaRPr lang="zh-TW" altLang="en-US"/>
           </a:p>
@@ -774,7 +777,7 @@
           <a:p>
             <a:fld id="{1FED5844-2A06-4501-B168-0DB6B69D04AC}" type="datetimeFigureOut">
               <a:rPr lang="zh-TW" altLang="en-US" smtClean="0"/>
-              <a:t>2017/8/5</a:t>
+              <a:t>2017/8/13</a:t>
             </a:fld>
             <a:endParaRPr lang="zh-TW" altLang="en-US"/>
           </a:p>
@@ -954,7 +957,7 @@
           <a:p>
             <a:fld id="{1FED5844-2A06-4501-B168-0DB6B69D04AC}" type="datetimeFigureOut">
               <a:rPr lang="zh-TW" altLang="en-US" smtClean="0"/>
-              <a:t>2017/8/5</a:t>
+              <a:t>2017/8/13</a:t>
             </a:fld>
             <a:endParaRPr lang="zh-TW" altLang="en-US"/>
           </a:p>
@@ -1124,7 +1127,7 @@
           <a:p>
             <a:fld id="{1FED5844-2A06-4501-B168-0DB6B69D04AC}" type="datetimeFigureOut">
               <a:rPr lang="zh-TW" altLang="en-US" smtClean="0"/>
-              <a:t>2017/8/5</a:t>
+              <a:t>2017/8/13</a:t>
             </a:fld>
             <a:endParaRPr lang="zh-TW" altLang="en-US"/>
           </a:p>
@@ -1370,7 +1373,7 @@
           <a:p>
             <a:fld id="{1FED5844-2A06-4501-B168-0DB6B69D04AC}" type="datetimeFigureOut">
               <a:rPr lang="zh-TW" altLang="en-US" smtClean="0"/>
-              <a:t>2017/8/5</a:t>
+              <a:t>2017/8/13</a:t>
             </a:fld>
             <a:endParaRPr lang="zh-TW" altLang="en-US"/>
           </a:p>
@@ -1602,7 +1605,7 @@
           <a:p>
             <a:fld id="{1FED5844-2A06-4501-B168-0DB6B69D04AC}" type="datetimeFigureOut">
               <a:rPr lang="zh-TW" altLang="en-US" smtClean="0"/>
-              <a:t>2017/8/5</a:t>
+              <a:t>2017/8/13</a:t>
             </a:fld>
             <a:endParaRPr lang="zh-TW" altLang="en-US"/>
           </a:p>
@@ -1969,7 +1972,7 @@
           <a:p>
             <a:fld id="{1FED5844-2A06-4501-B168-0DB6B69D04AC}" type="datetimeFigureOut">
               <a:rPr lang="zh-TW" altLang="en-US" smtClean="0"/>
-              <a:t>2017/8/5</a:t>
+              <a:t>2017/8/13</a:t>
             </a:fld>
             <a:endParaRPr lang="zh-TW" altLang="en-US"/>
           </a:p>
@@ -2087,7 +2090,7 @@
           <a:p>
             <a:fld id="{1FED5844-2A06-4501-B168-0DB6B69D04AC}" type="datetimeFigureOut">
               <a:rPr lang="zh-TW" altLang="en-US" smtClean="0"/>
-              <a:t>2017/8/5</a:t>
+              <a:t>2017/8/13</a:t>
             </a:fld>
             <a:endParaRPr lang="zh-TW" altLang="en-US"/>
           </a:p>
@@ -2182,7 +2185,7 @@
           <a:p>
             <a:fld id="{1FED5844-2A06-4501-B168-0DB6B69D04AC}" type="datetimeFigureOut">
               <a:rPr lang="zh-TW" altLang="en-US" smtClean="0"/>
-              <a:t>2017/8/5</a:t>
+              <a:t>2017/8/13</a:t>
             </a:fld>
             <a:endParaRPr lang="zh-TW" altLang="en-US"/>
           </a:p>
@@ -2459,7 +2462,7 @@
           <a:p>
             <a:fld id="{1FED5844-2A06-4501-B168-0DB6B69D04AC}" type="datetimeFigureOut">
               <a:rPr lang="zh-TW" altLang="en-US" smtClean="0"/>
-              <a:t>2017/8/5</a:t>
+              <a:t>2017/8/13</a:t>
             </a:fld>
             <a:endParaRPr lang="zh-TW" altLang="en-US"/>
           </a:p>
@@ -2712,7 +2715,7 @@
           <a:p>
             <a:fld id="{1FED5844-2A06-4501-B168-0DB6B69D04AC}" type="datetimeFigureOut">
               <a:rPr lang="zh-TW" altLang="en-US" smtClean="0"/>
-              <a:t>2017/8/5</a:t>
+              <a:t>2017/8/13</a:t>
             </a:fld>
             <a:endParaRPr lang="zh-TW" altLang="en-US"/>
           </a:p>
@@ -2925,7 +2928,7 @@
           <a:p>
             <a:fld id="{1FED5844-2A06-4501-B168-0DB6B69D04AC}" type="datetimeFigureOut">
               <a:rPr lang="zh-TW" altLang="en-US" smtClean="0"/>
-              <a:t>2017/8/5</a:t>
+              <a:t>2017/8/13</a:t>
             </a:fld>
             <a:endParaRPr lang="zh-TW" altLang="en-US"/>
           </a:p>
@@ -3406,6 +3409,2562 @@
     <p:extLst>
       <p:ext uri="{BB962C8B-B14F-4D97-AF65-F5344CB8AC3E}">
         <p14:creationId xmlns:p14="http://schemas.microsoft.com/office/powerpoint/2010/main" val="1462866381"/>
+      </p:ext>
+    </p:extLst>
+  </p:cSld>
+  <p:clrMapOvr>
+    <a:masterClrMapping/>
+  </p:clrMapOvr>
+</p:sld>
+</file>
+
+<file path=ppt/slides/slide10.xml><?xml version="1.0" encoding="utf-8"?>
+<p:sld xmlns:a="http://schemas.openxmlformats.org/drawingml/2006/main" xmlns:r="http://schemas.openxmlformats.org/officeDocument/2006/relationships" xmlns:p="http://schemas.openxmlformats.org/presentationml/2006/main">
+  <p:cSld>
+    <p:spTree>
+      <p:nvGrpSpPr>
+        <p:cNvPr id="1" name=""/>
+        <p:cNvGrpSpPr/>
+        <p:nvPr/>
+      </p:nvGrpSpPr>
+      <p:grpSpPr>
+        <a:xfrm>
+          <a:off x="0" y="0"/>
+          <a:ext cx="0" cy="0"/>
+          <a:chOff x="0" y="0"/>
+          <a:chExt cx="0" cy="0"/>
+        </a:xfrm>
+      </p:grpSpPr>
+      <p:sp>
+        <p:nvSpPr>
+          <p:cNvPr id="2" name="矩形 1"/>
+          <p:cNvSpPr/>
+          <p:nvPr/>
+        </p:nvSpPr>
+        <p:spPr>
+          <a:xfrm>
+            <a:off x="749644" y="584887"/>
+            <a:ext cx="782594" cy="461319"/>
+          </a:xfrm>
+          <a:prstGeom prst="rect">
+            <a:avLst/>
+          </a:prstGeom>
+        </p:spPr>
+        <p:style>
+          <a:lnRef idx="2">
+            <a:schemeClr val="accent1">
+              <a:shade val="50000"/>
+            </a:schemeClr>
+          </a:lnRef>
+          <a:fillRef idx="1">
+            <a:schemeClr val="accent1"/>
+          </a:fillRef>
+          <a:effectRef idx="0">
+            <a:schemeClr val="accent1"/>
+          </a:effectRef>
+          <a:fontRef idx="minor">
+            <a:schemeClr val="lt1"/>
+          </a:fontRef>
+        </p:style>
+        <p:txBody>
+          <a:bodyPr rtlCol="0" anchor="ctr"/>
+          <a:lstStyle/>
+          <a:p>
+            <a:pPr algn="ctr"/>
+            <a:endParaRPr lang="zh-TW" altLang="en-US"/>
+          </a:p>
+        </p:txBody>
+      </p:sp>
+      <p:sp>
+        <p:nvSpPr>
+          <p:cNvPr id="3" name="文字方塊 2"/>
+          <p:cNvSpPr txBox="1"/>
+          <p:nvPr/>
+        </p:nvSpPr>
+        <p:spPr>
+          <a:xfrm>
+            <a:off x="988540" y="304800"/>
+            <a:ext cx="238897" cy="369332"/>
+          </a:xfrm>
+          <a:prstGeom prst="rect">
+            <a:avLst/>
+          </a:prstGeom>
+          <a:noFill/>
+        </p:spPr>
+        <p:txBody>
+          <a:bodyPr wrap="square" rtlCol="0">
+            <a:spAutoFit/>
+          </a:bodyPr>
+          <a:lstStyle/>
+          <a:p>
+            <a:r>
+              <a:rPr lang="en-US" altLang="zh-TW" dirty="0" smtClean="0"/>
+              <a:t>4</a:t>
+            </a:r>
+            <a:endParaRPr lang="zh-TW" altLang="en-US" dirty="0"/>
+          </a:p>
+        </p:txBody>
+      </p:sp>
+      <p:sp>
+        <p:nvSpPr>
+          <p:cNvPr id="4" name="文字方塊 3"/>
+          <p:cNvSpPr txBox="1"/>
+          <p:nvPr/>
+        </p:nvSpPr>
+        <p:spPr>
+          <a:xfrm>
+            <a:off x="481914" y="630880"/>
+            <a:ext cx="148282" cy="369332"/>
+          </a:xfrm>
+          <a:prstGeom prst="rect">
+            <a:avLst/>
+          </a:prstGeom>
+          <a:noFill/>
+        </p:spPr>
+        <p:txBody>
+          <a:bodyPr wrap="square" rtlCol="0">
+            <a:spAutoFit/>
+          </a:bodyPr>
+          <a:lstStyle/>
+          <a:p>
+            <a:r>
+              <a:rPr lang="en-US" altLang="zh-TW" dirty="0" smtClean="0"/>
+              <a:t>3</a:t>
+            </a:r>
+            <a:endParaRPr lang="zh-TW" altLang="en-US" dirty="0"/>
+          </a:p>
+        </p:txBody>
+      </p:sp>
+      <p:sp>
+        <p:nvSpPr>
+          <p:cNvPr id="5" name="文字方塊 4"/>
+          <p:cNvSpPr txBox="1"/>
+          <p:nvPr/>
+        </p:nvSpPr>
+        <p:spPr>
+          <a:xfrm>
+            <a:off x="1771134" y="477795"/>
+            <a:ext cx="1664043" cy="646331"/>
+          </a:xfrm>
+          <a:prstGeom prst="rect">
+            <a:avLst/>
+          </a:prstGeom>
+          <a:noFill/>
+        </p:spPr>
+        <p:txBody>
+          <a:bodyPr wrap="square" rtlCol="0">
+            <a:spAutoFit/>
+          </a:bodyPr>
+          <a:lstStyle/>
+          <a:p>
+            <a:r>
+              <a:rPr lang="zh-TW" altLang="en-US" dirty="0" smtClean="0"/>
+              <a:t>有個</a:t>
+            </a:r>
+            <a:r>
+              <a:rPr lang="en-US" altLang="zh-TW" dirty="0" smtClean="0"/>
+              <a:t>dataset</a:t>
+            </a:r>
+            <a:r>
+              <a:rPr lang="zh-TW" altLang="en-US" dirty="0" smtClean="0"/>
+              <a:t>裡面的圖都是</a:t>
+            </a:r>
+            <a:r>
+              <a:rPr lang="en-US" altLang="zh-TW" dirty="0" smtClean="0"/>
+              <a:t>3x4</a:t>
+            </a:r>
+            <a:endParaRPr lang="zh-TW" altLang="en-US" dirty="0"/>
+          </a:p>
+        </p:txBody>
+      </p:sp>
+      <p:sp>
+        <p:nvSpPr>
+          <p:cNvPr id="6" name="立方體 5"/>
+          <p:cNvSpPr/>
+          <p:nvPr/>
+        </p:nvSpPr>
+        <p:spPr>
+          <a:xfrm>
+            <a:off x="543696" y="2133599"/>
+            <a:ext cx="1227438" cy="1210962"/>
+          </a:xfrm>
+          <a:prstGeom prst="cube">
+            <a:avLst>
+              <a:gd name="adj" fmla="val 20238"/>
+            </a:avLst>
+          </a:prstGeom>
+        </p:spPr>
+        <p:style>
+          <a:lnRef idx="2">
+            <a:schemeClr val="accent1">
+              <a:shade val="50000"/>
+            </a:schemeClr>
+          </a:lnRef>
+          <a:fillRef idx="1">
+            <a:schemeClr val="accent1"/>
+          </a:fillRef>
+          <a:effectRef idx="0">
+            <a:schemeClr val="accent1"/>
+          </a:effectRef>
+          <a:fontRef idx="minor">
+            <a:schemeClr val="lt1"/>
+          </a:fontRef>
+        </p:style>
+        <p:txBody>
+          <a:bodyPr rtlCol="0" anchor="ctr"/>
+          <a:lstStyle/>
+          <a:p>
+            <a:pPr algn="ctr"/>
+            <a:endParaRPr lang="zh-TW" altLang="en-US"/>
+          </a:p>
+        </p:txBody>
+      </p:sp>
+      <p:sp>
+        <p:nvSpPr>
+          <p:cNvPr id="7" name="文字方塊 6"/>
+          <p:cNvSpPr txBox="1"/>
+          <p:nvPr/>
+        </p:nvSpPr>
+        <p:spPr>
+          <a:xfrm>
+            <a:off x="1898821" y="2492630"/>
+            <a:ext cx="1664043" cy="369332"/>
+          </a:xfrm>
+          <a:prstGeom prst="rect">
+            <a:avLst/>
+          </a:prstGeom>
+          <a:noFill/>
+        </p:spPr>
+        <p:txBody>
+          <a:bodyPr wrap="square" rtlCol="0">
+            <a:spAutoFit/>
+          </a:bodyPr>
+          <a:lstStyle/>
+          <a:p>
+            <a:r>
+              <a:rPr lang="zh-TW" altLang="en-US" dirty="0" smtClean="0"/>
+              <a:t>假設有</a:t>
+            </a:r>
+            <a:r>
+              <a:rPr lang="en-US" altLang="zh-TW" dirty="0" smtClean="0"/>
+              <a:t>5</a:t>
+            </a:r>
+            <a:r>
+              <a:rPr lang="zh-TW" altLang="en-US" dirty="0" smtClean="0"/>
+              <a:t>張</a:t>
+            </a:r>
+            <a:endParaRPr lang="zh-TW" altLang="en-US" dirty="0"/>
+          </a:p>
+        </p:txBody>
+      </p:sp>
+      <p:sp>
+        <p:nvSpPr>
+          <p:cNvPr id="8" name="文字方塊 7"/>
+          <p:cNvSpPr txBox="1"/>
+          <p:nvPr/>
+        </p:nvSpPr>
+        <p:spPr>
+          <a:xfrm>
+            <a:off x="1140941" y="1818499"/>
+            <a:ext cx="238897" cy="369332"/>
+          </a:xfrm>
+          <a:prstGeom prst="rect">
+            <a:avLst/>
+          </a:prstGeom>
+          <a:noFill/>
+        </p:spPr>
+        <p:txBody>
+          <a:bodyPr wrap="square" rtlCol="0">
+            <a:spAutoFit/>
+          </a:bodyPr>
+          <a:lstStyle/>
+          <a:p>
+            <a:r>
+              <a:rPr lang="en-US" altLang="zh-TW" dirty="0" smtClean="0"/>
+              <a:t>4</a:t>
+            </a:r>
+            <a:endParaRPr lang="zh-TW" altLang="en-US" dirty="0"/>
+          </a:p>
+        </p:txBody>
+      </p:sp>
+      <p:sp>
+        <p:nvSpPr>
+          <p:cNvPr id="9" name="文字方塊 8"/>
+          <p:cNvSpPr txBox="1"/>
+          <p:nvPr/>
+        </p:nvSpPr>
+        <p:spPr>
+          <a:xfrm>
+            <a:off x="481914" y="1955800"/>
+            <a:ext cx="148282" cy="369332"/>
+          </a:xfrm>
+          <a:prstGeom prst="rect">
+            <a:avLst/>
+          </a:prstGeom>
+          <a:noFill/>
+        </p:spPr>
+        <p:txBody>
+          <a:bodyPr wrap="square" rtlCol="0">
+            <a:spAutoFit/>
+          </a:bodyPr>
+          <a:lstStyle/>
+          <a:p>
+            <a:r>
+              <a:rPr lang="en-US" altLang="zh-TW" dirty="0" smtClean="0"/>
+              <a:t>3</a:t>
+            </a:r>
+            <a:endParaRPr lang="zh-TW" altLang="en-US" dirty="0"/>
+          </a:p>
+        </p:txBody>
+      </p:sp>
+      <p:sp>
+        <p:nvSpPr>
+          <p:cNvPr id="10" name="文字方塊 9"/>
+          <p:cNvSpPr txBox="1"/>
+          <p:nvPr/>
+        </p:nvSpPr>
+        <p:spPr>
+          <a:xfrm>
+            <a:off x="302738" y="2739080"/>
+            <a:ext cx="586947" cy="369332"/>
+          </a:xfrm>
+          <a:prstGeom prst="rect">
+            <a:avLst/>
+          </a:prstGeom>
+          <a:noFill/>
+        </p:spPr>
+        <p:txBody>
+          <a:bodyPr wrap="square" rtlCol="0">
+            <a:spAutoFit/>
+          </a:bodyPr>
+          <a:lstStyle/>
+          <a:p>
+            <a:r>
+              <a:rPr lang="en-US" altLang="zh-TW" dirty="0" smtClean="0"/>
+              <a:t>5</a:t>
+            </a:r>
+            <a:endParaRPr lang="zh-TW" altLang="en-US" dirty="0"/>
+          </a:p>
+        </p:txBody>
+      </p:sp>
+      <p:sp>
+        <p:nvSpPr>
+          <p:cNvPr id="11" name="向下箭號 10"/>
+          <p:cNvSpPr/>
+          <p:nvPr/>
+        </p:nvSpPr>
+        <p:spPr>
+          <a:xfrm>
+            <a:off x="1507524" y="1414678"/>
+            <a:ext cx="391297" cy="214184"/>
+          </a:xfrm>
+          <a:prstGeom prst="downArrow">
+            <a:avLst/>
+          </a:prstGeom>
+        </p:spPr>
+        <p:style>
+          <a:lnRef idx="2">
+            <a:schemeClr val="accent1">
+              <a:shade val="50000"/>
+            </a:schemeClr>
+          </a:lnRef>
+          <a:fillRef idx="1">
+            <a:schemeClr val="accent1"/>
+          </a:fillRef>
+          <a:effectRef idx="0">
+            <a:schemeClr val="accent1"/>
+          </a:effectRef>
+          <a:fontRef idx="minor">
+            <a:schemeClr val="lt1"/>
+          </a:fontRef>
+        </p:style>
+        <p:txBody>
+          <a:bodyPr rtlCol="0" anchor="ctr"/>
+          <a:lstStyle/>
+          <a:p>
+            <a:pPr algn="ctr"/>
+            <a:endParaRPr lang="zh-TW" altLang="en-US"/>
+          </a:p>
+        </p:txBody>
+      </p:sp>
+      <p:sp>
+        <p:nvSpPr>
+          <p:cNvPr id="12" name="文字方塊 11"/>
+          <p:cNvSpPr txBox="1"/>
+          <p:nvPr/>
+        </p:nvSpPr>
+        <p:spPr>
+          <a:xfrm>
+            <a:off x="889685" y="3556335"/>
+            <a:ext cx="1931772" cy="646331"/>
+          </a:xfrm>
+          <a:prstGeom prst="rect">
+            <a:avLst/>
+          </a:prstGeom>
+          <a:noFill/>
+        </p:spPr>
+        <p:txBody>
+          <a:bodyPr wrap="square" rtlCol="0">
+            <a:spAutoFit/>
+          </a:bodyPr>
+          <a:lstStyle/>
+          <a:p>
+            <a:r>
+              <a:rPr lang="en-US" altLang="zh-TW" dirty="0" smtClean="0"/>
+              <a:t>[5,4,3] </a:t>
+            </a:r>
+            <a:r>
+              <a:rPr lang="zh-TW" altLang="en-US" dirty="0" smtClean="0"/>
+              <a:t>就是這個</a:t>
+            </a:r>
+            <a:r>
+              <a:rPr lang="en-US" altLang="zh-TW" dirty="0" smtClean="0"/>
+              <a:t>dataset</a:t>
+            </a:r>
+            <a:r>
+              <a:rPr lang="zh-TW" altLang="en-US" dirty="0" smtClean="0"/>
+              <a:t>的</a:t>
+            </a:r>
+            <a:r>
+              <a:rPr lang="en-US" altLang="zh-TW" dirty="0" smtClean="0"/>
+              <a:t>shape</a:t>
+            </a:r>
+            <a:endParaRPr lang="zh-TW" altLang="en-US" dirty="0"/>
+          </a:p>
+        </p:txBody>
+      </p:sp>
+      <p:cxnSp>
+        <p:nvCxnSpPr>
+          <p:cNvPr id="14" name="直線單箭頭接點 13"/>
+          <p:cNvCxnSpPr>
+            <a:endCxn id="10" idx="2"/>
+          </p:cNvCxnSpPr>
+          <p:nvPr/>
+        </p:nvCxnSpPr>
+        <p:spPr>
+          <a:xfrm flipH="1" flipV="1">
+            <a:off x="596212" y="3108412"/>
+            <a:ext cx="511776" cy="540950"/>
+          </a:xfrm>
+          <a:prstGeom prst="straightConnector1">
+            <a:avLst/>
+          </a:prstGeom>
+          <a:ln>
+            <a:solidFill>
+              <a:srgbClr val="FF0000"/>
+            </a:solidFill>
+            <a:tailEnd type="triangle"/>
+          </a:ln>
+        </p:spPr>
+        <p:style>
+          <a:lnRef idx="1">
+            <a:schemeClr val="accent1"/>
+          </a:lnRef>
+          <a:fillRef idx="0">
+            <a:schemeClr val="accent1"/>
+          </a:fillRef>
+          <a:effectRef idx="0">
+            <a:schemeClr val="accent1"/>
+          </a:effectRef>
+          <a:fontRef idx="minor">
+            <a:schemeClr val="tx1"/>
+          </a:fontRef>
+        </p:style>
+      </p:cxnSp>
+      <p:cxnSp>
+        <p:nvCxnSpPr>
+          <p:cNvPr id="16" name="直線單箭頭接點 15"/>
+          <p:cNvCxnSpPr>
+            <a:endCxn id="8" idx="2"/>
+          </p:cNvCxnSpPr>
+          <p:nvPr/>
+        </p:nvCxnSpPr>
+        <p:spPr>
+          <a:xfrm flipV="1">
+            <a:off x="1260389" y="2187831"/>
+            <a:ext cx="1" cy="1368504"/>
+          </a:xfrm>
+          <a:prstGeom prst="straightConnector1">
+            <a:avLst/>
+          </a:prstGeom>
+          <a:ln>
+            <a:solidFill>
+              <a:srgbClr val="FF0000"/>
+            </a:solidFill>
+            <a:tailEnd type="triangle"/>
+          </a:ln>
+        </p:spPr>
+        <p:style>
+          <a:lnRef idx="1">
+            <a:schemeClr val="accent1"/>
+          </a:lnRef>
+          <a:fillRef idx="0">
+            <a:schemeClr val="accent1"/>
+          </a:fillRef>
+          <a:effectRef idx="0">
+            <a:schemeClr val="accent1"/>
+          </a:effectRef>
+          <a:fontRef idx="minor">
+            <a:schemeClr val="tx1"/>
+          </a:fontRef>
+        </p:style>
+      </p:cxnSp>
+      <p:cxnSp>
+        <p:nvCxnSpPr>
+          <p:cNvPr id="18" name="直線單箭頭接點 17"/>
+          <p:cNvCxnSpPr>
+            <a:endCxn id="9" idx="3"/>
+          </p:cNvCxnSpPr>
+          <p:nvPr/>
+        </p:nvCxnSpPr>
+        <p:spPr>
+          <a:xfrm flipH="1" flipV="1">
+            <a:off x="630196" y="2140466"/>
+            <a:ext cx="856734" cy="1508896"/>
+          </a:xfrm>
+          <a:prstGeom prst="straightConnector1">
+            <a:avLst/>
+          </a:prstGeom>
+          <a:ln>
+            <a:solidFill>
+              <a:srgbClr val="FF0000"/>
+            </a:solidFill>
+            <a:tailEnd type="triangle"/>
+          </a:ln>
+        </p:spPr>
+        <p:style>
+          <a:lnRef idx="1">
+            <a:schemeClr val="accent1"/>
+          </a:lnRef>
+          <a:fillRef idx="0">
+            <a:schemeClr val="accent1"/>
+          </a:fillRef>
+          <a:effectRef idx="0">
+            <a:schemeClr val="accent1"/>
+          </a:effectRef>
+          <a:fontRef idx="minor">
+            <a:schemeClr val="tx1"/>
+          </a:fontRef>
+        </p:style>
+      </p:cxnSp>
+      <p:sp>
+        <p:nvSpPr>
+          <p:cNvPr id="19" name="文字方塊 18"/>
+          <p:cNvSpPr txBox="1"/>
+          <p:nvPr/>
+        </p:nvSpPr>
+        <p:spPr>
+          <a:xfrm>
+            <a:off x="4333102" y="489466"/>
+            <a:ext cx="2174789" cy="369332"/>
+          </a:xfrm>
+          <a:prstGeom prst="rect">
+            <a:avLst/>
+          </a:prstGeom>
+          <a:noFill/>
+        </p:spPr>
+        <p:txBody>
+          <a:bodyPr wrap="square" rtlCol="0">
+            <a:spAutoFit/>
+          </a:bodyPr>
+          <a:lstStyle/>
+          <a:p>
+            <a:r>
+              <a:rPr lang="en-US" altLang="zh-TW" dirty="0" smtClean="0"/>
+              <a:t>Unstack(axis = 0)  </a:t>
+            </a:r>
+            <a:endParaRPr lang="zh-TW" altLang="en-US" dirty="0"/>
+          </a:p>
+        </p:txBody>
+      </p:sp>
+      <p:sp>
+        <p:nvSpPr>
+          <p:cNvPr id="20" name="文字方塊 19"/>
+          <p:cNvSpPr txBox="1"/>
+          <p:nvPr/>
+        </p:nvSpPr>
+        <p:spPr>
+          <a:xfrm>
+            <a:off x="4333102" y="820869"/>
+            <a:ext cx="2537254" cy="276999"/>
+          </a:xfrm>
+          <a:prstGeom prst="rect">
+            <a:avLst/>
+          </a:prstGeom>
+          <a:noFill/>
+        </p:spPr>
+        <p:txBody>
+          <a:bodyPr wrap="square" rtlCol="0">
+            <a:spAutoFit/>
+          </a:bodyPr>
+          <a:lstStyle/>
+          <a:p>
+            <a:r>
+              <a:rPr lang="en-US" altLang="zh-TW" sz="1200" dirty="0" smtClean="0"/>
+              <a:t>(</a:t>
+            </a:r>
+            <a:r>
+              <a:rPr lang="zh-TW" altLang="en-US" sz="1200" dirty="0" smtClean="0"/>
+              <a:t>這同時也是</a:t>
+            </a:r>
+            <a:r>
+              <a:rPr lang="en-US" altLang="zh-TW" sz="1200" dirty="0" smtClean="0"/>
+              <a:t>Default</a:t>
+            </a:r>
+            <a:r>
+              <a:rPr lang="zh-TW" altLang="en-US" sz="1200" dirty="0" smtClean="0"/>
+              <a:t>狀態</a:t>
+            </a:r>
+            <a:r>
+              <a:rPr lang="en-US" altLang="zh-TW" sz="1200" dirty="0" smtClean="0"/>
+              <a:t>)</a:t>
+            </a:r>
+            <a:endParaRPr lang="zh-TW" altLang="en-US" sz="1200" dirty="0"/>
+          </a:p>
+        </p:txBody>
+      </p:sp>
+      <p:sp>
+        <p:nvSpPr>
+          <p:cNvPr id="21" name="文字方塊 20"/>
+          <p:cNvSpPr txBox="1"/>
+          <p:nvPr/>
+        </p:nvSpPr>
+        <p:spPr>
+          <a:xfrm>
+            <a:off x="4687330" y="1152438"/>
+            <a:ext cx="815546" cy="369332"/>
+          </a:xfrm>
+          <a:prstGeom prst="rect">
+            <a:avLst/>
+          </a:prstGeom>
+          <a:noFill/>
+        </p:spPr>
+        <p:txBody>
+          <a:bodyPr wrap="square" rtlCol="0">
+            <a:spAutoFit/>
+          </a:bodyPr>
+          <a:lstStyle/>
+          <a:p>
+            <a:r>
+              <a:rPr lang="en-US" altLang="zh-TW" dirty="0" smtClean="0"/>
+              <a:t>[5,4,3]</a:t>
+            </a:r>
+            <a:endParaRPr lang="zh-TW" altLang="en-US" dirty="0"/>
+          </a:p>
+        </p:txBody>
+      </p:sp>
+      <p:sp>
+        <p:nvSpPr>
+          <p:cNvPr id="23" name="向右箭號 22"/>
+          <p:cNvSpPr/>
+          <p:nvPr/>
+        </p:nvSpPr>
+        <p:spPr>
+          <a:xfrm rot="16200000">
+            <a:off x="4761472" y="1534043"/>
+            <a:ext cx="288324" cy="189637"/>
+          </a:xfrm>
+          <a:prstGeom prst="rightArrow">
+            <a:avLst/>
+          </a:prstGeom>
+        </p:spPr>
+        <p:style>
+          <a:lnRef idx="2">
+            <a:schemeClr val="accent1">
+              <a:shade val="50000"/>
+            </a:schemeClr>
+          </a:lnRef>
+          <a:fillRef idx="1">
+            <a:schemeClr val="accent1"/>
+          </a:fillRef>
+          <a:effectRef idx="0">
+            <a:schemeClr val="accent1"/>
+          </a:effectRef>
+          <a:fontRef idx="minor">
+            <a:schemeClr val="lt1"/>
+          </a:fontRef>
+        </p:style>
+        <p:txBody>
+          <a:bodyPr rtlCol="0" anchor="ctr"/>
+          <a:lstStyle/>
+          <a:p>
+            <a:pPr algn="ctr"/>
+            <a:endParaRPr lang="zh-TW" altLang="en-US"/>
+          </a:p>
+        </p:txBody>
+      </p:sp>
+      <p:sp>
+        <p:nvSpPr>
+          <p:cNvPr id="24" name="文字方塊 23"/>
+          <p:cNvSpPr txBox="1"/>
+          <p:nvPr/>
+        </p:nvSpPr>
+        <p:spPr>
+          <a:xfrm>
+            <a:off x="4905634" y="1479888"/>
+            <a:ext cx="1194486" cy="369332"/>
+          </a:xfrm>
+          <a:prstGeom prst="rect">
+            <a:avLst/>
+          </a:prstGeom>
+          <a:noFill/>
+        </p:spPr>
+        <p:txBody>
+          <a:bodyPr wrap="square" rtlCol="0">
+            <a:spAutoFit/>
+          </a:bodyPr>
+          <a:lstStyle/>
+          <a:p>
+            <a:r>
+              <a:rPr lang="zh-TW" altLang="en-US" dirty="0" smtClean="0"/>
+              <a:t>會切在</a:t>
+            </a:r>
+            <a:r>
+              <a:rPr lang="zh-TW" altLang="en-US" dirty="0"/>
+              <a:t>這</a:t>
+            </a:r>
+          </a:p>
+        </p:txBody>
+      </p:sp>
+      <p:sp>
+        <p:nvSpPr>
+          <p:cNvPr id="25" name="文字方塊 24"/>
+          <p:cNvSpPr txBox="1"/>
+          <p:nvPr/>
+        </p:nvSpPr>
+        <p:spPr>
+          <a:xfrm>
+            <a:off x="3700642" y="2138680"/>
+            <a:ext cx="2059460" cy="1200329"/>
+          </a:xfrm>
+          <a:prstGeom prst="rect">
+            <a:avLst/>
+          </a:prstGeom>
+          <a:noFill/>
+        </p:spPr>
+        <p:txBody>
+          <a:bodyPr wrap="square" rtlCol="0">
+            <a:spAutoFit/>
+          </a:bodyPr>
+          <a:lstStyle/>
+          <a:p>
+            <a:r>
+              <a:rPr lang="zh-TW" altLang="en-US" dirty="0" smtClean="0"/>
+              <a:t>此時就看</a:t>
+            </a:r>
+            <a:r>
+              <a:rPr lang="en-US" altLang="zh-TW" dirty="0" smtClean="0"/>
+              <a:t>5</a:t>
+            </a:r>
+            <a:r>
+              <a:rPr lang="zh-TW" altLang="en-US" dirty="0" smtClean="0"/>
+              <a:t>那個軸切出來，其實就會變成一張一張的</a:t>
+            </a:r>
+            <a:endParaRPr lang="en-US" altLang="zh-TW" dirty="0" smtClean="0"/>
+          </a:p>
+          <a:p>
+            <a:endParaRPr lang="zh-TW" altLang="en-US" dirty="0"/>
+          </a:p>
+        </p:txBody>
+      </p:sp>
+      <p:sp>
+        <p:nvSpPr>
+          <p:cNvPr id="26" name="立方體 25"/>
+          <p:cNvSpPr/>
+          <p:nvPr/>
+        </p:nvSpPr>
+        <p:spPr>
+          <a:xfrm>
+            <a:off x="3700642" y="3291292"/>
+            <a:ext cx="1227438" cy="1210962"/>
+          </a:xfrm>
+          <a:prstGeom prst="cube">
+            <a:avLst>
+              <a:gd name="adj" fmla="val 20238"/>
+            </a:avLst>
+          </a:prstGeom>
+        </p:spPr>
+        <p:style>
+          <a:lnRef idx="2">
+            <a:schemeClr val="accent1">
+              <a:shade val="50000"/>
+            </a:schemeClr>
+          </a:lnRef>
+          <a:fillRef idx="1">
+            <a:schemeClr val="accent1"/>
+          </a:fillRef>
+          <a:effectRef idx="0">
+            <a:schemeClr val="accent1"/>
+          </a:effectRef>
+          <a:fontRef idx="minor">
+            <a:schemeClr val="lt1"/>
+          </a:fontRef>
+        </p:style>
+        <p:txBody>
+          <a:bodyPr rtlCol="0" anchor="ctr"/>
+          <a:lstStyle/>
+          <a:p>
+            <a:pPr algn="ctr"/>
+            <a:endParaRPr lang="zh-TW" altLang="en-US"/>
+          </a:p>
+        </p:txBody>
+      </p:sp>
+      <p:cxnSp>
+        <p:nvCxnSpPr>
+          <p:cNvPr id="28" name="直線接點 27"/>
+          <p:cNvCxnSpPr/>
+          <p:nvPr/>
+        </p:nvCxnSpPr>
+        <p:spPr>
+          <a:xfrm>
+            <a:off x="3700642" y="3739215"/>
+            <a:ext cx="988540" cy="0"/>
+          </a:xfrm>
+          <a:prstGeom prst="line">
+            <a:avLst/>
+          </a:prstGeom>
+          <a:ln>
+            <a:solidFill>
+              <a:srgbClr val="FF0000"/>
+            </a:solidFill>
+          </a:ln>
+        </p:spPr>
+        <p:style>
+          <a:lnRef idx="1">
+            <a:schemeClr val="accent1"/>
+          </a:lnRef>
+          <a:fillRef idx="0">
+            <a:schemeClr val="accent1"/>
+          </a:fillRef>
+          <a:effectRef idx="0">
+            <a:schemeClr val="accent1"/>
+          </a:effectRef>
+          <a:fontRef idx="minor">
+            <a:schemeClr val="tx1"/>
+          </a:fontRef>
+        </p:style>
+      </p:cxnSp>
+      <p:cxnSp>
+        <p:nvCxnSpPr>
+          <p:cNvPr id="29" name="直線接點 28"/>
+          <p:cNvCxnSpPr/>
+          <p:nvPr/>
+        </p:nvCxnSpPr>
+        <p:spPr>
+          <a:xfrm>
+            <a:off x="3700642" y="3896773"/>
+            <a:ext cx="988540" cy="0"/>
+          </a:xfrm>
+          <a:prstGeom prst="line">
+            <a:avLst/>
+          </a:prstGeom>
+          <a:ln>
+            <a:solidFill>
+              <a:srgbClr val="FF0000"/>
+            </a:solidFill>
+          </a:ln>
+        </p:spPr>
+        <p:style>
+          <a:lnRef idx="1">
+            <a:schemeClr val="accent1"/>
+          </a:lnRef>
+          <a:fillRef idx="0">
+            <a:schemeClr val="accent1"/>
+          </a:fillRef>
+          <a:effectRef idx="0">
+            <a:schemeClr val="accent1"/>
+          </a:effectRef>
+          <a:fontRef idx="minor">
+            <a:schemeClr val="tx1"/>
+          </a:fontRef>
+        </p:style>
+      </p:cxnSp>
+      <p:cxnSp>
+        <p:nvCxnSpPr>
+          <p:cNvPr id="30" name="直線接點 29"/>
+          <p:cNvCxnSpPr/>
+          <p:nvPr/>
+        </p:nvCxnSpPr>
+        <p:spPr>
+          <a:xfrm>
+            <a:off x="3696523" y="4062380"/>
+            <a:ext cx="988540" cy="0"/>
+          </a:xfrm>
+          <a:prstGeom prst="line">
+            <a:avLst/>
+          </a:prstGeom>
+          <a:ln>
+            <a:solidFill>
+              <a:srgbClr val="FF0000"/>
+            </a:solidFill>
+          </a:ln>
+        </p:spPr>
+        <p:style>
+          <a:lnRef idx="1">
+            <a:schemeClr val="accent1"/>
+          </a:lnRef>
+          <a:fillRef idx="0">
+            <a:schemeClr val="accent1"/>
+          </a:fillRef>
+          <a:effectRef idx="0">
+            <a:schemeClr val="accent1"/>
+          </a:effectRef>
+          <a:fontRef idx="minor">
+            <a:schemeClr val="tx1"/>
+          </a:fontRef>
+        </p:style>
+      </p:cxnSp>
+      <p:cxnSp>
+        <p:nvCxnSpPr>
+          <p:cNvPr id="31" name="直線接點 30"/>
+          <p:cNvCxnSpPr/>
+          <p:nvPr/>
+        </p:nvCxnSpPr>
+        <p:spPr>
+          <a:xfrm>
+            <a:off x="3696523" y="4255969"/>
+            <a:ext cx="988540" cy="0"/>
+          </a:xfrm>
+          <a:prstGeom prst="line">
+            <a:avLst/>
+          </a:prstGeom>
+          <a:ln>
+            <a:solidFill>
+              <a:srgbClr val="FF0000"/>
+            </a:solidFill>
+          </a:ln>
+        </p:spPr>
+        <p:style>
+          <a:lnRef idx="1">
+            <a:schemeClr val="accent1"/>
+          </a:lnRef>
+          <a:fillRef idx="0">
+            <a:schemeClr val="accent1"/>
+          </a:fillRef>
+          <a:effectRef idx="0">
+            <a:schemeClr val="accent1"/>
+          </a:effectRef>
+          <a:fontRef idx="minor">
+            <a:schemeClr val="tx1"/>
+          </a:fontRef>
+        </p:style>
+      </p:cxnSp>
+      <p:cxnSp>
+        <p:nvCxnSpPr>
+          <p:cNvPr id="33" name="直線接點 32"/>
+          <p:cNvCxnSpPr/>
+          <p:nvPr/>
+        </p:nvCxnSpPr>
+        <p:spPr>
+          <a:xfrm flipV="1">
+            <a:off x="4685063" y="3527441"/>
+            <a:ext cx="243017" cy="211774"/>
+          </a:xfrm>
+          <a:prstGeom prst="line">
+            <a:avLst/>
+          </a:prstGeom>
+          <a:ln>
+            <a:solidFill>
+              <a:srgbClr val="FF0000"/>
+            </a:solidFill>
+          </a:ln>
+        </p:spPr>
+        <p:style>
+          <a:lnRef idx="1">
+            <a:schemeClr val="accent1"/>
+          </a:lnRef>
+          <a:fillRef idx="0">
+            <a:schemeClr val="accent1"/>
+          </a:fillRef>
+          <a:effectRef idx="0">
+            <a:schemeClr val="accent1"/>
+          </a:effectRef>
+          <a:fontRef idx="minor">
+            <a:schemeClr val="tx1"/>
+          </a:fontRef>
+        </p:style>
+      </p:cxnSp>
+      <p:cxnSp>
+        <p:nvCxnSpPr>
+          <p:cNvPr id="34" name="直線接點 33"/>
+          <p:cNvCxnSpPr/>
+          <p:nvPr/>
+        </p:nvCxnSpPr>
+        <p:spPr>
+          <a:xfrm flipV="1">
+            <a:off x="4683004" y="3689023"/>
+            <a:ext cx="243017" cy="211774"/>
+          </a:xfrm>
+          <a:prstGeom prst="line">
+            <a:avLst/>
+          </a:prstGeom>
+          <a:ln>
+            <a:solidFill>
+              <a:srgbClr val="FF0000"/>
+            </a:solidFill>
+          </a:ln>
+        </p:spPr>
+        <p:style>
+          <a:lnRef idx="1">
+            <a:schemeClr val="accent1"/>
+          </a:lnRef>
+          <a:fillRef idx="0">
+            <a:schemeClr val="accent1"/>
+          </a:fillRef>
+          <a:effectRef idx="0">
+            <a:schemeClr val="accent1"/>
+          </a:effectRef>
+          <a:fontRef idx="minor">
+            <a:schemeClr val="tx1"/>
+          </a:fontRef>
+        </p:style>
+      </p:cxnSp>
+      <p:cxnSp>
+        <p:nvCxnSpPr>
+          <p:cNvPr id="35" name="直線接點 34"/>
+          <p:cNvCxnSpPr/>
+          <p:nvPr/>
+        </p:nvCxnSpPr>
+        <p:spPr>
+          <a:xfrm flipV="1">
+            <a:off x="4689182" y="3855739"/>
+            <a:ext cx="243017" cy="211774"/>
+          </a:xfrm>
+          <a:prstGeom prst="line">
+            <a:avLst/>
+          </a:prstGeom>
+          <a:ln>
+            <a:solidFill>
+              <a:srgbClr val="FF0000"/>
+            </a:solidFill>
+          </a:ln>
+        </p:spPr>
+        <p:style>
+          <a:lnRef idx="1">
+            <a:schemeClr val="accent1"/>
+          </a:lnRef>
+          <a:fillRef idx="0">
+            <a:schemeClr val="accent1"/>
+          </a:fillRef>
+          <a:effectRef idx="0">
+            <a:schemeClr val="accent1"/>
+          </a:effectRef>
+          <a:fontRef idx="minor">
+            <a:schemeClr val="tx1"/>
+          </a:fontRef>
+        </p:style>
+      </p:cxnSp>
+      <p:cxnSp>
+        <p:nvCxnSpPr>
+          <p:cNvPr id="36" name="直線接點 35"/>
+          <p:cNvCxnSpPr/>
+          <p:nvPr/>
+        </p:nvCxnSpPr>
+        <p:spPr>
+          <a:xfrm flipV="1">
+            <a:off x="4691241" y="4039037"/>
+            <a:ext cx="243017" cy="211774"/>
+          </a:xfrm>
+          <a:prstGeom prst="line">
+            <a:avLst/>
+          </a:prstGeom>
+          <a:ln>
+            <a:solidFill>
+              <a:srgbClr val="FF0000"/>
+            </a:solidFill>
+          </a:ln>
+        </p:spPr>
+        <p:style>
+          <a:lnRef idx="1">
+            <a:schemeClr val="accent1"/>
+          </a:lnRef>
+          <a:fillRef idx="0">
+            <a:schemeClr val="accent1"/>
+          </a:fillRef>
+          <a:effectRef idx="0">
+            <a:schemeClr val="accent1"/>
+          </a:effectRef>
+          <a:fontRef idx="minor">
+            <a:schemeClr val="tx1"/>
+          </a:fontRef>
+        </p:style>
+      </p:cxnSp>
+      <p:sp>
+        <p:nvSpPr>
+          <p:cNvPr id="38" name="矩形 37"/>
+          <p:cNvSpPr/>
+          <p:nvPr/>
+        </p:nvSpPr>
+        <p:spPr>
+          <a:xfrm>
+            <a:off x="5924857" y="3641014"/>
+            <a:ext cx="782594" cy="461319"/>
+          </a:xfrm>
+          <a:prstGeom prst="rect">
+            <a:avLst/>
+          </a:prstGeom>
+        </p:spPr>
+        <p:style>
+          <a:lnRef idx="2">
+            <a:schemeClr val="accent1">
+              <a:shade val="50000"/>
+            </a:schemeClr>
+          </a:lnRef>
+          <a:fillRef idx="1">
+            <a:schemeClr val="accent1"/>
+          </a:fillRef>
+          <a:effectRef idx="0">
+            <a:schemeClr val="accent1"/>
+          </a:effectRef>
+          <a:fontRef idx="minor">
+            <a:schemeClr val="lt1"/>
+          </a:fontRef>
+        </p:style>
+        <p:txBody>
+          <a:bodyPr rtlCol="0" anchor="ctr"/>
+          <a:lstStyle/>
+          <a:p>
+            <a:pPr algn="ctr"/>
+            <a:endParaRPr lang="zh-TW" altLang="en-US"/>
+          </a:p>
+        </p:txBody>
+      </p:sp>
+      <p:sp>
+        <p:nvSpPr>
+          <p:cNvPr id="39" name="文字方塊 38"/>
+          <p:cNvSpPr txBox="1"/>
+          <p:nvPr/>
+        </p:nvSpPr>
+        <p:spPr>
+          <a:xfrm>
+            <a:off x="5307020" y="3669705"/>
+            <a:ext cx="620720" cy="369332"/>
+          </a:xfrm>
+          <a:prstGeom prst="rect">
+            <a:avLst/>
+          </a:prstGeom>
+          <a:noFill/>
+        </p:spPr>
+        <p:txBody>
+          <a:bodyPr wrap="square" rtlCol="0">
+            <a:spAutoFit/>
+          </a:bodyPr>
+          <a:lstStyle/>
+          <a:p>
+            <a:r>
+              <a:rPr lang="en-US" altLang="zh-TW" dirty="0" smtClean="0"/>
+              <a:t>5 X</a:t>
+            </a:r>
+            <a:endParaRPr lang="zh-TW" altLang="en-US" dirty="0"/>
+          </a:p>
+        </p:txBody>
+      </p:sp>
+      <p:sp>
+        <p:nvSpPr>
+          <p:cNvPr id="40" name="文字方塊 39"/>
+          <p:cNvSpPr txBox="1"/>
+          <p:nvPr/>
+        </p:nvSpPr>
+        <p:spPr>
+          <a:xfrm>
+            <a:off x="8038276" y="446214"/>
+            <a:ext cx="2174789" cy="369332"/>
+          </a:xfrm>
+          <a:prstGeom prst="rect">
+            <a:avLst/>
+          </a:prstGeom>
+          <a:noFill/>
+        </p:spPr>
+        <p:txBody>
+          <a:bodyPr wrap="square" rtlCol="0">
+            <a:spAutoFit/>
+          </a:bodyPr>
+          <a:lstStyle/>
+          <a:p>
+            <a:r>
+              <a:rPr lang="en-US" altLang="zh-TW" dirty="0" smtClean="0"/>
+              <a:t>Unstack(axis = 1)  </a:t>
+            </a:r>
+            <a:endParaRPr lang="zh-TW" altLang="en-US" dirty="0"/>
+          </a:p>
+        </p:txBody>
+      </p:sp>
+      <p:sp>
+        <p:nvSpPr>
+          <p:cNvPr id="41" name="文字方塊 40"/>
+          <p:cNvSpPr txBox="1"/>
+          <p:nvPr/>
+        </p:nvSpPr>
+        <p:spPr>
+          <a:xfrm>
+            <a:off x="8038276" y="777617"/>
+            <a:ext cx="2537254" cy="276999"/>
+          </a:xfrm>
+          <a:prstGeom prst="rect">
+            <a:avLst/>
+          </a:prstGeom>
+          <a:noFill/>
+        </p:spPr>
+        <p:txBody>
+          <a:bodyPr wrap="square" rtlCol="0">
+            <a:spAutoFit/>
+          </a:bodyPr>
+          <a:lstStyle/>
+          <a:p>
+            <a:r>
+              <a:rPr lang="en-US" altLang="zh-TW" sz="1200" dirty="0" smtClean="0"/>
+              <a:t>(</a:t>
+            </a:r>
+            <a:r>
+              <a:rPr lang="zh-TW" altLang="en-US" sz="1200" dirty="0" smtClean="0"/>
+              <a:t>這同時也是</a:t>
+            </a:r>
+            <a:r>
+              <a:rPr lang="en-US" altLang="zh-TW" sz="1200" dirty="0" smtClean="0"/>
+              <a:t>Default</a:t>
+            </a:r>
+            <a:r>
+              <a:rPr lang="zh-TW" altLang="en-US" sz="1200" dirty="0" smtClean="0"/>
+              <a:t>狀態</a:t>
+            </a:r>
+            <a:r>
+              <a:rPr lang="en-US" altLang="zh-TW" sz="1200" dirty="0" smtClean="0"/>
+              <a:t>)</a:t>
+            </a:r>
+            <a:endParaRPr lang="zh-TW" altLang="en-US" sz="1200" dirty="0"/>
+          </a:p>
+        </p:txBody>
+      </p:sp>
+      <p:sp>
+        <p:nvSpPr>
+          <p:cNvPr id="42" name="文字方塊 41"/>
+          <p:cNvSpPr txBox="1"/>
+          <p:nvPr/>
+        </p:nvSpPr>
+        <p:spPr>
+          <a:xfrm>
+            <a:off x="8392504" y="1109186"/>
+            <a:ext cx="815546" cy="369332"/>
+          </a:xfrm>
+          <a:prstGeom prst="rect">
+            <a:avLst/>
+          </a:prstGeom>
+          <a:noFill/>
+        </p:spPr>
+        <p:txBody>
+          <a:bodyPr wrap="square" rtlCol="0">
+            <a:spAutoFit/>
+          </a:bodyPr>
+          <a:lstStyle/>
+          <a:p>
+            <a:r>
+              <a:rPr lang="en-US" altLang="zh-TW" dirty="0" smtClean="0"/>
+              <a:t>[5,4,3]</a:t>
+            </a:r>
+            <a:endParaRPr lang="zh-TW" altLang="en-US" dirty="0"/>
+          </a:p>
+        </p:txBody>
+      </p:sp>
+      <p:sp>
+        <p:nvSpPr>
+          <p:cNvPr id="43" name="向右箭號 42"/>
+          <p:cNvSpPr/>
+          <p:nvPr/>
+        </p:nvSpPr>
+        <p:spPr>
+          <a:xfrm rot="16200000">
+            <a:off x="8619132" y="1487885"/>
+            <a:ext cx="288324" cy="189637"/>
+          </a:xfrm>
+          <a:prstGeom prst="rightArrow">
+            <a:avLst/>
+          </a:prstGeom>
+        </p:spPr>
+        <p:style>
+          <a:lnRef idx="2">
+            <a:schemeClr val="accent1">
+              <a:shade val="50000"/>
+            </a:schemeClr>
+          </a:lnRef>
+          <a:fillRef idx="1">
+            <a:schemeClr val="accent1"/>
+          </a:fillRef>
+          <a:effectRef idx="0">
+            <a:schemeClr val="accent1"/>
+          </a:effectRef>
+          <a:fontRef idx="minor">
+            <a:schemeClr val="lt1"/>
+          </a:fontRef>
+        </p:style>
+        <p:txBody>
+          <a:bodyPr rtlCol="0" anchor="ctr"/>
+          <a:lstStyle/>
+          <a:p>
+            <a:pPr algn="ctr"/>
+            <a:endParaRPr lang="zh-TW" altLang="en-US"/>
+          </a:p>
+        </p:txBody>
+      </p:sp>
+      <p:sp>
+        <p:nvSpPr>
+          <p:cNvPr id="44" name="文字方塊 43"/>
+          <p:cNvSpPr txBox="1"/>
+          <p:nvPr/>
+        </p:nvSpPr>
+        <p:spPr>
+          <a:xfrm>
+            <a:off x="8763294" y="1433730"/>
+            <a:ext cx="1194486" cy="369332"/>
+          </a:xfrm>
+          <a:prstGeom prst="rect">
+            <a:avLst/>
+          </a:prstGeom>
+          <a:noFill/>
+        </p:spPr>
+        <p:txBody>
+          <a:bodyPr wrap="square" rtlCol="0">
+            <a:spAutoFit/>
+          </a:bodyPr>
+          <a:lstStyle/>
+          <a:p>
+            <a:r>
+              <a:rPr lang="zh-TW" altLang="en-US" dirty="0" smtClean="0"/>
+              <a:t>會切在</a:t>
+            </a:r>
+            <a:r>
+              <a:rPr lang="zh-TW" altLang="en-US" dirty="0"/>
+              <a:t>這</a:t>
+            </a:r>
+          </a:p>
+        </p:txBody>
+      </p:sp>
+      <p:sp>
+        <p:nvSpPr>
+          <p:cNvPr id="45" name="文字方塊 44"/>
+          <p:cNvSpPr txBox="1"/>
+          <p:nvPr/>
+        </p:nvSpPr>
+        <p:spPr>
+          <a:xfrm>
+            <a:off x="7405816" y="2095428"/>
+            <a:ext cx="2059460" cy="923330"/>
+          </a:xfrm>
+          <a:prstGeom prst="rect">
+            <a:avLst/>
+          </a:prstGeom>
+          <a:noFill/>
+        </p:spPr>
+        <p:txBody>
+          <a:bodyPr wrap="square" rtlCol="0">
+            <a:spAutoFit/>
+          </a:bodyPr>
+          <a:lstStyle/>
+          <a:p>
+            <a:r>
+              <a:rPr lang="zh-TW" altLang="en-US" dirty="0" smtClean="0"/>
+              <a:t>此時就看</a:t>
+            </a:r>
+            <a:r>
+              <a:rPr lang="en-US" altLang="zh-TW" dirty="0"/>
+              <a:t>4</a:t>
+            </a:r>
+            <a:r>
+              <a:rPr lang="zh-TW" altLang="en-US" dirty="0" smtClean="0"/>
+              <a:t>那個軸切出來</a:t>
+            </a:r>
+            <a:endParaRPr lang="en-US" altLang="zh-TW" dirty="0" smtClean="0"/>
+          </a:p>
+          <a:p>
+            <a:endParaRPr lang="zh-TW" altLang="en-US" dirty="0"/>
+          </a:p>
+        </p:txBody>
+      </p:sp>
+      <p:sp>
+        <p:nvSpPr>
+          <p:cNvPr id="46" name="立方體 45"/>
+          <p:cNvSpPr/>
+          <p:nvPr/>
+        </p:nvSpPr>
+        <p:spPr>
+          <a:xfrm>
+            <a:off x="7405816" y="3019440"/>
+            <a:ext cx="1227438" cy="1210962"/>
+          </a:xfrm>
+          <a:prstGeom prst="cube">
+            <a:avLst>
+              <a:gd name="adj" fmla="val 20238"/>
+            </a:avLst>
+          </a:prstGeom>
+        </p:spPr>
+        <p:style>
+          <a:lnRef idx="2">
+            <a:schemeClr val="accent1">
+              <a:shade val="50000"/>
+            </a:schemeClr>
+          </a:lnRef>
+          <a:fillRef idx="1">
+            <a:schemeClr val="accent1"/>
+          </a:fillRef>
+          <a:effectRef idx="0">
+            <a:schemeClr val="accent1"/>
+          </a:effectRef>
+          <a:fontRef idx="minor">
+            <a:schemeClr val="lt1"/>
+          </a:fontRef>
+        </p:style>
+        <p:txBody>
+          <a:bodyPr rtlCol="0" anchor="ctr"/>
+          <a:lstStyle/>
+          <a:p>
+            <a:pPr algn="ctr"/>
+            <a:endParaRPr lang="zh-TW" altLang="en-US"/>
+          </a:p>
+        </p:txBody>
+      </p:sp>
+      <p:sp>
+        <p:nvSpPr>
+          <p:cNvPr id="55" name="矩形 54"/>
+          <p:cNvSpPr/>
+          <p:nvPr/>
+        </p:nvSpPr>
+        <p:spPr>
+          <a:xfrm>
+            <a:off x="9671840" y="2993016"/>
+            <a:ext cx="782594" cy="1035198"/>
+          </a:xfrm>
+          <a:prstGeom prst="rect">
+            <a:avLst/>
+          </a:prstGeom>
+        </p:spPr>
+        <p:style>
+          <a:lnRef idx="2">
+            <a:schemeClr val="accent1">
+              <a:shade val="50000"/>
+            </a:schemeClr>
+          </a:lnRef>
+          <a:fillRef idx="1">
+            <a:schemeClr val="accent1"/>
+          </a:fillRef>
+          <a:effectRef idx="0">
+            <a:schemeClr val="accent1"/>
+          </a:effectRef>
+          <a:fontRef idx="minor">
+            <a:schemeClr val="lt1"/>
+          </a:fontRef>
+        </p:style>
+        <p:txBody>
+          <a:bodyPr rtlCol="0" anchor="ctr"/>
+          <a:lstStyle/>
+          <a:p>
+            <a:pPr algn="ctr"/>
+            <a:endParaRPr lang="zh-TW" altLang="en-US"/>
+          </a:p>
+        </p:txBody>
+      </p:sp>
+      <p:sp>
+        <p:nvSpPr>
+          <p:cNvPr id="56" name="文字方塊 55"/>
+          <p:cNvSpPr txBox="1"/>
+          <p:nvPr/>
+        </p:nvSpPr>
+        <p:spPr>
+          <a:xfrm>
+            <a:off x="9131648" y="3391174"/>
+            <a:ext cx="620720" cy="369332"/>
+          </a:xfrm>
+          <a:prstGeom prst="rect">
+            <a:avLst/>
+          </a:prstGeom>
+          <a:noFill/>
+        </p:spPr>
+        <p:txBody>
+          <a:bodyPr wrap="square" rtlCol="0">
+            <a:spAutoFit/>
+          </a:bodyPr>
+          <a:lstStyle/>
+          <a:p>
+            <a:r>
+              <a:rPr lang="en-US" altLang="zh-TW" dirty="0" smtClean="0"/>
+              <a:t>4 X</a:t>
+            </a:r>
+            <a:endParaRPr lang="zh-TW" altLang="en-US" dirty="0"/>
+          </a:p>
+        </p:txBody>
+      </p:sp>
+      <p:sp>
+        <p:nvSpPr>
+          <p:cNvPr id="57" name="文字方塊 56"/>
+          <p:cNvSpPr txBox="1"/>
+          <p:nvPr/>
+        </p:nvSpPr>
+        <p:spPr>
+          <a:xfrm>
+            <a:off x="5979227" y="4132922"/>
+            <a:ext cx="651203" cy="369332"/>
+          </a:xfrm>
+          <a:prstGeom prst="rect">
+            <a:avLst/>
+          </a:prstGeom>
+          <a:noFill/>
+        </p:spPr>
+        <p:txBody>
+          <a:bodyPr wrap="square" rtlCol="0">
+            <a:spAutoFit/>
+          </a:bodyPr>
+          <a:lstStyle/>
+          <a:p>
+            <a:r>
+              <a:rPr lang="en-US" altLang="zh-TW" dirty="0" smtClean="0"/>
+              <a:t>[4,3]</a:t>
+            </a:r>
+            <a:endParaRPr lang="zh-TW" altLang="en-US" dirty="0"/>
+          </a:p>
+        </p:txBody>
+      </p:sp>
+      <p:cxnSp>
+        <p:nvCxnSpPr>
+          <p:cNvPr id="59" name="直線接點 58"/>
+          <p:cNvCxnSpPr/>
+          <p:nvPr/>
+        </p:nvCxnSpPr>
+        <p:spPr>
+          <a:xfrm>
+            <a:off x="7612380" y="3298841"/>
+            <a:ext cx="0" cy="931561"/>
+          </a:xfrm>
+          <a:prstGeom prst="line">
+            <a:avLst/>
+          </a:prstGeom>
+          <a:ln>
+            <a:solidFill>
+              <a:srgbClr val="FF0000"/>
+            </a:solidFill>
+          </a:ln>
+        </p:spPr>
+        <p:style>
+          <a:lnRef idx="1">
+            <a:schemeClr val="accent1"/>
+          </a:lnRef>
+          <a:fillRef idx="0">
+            <a:schemeClr val="accent1"/>
+          </a:fillRef>
+          <a:effectRef idx="0">
+            <a:schemeClr val="accent1"/>
+          </a:effectRef>
+          <a:fontRef idx="minor">
+            <a:schemeClr val="tx1"/>
+          </a:fontRef>
+        </p:style>
+      </p:cxnSp>
+      <p:cxnSp>
+        <p:nvCxnSpPr>
+          <p:cNvPr id="60" name="直線接點 59"/>
+          <p:cNvCxnSpPr/>
+          <p:nvPr/>
+        </p:nvCxnSpPr>
+        <p:spPr>
+          <a:xfrm>
+            <a:off x="7863840" y="3298841"/>
+            <a:ext cx="0" cy="931561"/>
+          </a:xfrm>
+          <a:prstGeom prst="line">
+            <a:avLst/>
+          </a:prstGeom>
+          <a:ln>
+            <a:solidFill>
+              <a:srgbClr val="FF0000"/>
+            </a:solidFill>
+          </a:ln>
+        </p:spPr>
+        <p:style>
+          <a:lnRef idx="1">
+            <a:schemeClr val="accent1"/>
+          </a:lnRef>
+          <a:fillRef idx="0">
+            <a:schemeClr val="accent1"/>
+          </a:fillRef>
+          <a:effectRef idx="0">
+            <a:schemeClr val="accent1"/>
+          </a:effectRef>
+          <a:fontRef idx="minor">
+            <a:schemeClr val="tx1"/>
+          </a:fontRef>
+        </p:style>
+      </p:cxnSp>
+      <p:cxnSp>
+        <p:nvCxnSpPr>
+          <p:cNvPr id="61" name="直線接點 60"/>
+          <p:cNvCxnSpPr/>
+          <p:nvPr/>
+        </p:nvCxnSpPr>
+        <p:spPr>
+          <a:xfrm>
+            <a:off x="8107680" y="3289016"/>
+            <a:ext cx="0" cy="931561"/>
+          </a:xfrm>
+          <a:prstGeom prst="line">
+            <a:avLst/>
+          </a:prstGeom>
+          <a:ln>
+            <a:solidFill>
+              <a:srgbClr val="FF0000"/>
+            </a:solidFill>
+          </a:ln>
+        </p:spPr>
+        <p:style>
+          <a:lnRef idx="1">
+            <a:schemeClr val="accent1"/>
+          </a:lnRef>
+          <a:fillRef idx="0">
+            <a:schemeClr val="accent1"/>
+          </a:fillRef>
+          <a:effectRef idx="0">
+            <a:schemeClr val="accent1"/>
+          </a:effectRef>
+          <a:fontRef idx="minor">
+            <a:schemeClr val="tx1"/>
+          </a:fontRef>
+        </p:style>
+      </p:cxnSp>
+      <p:cxnSp>
+        <p:nvCxnSpPr>
+          <p:cNvPr id="63" name="直線接點 62"/>
+          <p:cNvCxnSpPr/>
+          <p:nvPr/>
+        </p:nvCxnSpPr>
+        <p:spPr>
+          <a:xfrm flipV="1">
+            <a:off x="7612380" y="3019440"/>
+            <a:ext cx="251460" cy="269576"/>
+          </a:xfrm>
+          <a:prstGeom prst="line">
+            <a:avLst/>
+          </a:prstGeom>
+          <a:ln>
+            <a:solidFill>
+              <a:srgbClr val="FF0000"/>
+            </a:solidFill>
+          </a:ln>
+        </p:spPr>
+        <p:style>
+          <a:lnRef idx="1">
+            <a:schemeClr val="accent1"/>
+          </a:lnRef>
+          <a:fillRef idx="0">
+            <a:schemeClr val="accent1"/>
+          </a:fillRef>
+          <a:effectRef idx="0">
+            <a:schemeClr val="accent1"/>
+          </a:effectRef>
+          <a:fontRef idx="minor">
+            <a:schemeClr val="tx1"/>
+          </a:fontRef>
+        </p:style>
+      </p:cxnSp>
+      <p:cxnSp>
+        <p:nvCxnSpPr>
+          <p:cNvPr id="64" name="直線接點 63"/>
+          <p:cNvCxnSpPr/>
+          <p:nvPr/>
+        </p:nvCxnSpPr>
+        <p:spPr>
+          <a:xfrm flipV="1">
+            <a:off x="7856220" y="3009615"/>
+            <a:ext cx="251460" cy="269576"/>
+          </a:xfrm>
+          <a:prstGeom prst="line">
+            <a:avLst/>
+          </a:prstGeom>
+          <a:ln>
+            <a:solidFill>
+              <a:srgbClr val="FF0000"/>
+            </a:solidFill>
+          </a:ln>
+        </p:spPr>
+        <p:style>
+          <a:lnRef idx="1">
+            <a:schemeClr val="accent1"/>
+          </a:lnRef>
+          <a:fillRef idx="0">
+            <a:schemeClr val="accent1"/>
+          </a:fillRef>
+          <a:effectRef idx="0">
+            <a:schemeClr val="accent1"/>
+          </a:effectRef>
+          <a:fontRef idx="minor">
+            <a:schemeClr val="tx1"/>
+          </a:fontRef>
+        </p:style>
+      </p:cxnSp>
+      <p:cxnSp>
+        <p:nvCxnSpPr>
+          <p:cNvPr id="65" name="直線接點 64"/>
+          <p:cNvCxnSpPr/>
+          <p:nvPr/>
+        </p:nvCxnSpPr>
+        <p:spPr>
+          <a:xfrm flipV="1">
+            <a:off x="8100060" y="3000176"/>
+            <a:ext cx="251460" cy="269576"/>
+          </a:xfrm>
+          <a:prstGeom prst="line">
+            <a:avLst/>
+          </a:prstGeom>
+          <a:ln>
+            <a:solidFill>
+              <a:srgbClr val="FF0000"/>
+            </a:solidFill>
+          </a:ln>
+        </p:spPr>
+        <p:style>
+          <a:lnRef idx="1">
+            <a:schemeClr val="accent1"/>
+          </a:lnRef>
+          <a:fillRef idx="0">
+            <a:schemeClr val="accent1"/>
+          </a:fillRef>
+          <a:effectRef idx="0">
+            <a:schemeClr val="accent1"/>
+          </a:effectRef>
+          <a:fontRef idx="minor">
+            <a:schemeClr val="tx1"/>
+          </a:fontRef>
+        </p:style>
+      </p:cxnSp>
+      <p:sp>
+        <p:nvSpPr>
+          <p:cNvPr id="66" name="文字方塊 65"/>
+          <p:cNvSpPr txBox="1"/>
+          <p:nvPr/>
+        </p:nvSpPr>
+        <p:spPr>
+          <a:xfrm>
+            <a:off x="9737535" y="4088988"/>
+            <a:ext cx="651203" cy="369332"/>
+          </a:xfrm>
+          <a:prstGeom prst="rect">
+            <a:avLst/>
+          </a:prstGeom>
+          <a:noFill/>
+        </p:spPr>
+        <p:txBody>
+          <a:bodyPr wrap="square" rtlCol="0">
+            <a:spAutoFit/>
+          </a:bodyPr>
+          <a:lstStyle/>
+          <a:p>
+            <a:r>
+              <a:rPr lang="en-US" altLang="zh-TW" dirty="0" smtClean="0"/>
+              <a:t>[5,3]</a:t>
+            </a:r>
+            <a:endParaRPr lang="zh-TW" altLang="en-US" dirty="0"/>
+          </a:p>
+        </p:txBody>
+      </p:sp>
+      <p:sp>
+        <p:nvSpPr>
+          <p:cNvPr id="67" name="向右箭號 66"/>
+          <p:cNvSpPr/>
+          <p:nvPr/>
+        </p:nvSpPr>
+        <p:spPr>
+          <a:xfrm>
+            <a:off x="5120640" y="3767185"/>
+            <a:ext cx="186380" cy="187595"/>
+          </a:xfrm>
+          <a:prstGeom prst="rightArrow">
+            <a:avLst/>
+          </a:prstGeom>
+          <a:solidFill>
+            <a:schemeClr val="accent2"/>
+          </a:solidFill>
+        </p:spPr>
+        <p:style>
+          <a:lnRef idx="2">
+            <a:schemeClr val="accent1">
+              <a:shade val="50000"/>
+            </a:schemeClr>
+          </a:lnRef>
+          <a:fillRef idx="1">
+            <a:schemeClr val="accent1"/>
+          </a:fillRef>
+          <a:effectRef idx="0">
+            <a:schemeClr val="accent1"/>
+          </a:effectRef>
+          <a:fontRef idx="minor">
+            <a:schemeClr val="lt1"/>
+          </a:fontRef>
+        </p:style>
+        <p:txBody>
+          <a:bodyPr rtlCol="0" anchor="ctr"/>
+          <a:lstStyle/>
+          <a:p>
+            <a:pPr algn="ctr"/>
+            <a:endParaRPr lang="zh-TW" altLang="en-US"/>
+          </a:p>
+        </p:txBody>
+      </p:sp>
+      <p:sp>
+        <p:nvSpPr>
+          <p:cNvPr id="68" name="向右箭號 67"/>
+          <p:cNvSpPr/>
+          <p:nvPr/>
+        </p:nvSpPr>
+        <p:spPr>
+          <a:xfrm>
+            <a:off x="8944441" y="3482110"/>
+            <a:ext cx="186380" cy="187595"/>
+          </a:xfrm>
+          <a:prstGeom prst="rightArrow">
+            <a:avLst/>
+          </a:prstGeom>
+          <a:solidFill>
+            <a:schemeClr val="accent2"/>
+          </a:solidFill>
+        </p:spPr>
+        <p:style>
+          <a:lnRef idx="2">
+            <a:schemeClr val="accent1">
+              <a:shade val="50000"/>
+            </a:schemeClr>
+          </a:lnRef>
+          <a:fillRef idx="1">
+            <a:schemeClr val="accent1"/>
+          </a:fillRef>
+          <a:effectRef idx="0">
+            <a:schemeClr val="accent1"/>
+          </a:effectRef>
+          <a:fontRef idx="minor">
+            <a:schemeClr val="lt1"/>
+          </a:fontRef>
+        </p:style>
+        <p:txBody>
+          <a:bodyPr rtlCol="0" anchor="ctr"/>
+          <a:lstStyle/>
+          <a:p>
+            <a:pPr algn="ctr"/>
+            <a:endParaRPr lang="zh-TW" altLang="en-US"/>
+          </a:p>
+        </p:txBody>
+      </p:sp>
+      <p:sp>
+        <p:nvSpPr>
+          <p:cNvPr id="69" name="文字方塊 68"/>
+          <p:cNvSpPr txBox="1"/>
+          <p:nvPr/>
+        </p:nvSpPr>
+        <p:spPr>
+          <a:xfrm>
+            <a:off x="7673340" y="4502254"/>
+            <a:ext cx="3634740" cy="2031325"/>
+          </a:xfrm>
+          <a:prstGeom prst="rect">
+            <a:avLst/>
+          </a:prstGeom>
+          <a:noFill/>
+        </p:spPr>
+        <p:txBody>
+          <a:bodyPr wrap="square" rtlCol="0">
+            <a:spAutoFit/>
+          </a:bodyPr>
+          <a:lstStyle/>
+          <a:p>
+            <a:r>
+              <a:rPr lang="zh-TW" altLang="en-US" dirty="0" smtClean="0"/>
+              <a:t>算法</a:t>
+            </a:r>
+            <a:r>
+              <a:rPr lang="en-US" altLang="zh-TW" dirty="0" smtClean="0"/>
+              <a:t>:</a:t>
+            </a:r>
+          </a:p>
+          <a:p>
+            <a:pPr marL="342900" indent="-342900">
+              <a:buAutoNum type="arabicParenR"/>
+            </a:pPr>
+            <a:r>
+              <a:rPr lang="zh-TW" altLang="en-US" dirty="0" smtClean="0"/>
+              <a:t>拿第</a:t>
+            </a:r>
+            <a:r>
+              <a:rPr lang="en-US" altLang="zh-TW" dirty="0" smtClean="0"/>
+              <a:t>1</a:t>
+            </a:r>
+            <a:r>
+              <a:rPr lang="zh-TW" altLang="en-US" dirty="0" smtClean="0"/>
+              <a:t>批第</a:t>
+            </a:r>
+            <a:r>
+              <a:rPr lang="en-US" altLang="zh-TW" dirty="0" smtClean="0"/>
+              <a:t>1</a:t>
+            </a:r>
+            <a:r>
+              <a:rPr lang="zh-TW" altLang="en-US" dirty="0" smtClean="0"/>
+              <a:t>列資料，拼起來</a:t>
+            </a:r>
+            <a:endParaRPr lang="en-US" altLang="zh-TW" dirty="0" smtClean="0"/>
+          </a:p>
+          <a:p>
+            <a:pPr marL="342900" indent="-342900">
+              <a:buFontTx/>
+              <a:buAutoNum type="arabicParenR"/>
+            </a:pPr>
+            <a:r>
+              <a:rPr lang="zh-TW" altLang="en-US" dirty="0" smtClean="0"/>
+              <a:t>拿第</a:t>
+            </a:r>
+            <a:r>
+              <a:rPr lang="en-US" altLang="zh-TW" dirty="0" smtClean="0"/>
+              <a:t>2</a:t>
+            </a:r>
+            <a:r>
+              <a:rPr lang="zh-TW" altLang="en-US" dirty="0" smtClean="0"/>
+              <a:t>批第</a:t>
+            </a:r>
+            <a:r>
+              <a:rPr lang="en-US" altLang="zh-TW" dirty="0" smtClean="0"/>
+              <a:t>1</a:t>
+            </a:r>
+            <a:r>
+              <a:rPr lang="zh-TW" altLang="en-US" dirty="0" smtClean="0"/>
+              <a:t>列資料</a:t>
+            </a:r>
+            <a:r>
+              <a:rPr lang="zh-TW" altLang="en-US" dirty="0"/>
+              <a:t>，拼起來</a:t>
+            </a:r>
+            <a:endParaRPr lang="en-US" altLang="zh-TW" dirty="0"/>
+          </a:p>
+          <a:p>
+            <a:pPr marL="342900" indent="-342900">
+              <a:buFontTx/>
+              <a:buAutoNum type="arabicParenR"/>
+            </a:pPr>
+            <a:r>
+              <a:rPr lang="zh-TW" altLang="en-US" dirty="0" smtClean="0"/>
+              <a:t>拿第</a:t>
+            </a:r>
+            <a:r>
+              <a:rPr lang="en-US" altLang="zh-TW" dirty="0" smtClean="0"/>
+              <a:t>3</a:t>
+            </a:r>
+            <a:r>
+              <a:rPr lang="zh-TW" altLang="en-US" dirty="0" smtClean="0"/>
+              <a:t>批第</a:t>
+            </a:r>
+            <a:r>
+              <a:rPr lang="en-US" altLang="zh-TW" dirty="0"/>
+              <a:t>1</a:t>
+            </a:r>
+            <a:r>
+              <a:rPr lang="zh-TW" altLang="en-US" dirty="0" smtClean="0"/>
+              <a:t>列</a:t>
+            </a:r>
+            <a:r>
+              <a:rPr lang="zh-TW" altLang="en-US" dirty="0"/>
+              <a:t>資料，拼起來</a:t>
+            </a:r>
+            <a:endParaRPr lang="en-US" altLang="zh-TW" dirty="0"/>
+          </a:p>
+          <a:p>
+            <a:pPr marL="342900" indent="-342900">
+              <a:buFontTx/>
+              <a:buAutoNum type="arabicParenR"/>
+            </a:pPr>
+            <a:r>
+              <a:rPr lang="zh-TW" altLang="en-US" dirty="0" smtClean="0"/>
+              <a:t>拿第</a:t>
+            </a:r>
+            <a:r>
+              <a:rPr lang="en-US" altLang="zh-TW" dirty="0" smtClean="0"/>
+              <a:t>4</a:t>
+            </a:r>
+            <a:r>
+              <a:rPr lang="zh-TW" altLang="en-US" dirty="0" smtClean="0"/>
+              <a:t>批第</a:t>
+            </a:r>
+            <a:r>
+              <a:rPr lang="en-US" altLang="zh-TW" dirty="0"/>
+              <a:t>1</a:t>
+            </a:r>
+            <a:r>
+              <a:rPr lang="zh-TW" altLang="en-US" dirty="0" smtClean="0"/>
+              <a:t>列</a:t>
+            </a:r>
+            <a:r>
+              <a:rPr lang="zh-TW" altLang="en-US" dirty="0"/>
+              <a:t>資料，拼起來</a:t>
+            </a:r>
+            <a:endParaRPr lang="en-US" altLang="zh-TW" dirty="0"/>
+          </a:p>
+          <a:p>
+            <a:pPr marL="342900" indent="-342900">
+              <a:buFontTx/>
+              <a:buAutoNum type="arabicParenR"/>
+            </a:pPr>
+            <a:r>
+              <a:rPr lang="zh-TW" altLang="en-US" dirty="0" smtClean="0"/>
+              <a:t>拿第</a:t>
+            </a:r>
+            <a:r>
+              <a:rPr lang="en-US" altLang="zh-TW" dirty="0" smtClean="0"/>
+              <a:t>5</a:t>
+            </a:r>
+            <a:r>
+              <a:rPr lang="zh-TW" altLang="en-US" dirty="0" smtClean="0"/>
+              <a:t>批第</a:t>
+            </a:r>
+            <a:r>
+              <a:rPr lang="en-US" altLang="zh-TW" dirty="0" smtClean="0"/>
+              <a:t>1</a:t>
+            </a:r>
+            <a:r>
+              <a:rPr lang="zh-TW" altLang="en-US" dirty="0" smtClean="0"/>
+              <a:t>列</a:t>
+            </a:r>
+            <a:r>
+              <a:rPr lang="zh-TW" altLang="en-US" dirty="0"/>
+              <a:t>資料，拼起來</a:t>
+            </a:r>
+            <a:endParaRPr lang="en-US" altLang="zh-TW" dirty="0"/>
+          </a:p>
+          <a:p>
+            <a:pPr marL="342900" indent="-342900">
+              <a:buAutoNum type="arabicParenR"/>
+            </a:pPr>
+            <a:endParaRPr lang="zh-TW" altLang="en-US" dirty="0"/>
+          </a:p>
+        </p:txBody>
+      </p:sp>
+      <p:cxnSp>
+        <p:nvCxnSpPr>
+          <p:cNvPr id="71" name="直線單箭頭接點 70"/>
+          <p:cNvCxnSpPr/>
+          <p:nvPr/>
+        </p:nvCxnSpPr>
+        <p:spPr>
+          <a:xfrm flipH="1" flipV="1">
+            <a:off x="7559040" y="3397853"/>
+            <a:ext cx="609600" cy="1570387"/>
+          </a:xfrm>
+          <a:prstGeom prst="straightConnector1">
+            <a:avLst/>
+          </a:prstGeom>
+          <a:ln>
+            <a:solidFill>
+              <a:srgbClr val="FFFF00"/>
+            </a:solidFill>
+            <a:tailEnd type="triangle"/>
+          </a:ln>
+        </p:spPr>
+        <p:style>
+          <a:lnRef idx="1">
+            <a:schemeClr val="accent1"/>
+          </a:lnRef>
+          <a:fillRef idx="0">
+            <a:schemeClr val="accent1"/>
+          </a:fillRef>
+          <a:effectRef idx="0">
+            <a:schemeClr val="accent1"/>
+          </a:effectRef>
+          <a:fontRef idx="minor">
+            <a:schemeClr val="tx1"/>
+          </a:fontRef>
+        </p:style>
+      </p:cxnSp>
+      <p:cxnSp>
+        <p:nvCxnSpPr>
+          <p:cNvPr id="73" name="直線單箭頭接點 72"/>
+          <p:cNvCxnSpPr/>
+          <p:nvPr/>
+        </p:nvCxnSpPr>
+        <p:spPr>
+          <a:xfrm flipH="1" flipV="1">
+            <a:off x="7520114" y="3556335"/>
+            <a:ext cx="587567" cy="1686225"/>
+          </a:xfrm>
+          <a:prstGeom prst="straightConnector1">
+            <a:avLst/>
+          </a:prstGeom>
+          <a:ln>
+            <a:solidFill>
+              <a:srgbClr val="FFFF00"/>
+            </a:solidFill>
+            <a:tailEnd type="triangle"/>
+          </a:ln>
+        </p:spPr>
+        <p:style>
+          <a:lnRef idx="1">
+            <a:schemeClr val="accent1"/>
+          </a:lnRef>
+          <a:fillRef idx="0">
+            <a:schemeClr val="accent1"/>
+          </a:fillRef>
+          <a:effectRef idx="0">
+            <a:schemeClr val="accent1"/>
+          </a:effectRef>
+          <a:fontRef idx="minor">
+            <a:schemeClr val="tx1"/>
+          </a:fontRef>
+        </p:style>
+      </p:cxnSp>
+      <p:cxnSp>
+        <p:nvCxnSpPr>
+          <p:cNvPr id="76" name="直線單箭頭接點 75"/>
+          <p:cNvCxnSpPr/>
+          <p:nvPr/>
+        </p:nvCxnSpPr>
+        <p:spPr>
+          <a:xfrm flipH="1" flipV="1">
+            <a:off x="7520114" y="3803317"/>
+            <a:ext cx="587568" cy="1713563"/>
+          </a:xfrm>
+          <a:prstGeom prst="straightConnector1">
+            <a:avLst/>
+          </a:prstGeom>
+          <a:ln>
+            <a:solidFill>
+              <a:srgbClr val="FFFF00"/>
+            </a:solidFill>
+            <a:tailEnd type="triangle"/>
+          </a:ln>
+        </p:spPr>
+        <p:style>
+          <a:lnRef idx="1">
+            <a:schemeClr val="accent1"/>
+          </a:lnRef>
+          <a:fillRef idx="0">
+            <a:schemeClr val="accent1"/>
+          </a:fillRef>
+          <a:effectRef idx="0">
+            <a:schemeClr val="accent1"/>
+          </a:effectRef>
+          <a:fontRef idx="minor">
+            <a:schemeClr val="tx1"/>
+          </a:fontRef>
+        </p:style>
+      </p:cxnSp>
+      <p:cxnSp>
+        <p:nvCxnSpPr>
+          <p:cNvPr id="78" name="直線單箭頭接點 77"/>
+          <p:cNvCxnSpPr/>
+          <p:nvPr/>
+        </p:nvCxnSpPr>
+        <p:spPr>
+          <a:xfrm flipH="1" flipV="1">
+            <a:off x="7520114" y="3963751"/>
+            <a:ext cx="587567" cy="1865549"/>
+          </a:xfrm>
+          <a:prstGeom prst="straightConnector1">
+            <a:avLst/>
+          </a:prstGeom>
+          <a:ln>
+            <a:solidFill>
+              <a:srgbClr val="FFFF00"/>
+            </a:solidFill>
+            <a:tailEnd type="triangle"/>
+          </a:ln>
+        </p:spPr>
+        <p:style>
+          <a:lnRef idx="1">
+            <a:schemeClr val="accent1"/>
+          </a:lnRef>
+          <a:fillRef idx="0">
+            <a:schemeClr val="accent1"/>
+          </a:fillRef>
+          <a:effectRef idx="0">
+            <a:schemeClr val="accent1"/>
+          </a:effectRef>
+          <a:fontRef idx="minor">
+            <a:schemeClr val="tx1"/>
+          </a:fontRef>
+        </p:style>
+      </p:cxnSp>
+      <p:cxnSp>
+        <p:nvCxnSpPr>
+          <p:cNvPr id="80" name="直線接點 79"/>
+          <p:cNvCxnSpPr/>
+          <p:nvPr/>
+        </p:nvCxnSpPr>
+        <p:spPr>
+          <a:xfrm>
+            <a:off x="7208520" y="3482110"/>
+            <a:ext cx="1554774" cy="0"/>
+          </a:xfrm>
+          <a:prstGeom prst="line">
+            <a:avLst/>
+          </a:prstGeom>
+          <a:ln>
+            <a:solidFill>
+              <a:schemeClr val="accent1">
+                <a:lumMod val="60000"/>
+                <a:lumOff val="40000"/>
+              </a:schemeClr>
+            </a:solidFill>
+            <a:prstDash val="lgDash"/>
+          </a:ln>
+        </p:spPr>
+        <p:style>
+          <a:lnRef idx="1">
+            <a:schemeClr val="accent1"/>
+          </a:lnRef>
+          <a:fillRef idx="0">
+            <a:schemeClr val="accent1"/>
+          </a:fillRef>
+          <a:effectRef idx="0">
+            <a:schemeClr val="accent1"/>
+          </a:effectRef>
+          <a:fontRef idx="minor">
+            <a:schemeClr val="tx1"/>
+          </a:fontRef>
+        </p:style>
+      </p:cxnSp>
+      <p:cxnSp>
+        <p:nvCxnSpPr>
+          <p:cNvPr id="85" name="直線接點 84"/>
+          <p:cNvCxnSpPr/>
+          <p:nvPr/>
+        </p:nvCxnSpPr>
+        <p:spPr>
+          <a:xfrm>
+            <a:off x="7208520" y="3665545"/>
+            <a:ext cx="1554774" cy="0"/>
+          </a:xfrm>
+          <a:prstGeom prst="line">
+            <a:avLst/>
+          </a:prstGeom>
+          <a:ln>
+            <a:solidFill>
+              <a:schemeClr val="accent1">
+                <a:lumMod val="60000"/>
+                <a:lumOff val="40000"/>
+              </a:schemeClr>
+            </a:solidFill>
+            <a:prstDash val="lgDash"/>
+          </a:ln>
+        </p:spPr>
+        <p:style>
+          <a:lnRef idx="1">
+            <a:schemeClr val="accent1"/>
+          </a:lnRef>
+          <a:fillRef idx="0">
+            <a:schemeClr val="accent1"/>
+          </a:fillRef>
+          <a:effectRef idx="0">
+            <a:schemeClr val="accent1"/>
+          </a:effectRef>
+          <a:fontRef idx="minor">
+            <a:schemeClr val="tx1"/>
+          </a:fontRef>
+        </p:style>
+      </p:cxnSp>
+      <p:cxnSp>
+        <p:nvCxnSpPr>
+          <p:cNvPr id="86" name="直線接點 85"/>
+          <p:cNvCxnSpPr/>
+          <p:nvPr/>
+        </p:nvCxnSpPr>
+        <p:spPr>
+          <a:xfrm>
+            <a:off x="7208520" y="3855739"/>
+            <a:ext cx="1554774" cy="0"/>
+          </a:xfrm>
+          <a:prstGeom prst="line">
+            <a:avLst/>
+          </a:prstGeom>
+          <a:ln>
+            <a:solidFill>
+              <a:schemeClr val="accent1">
+                <a:lumMod val="60000"/>
+                <a:lumOff val="40000"/>
+              </a:schemeClr>
+            </a:solidFill>
+            <a:prstDash val="lgDash"/>
+          </a:ln>
+        </p:spPr>
+        <p:style>
+          <a:lnRef idx="1">
+            <a:schemeClr val="accent1"/>
+          </a:lnRef>
+          <a:fillRef idx="0">
+            <a:schemeClr val="accent1"/>
+          </a:fillRef>
+          <a:effectRef idx="0">
+            <a:schemeClr val="accent1"/>
+          </a:effectRef>
+          <a:fontRef idx="minor">
+            <a:schemeClr val="tx1"/>
+          </a:fontRef>
+        </p:style>
+      </p:cxnSp>
+      <p:cxnSp>
+        <p:nvCxnSpPr>
+          <p:cNvPr id="87" name="直線接點 86"/>
+          <p:cNvCxnSpPr/>
+          <p:nvPr/>
+        </p:nvCxnSpPr>
+        <p:spPr>
+          <a:xfrm>
+            <a:off x="7208520" y="4020613"/>
+            <a:ext cx="1554774" cy="0"/>
+          </a:xfrm>
+          <a:prstGeom prst="line">
+            <a:avLst/>
+          </a:prstGeom>
+          <a:ln>
+            <a:solidFill>
+              <a:schemeClr val="accent1">
+                <a:lumMod val="60000"/>
+                <a:lumOff val="40000"/>
+              </a:schemeClr>
+            </a:solidFill>
+            <a:prstDash val="lgDash"/>
+          </a:ln>
+        </p:spPr>
+        <p:style>
+          <a:lnRef idx="1">
+            <a:schemeClr val="accent1"/>
+          </a:lnRef>
+          <a:fillRef idx="0">
+            <a:schemeClr val="accent1"/>
+          </a:fillRef>
+          <a:effectRef idx="0">
+            <a:schemeClr val="accent1"/>
+          </a:effectRef>
+          <a:fontRef idx="minor">
+            <a:schemeClr val="tx1"/>
+          </a:fontRef>
+        </p:style>
+      </p:cxnSp>
+      <p:sp>
+        <p:nvSpPr>
+          <p:cNvPr id="90" name="圓角矩形 89"/>
+          <p:cNvSpPr/>
+          <p:nvPr/>
+        </p:nvSpPr>
+        <p:spPr>
+          <a:xfrm>
+            <a:off x="7559040" y="4823460"/>
+            <a:ext cx="3642360" cy="1541278"/>
+          </a:xfrm>
+          <a:prstGeom prst="roundRect">
+            <a:avLst/>
+          </a:prstGeom>
+          <a:noFill/>
+          <a:ln>
+            <a:solidFill>
+              <a:srgbClr val="7030A0"/>
+            </a:solidFill>
+            <a:prstDash val="sysDash"/>
+          </a:ln>
+        </p:spPr>
+        <p:style>
+          <a:lnRef idx="2">
+            <a:schemeClr val="accent1">
+              <a:shade val="50000"/>
+            </a:schemeClr>
+          </a:lnRef>
+          <a:fillRef idx="1">
+            <a:schemeClr val="accent1"/>
+          </a:fillRef>
+          <a:effectRef idx="0">
+            <a:schemeClr val="accent1"/>
+          </a:effectRef>
+          <a:fontRef idx="minor">
+            <a:schemeClr val="lt1"/>
+          </a:fontRef>
+        </p:style>
+        <p:txBody>
+          <a:bodyPr rtlCol="0" anchor="ctr"/>
+          <a:lstStyle/>
+          <a:p>
+            <a:pPr algn="ctr"/>
+            <a:endParaRPr lang="zh-TW" altLang="en-US"/>
+          </a:p>
+        </p:txBody>
+      </p:sp>
+      <p:cxnSp>
+        <p:nvCxnSpPr>
+          <p:cNvPr id="92" name="直線單箭頭接點 91"/>
+          <p:cNvCxnSpPr/>
+          <p:nvPr/>
+        </p:nvCxnSpPr>
+        <p:spPr>
+          <a:xfrm flipH="1" flipV="1">
+            <a:off x="10388738" y="4132922"/>
+            <a:ext cx="264022" cy="690538"/>
+          </a:xfrm>
+          <a:prstGeom prst="straightConnector1">
+            <a:avLst/>
+          </a:prstGeom>
+          <a:ln>
+            <a:solidFill>
+              <a:srgbClr val="7030A0"/>
+            </a:solidFill>
+            <a:tailEnd type="triangle"/>
+          </a:ln>
+        </p:spPr>
+        <p:style>
+          <a:lnRef idx="1">
+            <a:schemeClr val="accent1"/>
+          </a:lnRef>
+          <a:fillRef idx="0">
+            <a:schemeClr val="accent1"/>
+          </a:fillRef>
+          <a:effectRef idx="0">
+            <a:schemeClr val="accent1"/>
+          </a:effectRef>
+          <a:fontRef idx="minor">
+            <a:schemeClr val="tx1"/>
+          </a:fontRef>
+        </p:style>
+      </p:cxnSp>
+      <p:cxnSp>
+        <p:nvCxnSpPr>
+          <p:cNvPr id="96" name="直線單箭頭接點 95"/>
+          <p:cNvCxnSpPr/>
+          <p:nvPr/>
+        </p:nvCxnSpPr>
+        <p:spPr>
+          <a:xfrm flipH="1" flipV="1">
+            <a:off x="7520114" y="4147186"/>
+            <a:ext cx="579946" cy="1851334"/>
+          </a:xfrm>
+          <a:prstGeom prst="straightConnector1">
+            <a:avLst/>
+          </a:prstGeom>
+          <a:ln>
+            <a:solidFill>
+              <a:srgbClr val="FFFF00"/>
+            </a:solidFill>
+            <a:tailEnd type="triangle"/>
+          </a:ln>
+        </p:spPr>
+        <p:style>
+          <a:lnRef idx="1">
+            <a:schemeClr val="accent1"/>
+          </a:lnRef>
+          <a:fillRef idx="0">
+            <a:schemeClr val="accent1"/>
+          </a:fillRef>
+          <a:effectRef idx="0">
+            <a:schemeClr val="accent1"/>
+          </a:effectRef>
+          <a:fontRef idx="minor">
+            <a:schemeClr val="tx1"/>
+          </a:fontRef>
+        </p:style>
+      </p:cxnSp>
+      <p:sp>
+        <p:nvSpPr>
+          <p:cNvPr id="97" name="文字方塊 96"/>
+          <p:cNvSpPr txBox="1"/>
+          <p:nvPr/>
+        </p:nvSpPr>
+        <p:spPr>
+          <a:xfrm>
+            <a:off x="8050633" y="6395834"/>
+            <a:ext cx="2880154" cy="369332"/>
+          </a:xfrm>
+          <a:prstGeom prst="rect">
+            <a:avLst/>
+          </a:prstGeom>
+          <a:noFill/>
+        </p:spPr>
+        <p:txBody>
+          <a:bodyPr wrap="square" rtlCol="0">
+            <a:spAutoFit/>
+          </a:bodyPr>
+          <a:lstStyle/>
+          <a:p>
+            <a:r>
+              <a:rPr lang="zh-TW" altLang="en-US" dirty="0" smtClean="0"/>
+              <a:t>換</a:t>
+            </a:r>
+            <a:r>
+              <a:rPr lang="en-US" altLang="zh-TW" dirty="0" smtClean="0"/>
+              <a:t>2,3,4</a:t>
+            </a:r>
+            <a:r>
+              <a:rPr lang="zh-TW" altLang="en-US" dirty="0" smtClean="0"/>
+              <a:t>列，直到</a:t>
+            </a:r>
+            <a:r>
+              <a:rPr lang="en-US" altLang="zh-TW" dirty="0" smtClean="0"/>
+              <a:t>4</a:t>
+            </a:r>
+            <a:r>
+              <a:rPr lang="zh-TW" altLang="en-US" dirty="0" smtClean="0"/>
+              <a:t>列切完</a:t>
+            </a:r>
+            <a:endParaRPr lang="zh-TW" altLang="en-US" dirty="0"/>
+          </a:p>
+        </p:txBody>
+      </p:sp>
+    </p:spTree>
+    <p:extLst>
+      <p:ext uri="{BB962C8B-B14F-4D97-AF65-F5344CB8AC3E}">
+        <p14:creationId xmlns:p14="http://schemas.microsoft.com/office/powerpoint/2010/main" val="2857303024"/>
+      </p:ext>
+    </p:extLst>
+  </p:cSld>
+  <p:clrMapOvr>
+    <a:masterClrMapping/>
+  </p:clrMapOvr>
+</p:sld>
+</file>
+
+<file path=ppt/slides/slide11.xml><?xml version="1.0" encoding="utf-8"?>
+<p:sld xmlns:a="http://schemas.openxmlformats.org/drawingml/2006/main" xmlns:r="http://schemas.openxmlformats.org/officeDocument/2006/relationships" xmlns:p="http://schemas.openxmlformats.org/presentationml/2006/main">
+  <p:cSld>
+    <p:spTree>
+      <p:nvGrpSpPr>
+        <p:cNvPr id="1" name=""/>
+        <p:cNvGrpSpPr/>
+        <p:nvPr/>
+      </p:nvGrpSpPr>
+      <p:grpSpPr>
+        <a:xfrm>
+          <a:off x="0" y="0"/>
+          <a:ext cx="0" cy="0"/>
+          <a:chOff x="0" y="0"/>
+          <a:chExt cx="0" cy="0"/>
+        </a:xfrm>
+      </p:grpSpPr>
+    </p:spTree>
+    <p:extLst>
+      <p:ext uri="{BB962C8B-B14F-4D97-AF65-F5344CB8AC3E}">
+        <p14:creationId xmlns:p14="http://schemas.microsoft.com/office/powerpoint/2010/main" val="715921003"/>
+      </p:ext>
+    </p:extLst>
+  </p:cSld>
+  <p:clrMapOvr>
+    <a:masterClrMapping/>
+  </p:clrMapOvr>
+</p:sld>
+</file>
+
+<file path=ppt/slides/slide12.xml><?xml version="1.0" encoding="utf-8"?>
+<p:sld xmlns:a="http://schemas.openxmlformats.org/drawingml/2006/main" xmlns:r="http://schemas.openxmlformats.org/officeDocument/2006/relationships" xmlns:p="http://schemas.openxmlformats.org/presentationml/2006/main">
+  <p:cSld>
+    <p:spTree>
+      <p:nvGrpSpPr>
+        <p:cNvPr id="1" name=""/>
+        <p:cNvGrpSpPr/>
+        <p:nvPr/>
+      </p:nvGrpSpPr>
+      <p:grpSpPr>
+        <a:xfrm>
+          <a:off x="0" y="0"/>
+          <a:ext cx="0" cy="0"/>
+          <a:chOff x="0" y="0"/>
+          <a:chExt cx="0" cy="0"/>
+        </a:xfrm>
+      </p:grpSpPr>
+    </p:spTree>
+    <p:extLst>
+      <p:ext uri="{BB962C8B-B14F-4D97-AF65-F5344CB8AC3E}">
+        <p14:creationId xmlns:p14="http://schemas.microsoft.com/office/powerpoint/2010/main" val="3935328359"/>
       </p:ext>
     </p:extLst>
   </p:cSld>
